--- a/PROGETTO SABD 2.pptx
+++ b/PROGETTO SABD 2.pptx
@@ -9,12 +9,14 @@
     <p:sldId id="258" r:id="rId6"/>
     <p:sldId id="266" r:id="rId7"/>
     <p:sldId id="273" r:id="rId8"/>
-    <p:sldId id="267" r:id="rId9"/>
-    <p:sldId id="270" r:id="rId10"/>
-    <p:sldId id="271" r:id="rId11"/>
-    <p:sldId id="274" r:id="rId12"/>
-    <p:sldId id="275" r:id="rId13"/>
-    <p:sldId id="276" r:id="rId14"/>
+    <p:sldId id="278" r:id="rId9"/>
+    <p:sldId id="277" r:id="rId10"/>
+    <p:sldId id="267" r:id="rId11"/>
+    <p:sldId id="270" r:id="rId12"/>
+    <p:sldId id="271" r:id="rId13"/>
+    <p:sldId id="274" r:id="rId14"/>
+    <p:sldId id="275" r:id="rId15"/>
+    <p:sldId id="276" r:id="rId16"/>
   </p:sldIdLst>
   <p:sldSz cx="12192000" cy="6858000"/>
   <p:notesSz cx="6858000" cy="9144000"/>
@@ -125,6 +127,7 @@
 <p1510:revInfo xmlns:a="http://schemas.openxmlformats.org/drawingml/2006/main" xmlns:r="http://schemas.openxmlformats.org/officeDocument/2006/relationships" xmlns:p1510="http://schemas.microsoft.com/office/powerpoint/2015/10/main">
   <p1510:revLst>
     <p1510:client id="{5E8D179A-5B4E-42F6-9C44-F7ED014E55DD}" v="5" dt="2021-07-05T14:20:59.007"/>
+    <p1510:client id="{E7647154-8B07-4D04-83F3-93CA9E637495}" v="9" dt="2021-07-06T08:21:57.327"/>
   </p1510:revLst>
 </p1510:revInfo>
 </file>
@@ -3499,7 +3502,7 @@
           <a:p>
             <a:fld id="{EB2FD7F9-1C08-4659-A678-D4CC563A3D5B}" type="datetimeFigureOut">
               <a:rPr lang="it-IT" smtClean="0"/>
-              <a:t>05/07/2021</a:t>
+              <a:t>06/07/2021</a:t>
             </a:fld>
             <a:endParaRPr lang="it-IT"/>
           </a:p>
@@ -3707,7 +3710,7 @@
           <a:p>
             <a:fld id="{EB2FD7F9-1C08-4659-A678-D4CC563A3D5B}" type="datetimeFigureOut">
               <a:rPr lang="it-IT" smtClean="0"/>
-              <a:t>05/07/2021</a:t>
+              <a:t>06/07/2021</a:t>
             </a:fld>
             <a:endParaRPr lang="it-IT"/>
           </a:p>
@@ -3963,7 +3966,7 @@
           <a:p>
             <a:fld id="{EB2FD7F9-1C08-4659-A678-D4CC563A3D5B}" type="datetimeFigureOut">
               <a:rPr lang="it-IT" smtClean="0"/>
-              <a:t>05/07/2021</a:t>
+              <a:t>06/07/2021</a:t>
             </a:fld>
             <a:endParaRPr lang="it-IT"/>
           </a:p>
@@ -4137,7 +4140,7 @@
           <a:p>
             <a:fld id="{EB2FD7F9-1C08-4659-A678-D4CC563A3D5B}" type="datetimeFigureOut">
               <a:rPr lang="it-IT" smtClean="0"/>
-              <a:t>05/07/2021</a:t>
+              <a:t>06/07/2021</a:t>
             </a:fld>
             <a:endParaRPr lang="it-IT"/>
           </a:p>
@@ -4480,7 +4483,7 @@
           <a:p>
             <a:fld id="{EB2FD7F9-1C08-4659-A678-D4CC563A3D5B}" type="datetimeFigureOut">
               <a:rPr lang="it-IT" smtClean="0"/>
-              <a:t>05/07/2021</a:t>
+              <a:t>06/07/2021</a:t>
             </a:fld>
             <a:endParaRPr lang="it-IT"/>
           </a:p>
@@ -4755,7 +4758,7 @@
           <a:p>
             <a:fld id="{EB2FD7F9-1C08-4659-A678-D4CC563A3D5B}" type="datetimeFigureOut">
               <a:rPr lang="it-IT" smtClean="0"/>
-              <a:t>05/07/2021</a:t>
+              <a:t>06/07/2021</a:t>
             </a:fld>
             <a:endParaRPr lang="it-IT"/>
           </a:p>
@@ -5134,7 +5137,7 @@
           <a:p>
             <a:fld id="{EB2FD7F9-1C08-4659-A678-D4CC563A3D5B}" type="datetimeFigureOut">
               <a:rPr lang="it-IT" smtClean="0"/>
-              <a:t>05/07/2021</a:t>
+              <a:t>06/07/2021</a:t>
             </a:fld>
             <a:endParaRPr lang="it-IT"/>
           </a:p>
@@ -5252,7 +5255,7 @@
           <a:p>
             <a:fld id="{EB2FD7F9-1C08-4659-A678-D4CC563A3D5B}" type="datetimeFigureOut">
               <a:rPr lang="it-IT" smtClean="0"/>
-              <a:t>05/07/2021</a:t>
+              <a:t>06/07/2021</a:t>
             </a:fld>
             <a:endParaRPr lang="it-IT"/>
           </a:p>
@@ -5423,7 +5426,7 @@
           <a:p>
             <a:fld id="{EB2FD7F9-1C08-4659-A678-D4CC563A3D5B}" type="datetimeFigureOut">
               <a:rPr lang="it-IT" smtClean="0"/>
-              <a:t>05/07/2021</a:t>
+              <a:t>06/07/2021</a:t>
             </a:fld>
             <a:endParaRPr lang="it-IT"/>
           </a:p>
@@ -5777,7 +5780,7 @@
           <a:p>
             <a:fld id="{EB2FD7F9-1C08-4659-A678-D4CC563A3D5B}" type="datetimeFigureOut">
               <a:rPr lang="it-IT" smtClean="0"/>
-              <a:t>05/07/2021</a:t>
+              <a:t>06/07/2021</a:t>
             </a:fld>
             <a:endParaRPr lang="it-IT"/>
           </a:p>
@@ -6159,7 +6162,7 @@
           <a:p>
             <a:fld id="{EB2FD7F9-1C08-4659-A678-D4CC563A3D5B}" type="datetimeFigureOut">
               <a:rPr lang="it-IT" smtClean="0"/>
-              <a:t>05/07/2021</a:t>
+              <a:t>06/07/2021</a:t>
             </a:fld>
             <a:endParaRPr lang="it-IT"/>
           </a:p>
@@ -6446,7 +6449,7 @@
           <a:p>
             <a:fld id="{EB2FD7F9-1C08-4659-A678-D4CC563A3D5B}" type="datetimeFigureOut">
               <a:rPr lang="it-IT" smtClean="0"/>
-              <a:t>05/07/2021</a:t>
+              <a:t>06/07/2021</a:t>
             </a:fld>
             <a:endParaRPr lang="it-IT"/>
           </a:p>
@@ -7044,7 +7047,7 @@
                 </a:solidFill>
                 <a:latin typeface="Abadi" panose="020B0604020104020204" pitchFamily="34" charset="0"/>
               </a:rPr>
-              <a:t>PROGETTO 2 SABD</a:t>
+              <a:t>PROGETTO 2 - SABD</a:t>
             </a:r>
           </a:p>
         </p:txBody>
@@ -7154,11 +7157,14 @@
           <a:p>
             <a:pPr algn="ctr"/>
             <a:r>
-              <a:rPr lang="it-IT" sz="4800">
+              <a:rPr lang="it-IT">
                 <a:latin typeface="Abadi" panose="020B0604020104020204" pitchFamily="34" charset="0"/>
               </a:rPr>
-              <a:t>RIFERIMENTI</a:t>
-            </a:r>
+              <a:t>RISULTATI</a:t>
+            </a:r>
+            <a:endParaRPr lang="it-IT" sz="4800">
+              <a:latin typeface="Abadi" panose="020B0604020104020204" pitchFamily="34" charset="0"/>
+            </a:endParaRPr>
           </a:p>
         </p:txBody>
       </p:sp>
@@ -7377,6 +7383,704 @@
                 </a:solidFill>
                 <a:latin typeface="Abadi" panose="020B0604020104020204" pitchFamily="34" charset="0"/>
               </a:rPr>
+              <a:t>15</a:t>
+            </a:r>
+          </a:p>
+        </p:txBody>
+      </p:sp>
+      <p:sp>
+        <p:nvSpPr>
+          <p:cNvPr id="5" name="CasellaDiTesto 12">
+            <a:extLst>
+              <a:ext uri="{FF2B5EF4-FFF2-40B4-BE49-F238E27FC236}">
+                <a16:creationId xmlns:a16="http://schemas.microsoft.com/office/drawing/2014/main" id="{C007B7B2-A222-4A56-9289-815C4EAF3822}"/>
+              </a:ext>
+            </a:extLst>
+          </p:cNvPr>
+          <p:cNvSpPr txBox="1"/>
+          <p:nvPr/>
+        </p:nvSpPr>
+        <p:spPr>
+          <a:xfrm>
+            <a:off x="1016000" y="2023962"/>
+            <a:ext cx="6173037" cy="3845131"/>
+          </a:xfrm>
+          <a:prstGeom prst="rect">
+            <a:avLst/>
+          </a:prstGeom>
+        </p:spPr>
+        <p:txBody>
+          <a:bodyPr vert="horz" lIns="0" tIns="45720" rIns="0" bIns="45720" rtlCol="0">
+            <a:normAutofit/>
+          </a:bodyPr>
+          <a:lstStyle/>
+          <a:p>
+            <a:pPr algn="just" defTabSz="914400">
+              <a:spcAft>
+                <a:spcPts val="600"/>
+              </a:spcAft>
+              <a:buClr>
+                <a:schemeClr val="accent1"/>
+              </a:buClr>
+              <a:buFont typeface="Calibri" panose="020F0502020204030204" pitchFamily="34" charset="0"/>
+            </a:pPr>
+            <a:r>
+              <a:rPr lang="en-US">
+                <a:solidFill>
+                  <a:schemeClr val="tx1">
+                    <a:lumMod val="75000"/>
+                    <a:lumOff val="25000"/>
+                  </a:schemeClr>
+                </a:solidFill>
+              </a:rPr>
+              <a:t>non si sa ancora</a:t>
+            </a:r>
+          </a:p>
+        </p:txBody>
+      </p:sp>
+    </p:spTree>
+    <p:extLst>
+      <p:ext uri="{BB962C8B-B14F-4D97-AF65-F5344CB8AC3E}">
+        <p14:creationId xmlns:p14="http://schemas.microsoft.com/office/powerpoint/2010/main" val="3627710531"/>
+      </p:ext>
+    </p:extLst>
+  </p:cSld>
+  <p:clrMapOvr>
+    <a:masterClrMapping/>
+  </p:clrMapOvr>
+</p:sld>
+</file>
+
+<file path=ppt/slides/slide11.xml><?xml version="1.0" encoding="utf-8"?>
+<p:sld xmlns:a="http://schemas.openxmlformats.org/drawingml/2006/main" xmlns:r="http://schemas.openxmlformats.org/officeDocument/2006/relationships" xmlns:p="http://schemas.openxmlformats.org/presentationml/2006/main">
+  <p:cSld>
+    <p:spTree>
+      <p:nvGrpSpPr>
+        <p:cNvPr id="1" name=""/>
+        <p:cNvGrpSpPr/>
+        <p:nvPr/>
+      </p:nvGrpSpPr>
+      <p:grpSpPr>
+        <a:xfrm>
+          <a:off x="0" y="0"/>
+          <a:ext cx="0" cy="0"/>
+          <a:chOff x="0" y="0"/>
+          <a:chExt cx="0" cy="0"/>
+        </a:xfrm>
+      </p:grpSpPr>
+      <p:sp>
+        <p:nvSpPr>
+          <p:cNvPr id="2" name="Titolo 1">
+            <a:extLst>
+              <a:ext uri="{FF2B5EF4-FFF2-40B4-BE49-F238E27FC236}">
+                <a16:creationId xmlns:a16="http://schemas.microsoft.com/office/drawing/2014/main" id="{736D28F2-7C8B-4D99-B6CD-E3A0E0A89F1D}"/>
+              </a:ext>
+            </a:extLst>
+          </p:cNvPr>
+          <p:cNvSpPr>
+            <a:spLocks noGrp="1"/>
+          </p:cNvSpPr>
+          <p:nvPr>
+            <p:ph type="title"/>
+          </p:nvPr>
+        </p:nvSpPr>
+        <p:spPr>
+          <a:xfrm>
+            <a:off x="1286931" y="648763"/>
+            <a:ext cx="9618133" cy="1043108"/>
+          </a:xfrm>
+        </p:spPr>
+        <p:txBody>
+          <a:bodyPr>
+            <a:normAutofit/>
+          </a:bodyPr>
+          <a:lstStyle/>
+          <a:p>
+            <a:pPr algn="ctr"/>
+            <a:r>
+              <a:rPr lang="it-IT" sz="4800">
+                <a:latin typeface="Abadi" panose="020B0604020104020204" pitchFamily="34" charset="0"/>
+              </a:rPr>
+              <a:t>PRESTAZIONI</a:t>
+            </a:r>
+          </a:p>
+        </p:txBody>
+      </p:sp>
+      <p:sp>
+        <p:nvSpPr>
+          <p:cNvPr id="9" name="CasellaDiTesto 12">
+            <a:extLst>
+              <a:ext uri="{FF2B5EF4-FFF2-40B4-BE49-F238E27FC236}">
+                <a16:creationId xmlns:a16="http://schemas.microsoft.com/office/drawing/2014/main" id="{13E1B321-3671-4BDC-85D1-DB5FB6C18B96}"/>
+              </a:ext>
+            </a:extLst>
+          </p:cNvPr>
+          <p:cNvSpPr txBox="1"/>
+          <p:nvPr/>
+        </p:nvSpPr>
+        <p:spPr>
+          <a:xfrm>
+            <a:off x="1016000" y="2023962"/>
+            <a:ext cx="10335491" cy="3845131"/>
+          </a:xfrm>
+          <a:prstGeom prst="rect">
+            <a:avLst/>
+          </a:prstGeom>
+        </p:spPr>
+        <p:txBody>
+          <a:bodyPr vert="horz" lIns="0" tIns="45720" rIns="0" bIns="45720" rtlCol="0">
+            <a:normAutofit/>
+          </a:bodyPr>
+          <a:lstStyle/>
+          <a:p>
+            <a:pPr algn="just" defTabSz="914400">
+              <a:spcAft>
+                <a:spcPts val="600"/>
+              </a:spcAft>
+              <a:buClr>
+                <a:schemeClr val="accent1"/>
+              </a:buClr>
+              <a:buFont typeface="Calibri" panose="020F0502020204030204" pitchFamily="34" charset="0"/>
+            </a:pPr>
+            <a:endParaRPr lang="en-US">
+              <a:solidFill>
+                <a:schemeClr val="tx1">
+                  <a:lumMod val="75000"/>
+                  <a:lumOff val="25000"/>
+                </a:schemeClr>
+              </a:solidFill>
+            </a:endParaRPr>
+          </a:p>
+          <a:p>
+            <a:pPr algn="just" defTabSz="914400">
+              <a:spcAft>
+                <a:spcPts val="600"/>
+              </a:spcAft>
+              <a:buClr>
+                <a:schemeClr val="accent1"/>
+              </a:buClr>
+              <a:buFont typeface="Calibri" panose="020F0502020204030204" pitchFamily="34" charset="0"/>
+            </a:pPr>
+            <a:endParaRPr lang="en-US">
+              <a:solidFill>
+                <a:schemeClr val="tx1">
+                  <a:lumMod val="75000"/>
+                  <a:lumOff val="25000"/>
+                </a:schemeClr>
+              </a:solidFill>
+            </a:endParaRPr>
+          </a:p>
+          <a:p>
+            <a:pPr algn="just" defTabSz="914400">
+              <a:spcAft>
+                <a:spcPts val="600"/>
+              </a:spcAft>
+              <a:buClr>
+                <a:schemeClr val="accent1"/>
+              </a:buClr>
+              <a:buFont typeface="Calibri" panose="020F0502020204030204" pitchFamily="34" charset="0"/>
+            </a:pPr>
+            <a:endParaRPr lang="en-US">
+              <a:solidFill>
+                <a:schemeClr val="tx1">
+                  <a:lumMod val="75000"/>
+                  <a:lumOff val="25000"/>
+                </a:schemeClr>
+              </a:solidFill>
+            </a:endParaRPr>
+          </a:p>
+        </p:txBody>
+      </p:sp>
+      <p:sp>
+        <p:nvSpPr>
+          <p:cNvPr id="6" name="Segnaposto numero diapositiva 25">
+            <a:extLst>
+              <a:ext uri="{FF2B5EF4-FFF2-40B4-BE49-F238E27FC236}">
+                <a16:creationId xmlns:a16="http://schemas.microsoft.com/office/drawing/2014/main" id="{DE0B3902-4D76-4BEA-B982-4D48B223D339}"/>
+              </a:ext>
+            </a:extLst>
+          </p:cNvPr>
+          <p:cNvSpPr txBox="1">
+            <a:spLocks/>
+          </p:cNvSpPr>
+          <p:nvPr/>
+        </p:nvSpPr>
+        <p:spPr>
+          <a:xfrm>
+            <a:off x="5002959" y="5788561"/>
+            <a:ext cx="2186079" cy="498470"/>
+          </a:xfrm>
+          <a:prstGeom prst="rect">
+            <a:avLst/>
+          </a:prstGeom>
+        </p:spPr>
+        <p:txBody>
+          <a:bodyPr vert="horz" lIns="91440" tIns="45720" rIns="91440" bIns="45720" rtlCol="0" anchor="ctr"/>
+          <a:lstStyle>
+            <a:defPPr>
+              <a:defRPr lang="en-US"/>
+            </a:defPPr>
+            <a:lvl1pPr marL="0" algn="ctr" defTabSz="457200" rtl="0" eaLnBrk="1" latinLnBrk="0" hangingPunct="1">
+              <a:defRPr sz="3200" kern="1200" cap="all" baseline="0">
+                <a:solidFill>
+                  <a:schemeClr val="accent1">
+                    <a:lumMod val="50000"/>
+                  </a:schemeClr>
+                </a:solidFill>
+                <a:latin typeface="+mn-lt"/>
+                <a:ea typeface="+mn-ea"/>
+                <a:cs typeface="+mn-cs"/>
+              </a:defRPr>
+            </a:lvl1pPr>
+            <a:lvl2pPr marL="457200" algn="l" defTabSz="457200" rtl="0" eaLnBrk="1" latinLnBrk="0" hangingPunct="1">
+              <a:defRPr sz="1800" kern="1200">
+                <a:solidFill>
+                  <a:schemeClr val="tx1"/>
+                </a:solidFill>
+                <a:latin typeface="+mn-lt"/>
+                <a:ea typeface="+mn-ea"/>
+                <a:cs typeface="+mn-cs"/>
+              </a:defRPr>
+            </a:lvl2pPr>
+            <a:lvl3pPr marL="914400" algn="l" defTabSz="457200" rtl="0" eaLnBrk="1" latinLnBrk="0" hangingPunct="1">
+              <a:defRPr sz="1800" kern="1200">
+                <a:solidFill>
+                  <a:schemeClr val="tx1"/>
+                </a:solidFill>
+                <a:latin typeface="+mn-lt"/>
+                <a:ea typeface="+mn-ea"/>
+                <a:cs typeface="+mn-cs"/>
+              </a:defRPr>
+            </a:lvl3pPr>
+            <a:lvl4pPr marL="1371600" algn="l" defTabSz="457200" rtl="0" eaLnBrk="1" latinLnBrk="0" hangingPunct="1">
+              <a:defRPr sz="1800" kern="1200">
+                <a:solidFill>
+                  <a:schemeClr val="tx1"/>
+                </a:solidFill>
+                <a:latin typeface="+mn-lt"/>
+                <a:ea typeface="+mn-ea"/>
+                <a:cs typeface="+mn-cs"/>
+              </a:defRPr>
+            </a:lvl4pPr>
+            <a:lvl5pPr marL="1828800" algn="l" defTabSz="457200" rtl="0" eaLnBrk="1" latinLnBrk="0" hangingPunct="1">
+              <a:defRPr sz="1800" kern="1200">
+                <a:solidFill>
+                  <a:schemeClr val="tx1"/>
+                </a:solidFill>
+                <a:latin typeface="+mn-lt"/>
+                <a:ea typeface="+mn-ea"/>
+                <a:cs typeface="+mn-cs"/>
+              </a:defRPr>
+            </a:lvl5pPr>
+            <a:lvl6pPr marL="2286000" algn="l" defTabSz="457200" rtl="0" eaLnBrk="1" latinLnBrk="0" hangingPunct="1">
+              <a:defRPr sz="1800" kern="1200">
+                <a:solidFill>
+                  <a:schemeClr val="tx1"/>
+                </a:solidFill>
+                <a:latin typeface="+mn-lt"/>
+                <a:ea typeface="+mn-ea"/>
+                <a:cs typeface="+mn-cs"/>
+              </a:defRPr>
+            </a:lvl6pPr>
+            <a:lvl7pPr marL="2743200" algn="l" defTabSz="457200" rtl="0" eaLnBrk="1" latinLnBrk="0" hangingPunct="1">
+              <a:defRPr sz="1800" kern="1200">
+                <a:solidFill>
+                  <a:schemeClr val="tx1"/>
+                </a:solidFill>
+                <a:latin typeface="+mn-lt"/>
+                <a:ea typeface="+mn-ea"/>
+                <a:cs typeface="+mn-cs"/>
+              </a:defRPr>
+            </a:lvl7pPr>
+            <a:lvl8pPr marL="3200400" algn="l" defTabSz="457200" rtl="0" eaLnBrk="1" latinLnBrk="0" hangingPunct="1">
+              <a:defRPr sz="1800" kern="1200">
+                <a:solidFill>
+                  <a:schemeClr val="tx1"/>
+                </a:solidFill>
+                <a:latin typeface="+mn-lt"/>
+                <a:ea typeface="+mn-ea"/>
+                <a:cs typeface="+mn-cs"/>
+              </a:defRPr>
+            </a:lvl8pPr>
+            <a:lvl9pPr marL="3657600" algn="l" defTabSz="457200" rtl="0" eaLnBrk="1" latinLnBrk="0" hangingPunct="1">
+              <a:defRPr sz="1800" kern="1200">
+                <a:solidFill>
+                  <a:schemeClr val="tx1"/>
+                </a:solidFill>
+                <a:latin typeface="+mn-lt"/>
+                <a:ea typeface="+mn-ea"/>
+                <a:cs typeface="+mn-cs"/>
+              </a:defRPr>
+            </a:lvl9pPr>
+          </a:lstStyle>
+          <a:p>
+            <a:r>
+              <a:rPr lang="it-IT" sz="1200" dirty="0">
+                <a:solidFill>
+                  <a:schemeClr val="tx1"/>
+                </a:solidFill>
+                <a:latin typeface="Abadi" panose="020B0604020104020204" pitchFamily="34" charset="0"/>
+              </a:rPr>
+              <a:t>18</a:t>
+            </a:r>
+          </a:p>
+        </p:txBody>
+      </p:sp>
+      <p:sp>
+        <p:nvSpPr>
+          <p:cNvPr id="7" name="CasellaDiTesto 12">
+            <a:extLst>
+              <a:ext uri="{FF2B5EF4-FFF2-40B4-BE49-F238E27FC236}">
+                <a16:creationId xmlns:a16="http://schemas.microsoft.com/office/drawing/2014/main" id="{7AB42847-3EC4-40C9-9DFD-82559758C799}"/>
+              </a:ext>
+            </a:extLst>
+          </p:cNvPr>
+          <p:cNvSpPr txBox="1"/>
+          <p:nvPr/>
+        </p:nvSpPr>
+        <p:spPr>
+          <a:xfrm>
+            <a:off x="1016000" y="2023962"/>
+            <a:ext cx="6173037" cy="3845131"/>
+          </a:xfrm>
+          <a:prstGeom prst="rect">
+            <a:avLst/>
+          </a:prstGeom>
+        </p:spPr>
+        <p:txBody>
+          <a:bodyPr vert="horz" lIns="0" tIns="45720" rIns="0" bIns="45720" rtlCol="0">
+            <a:normAutofit/>
+          </a:bodyPr>
+          <a:lstStyle/>
+          <a:p>
+            <a:pPr algn="just" defTabSz="914400">
+              <a:spcAft>
+                <a:spcPts val="600"/>
+              </a:spcAft>
+              <a:buClr>
+                <a:schemeClr val="accent1"/>
+              </a:buClr>
+              <a:buFont typeface="Calibri" panose="020F0502020204030204" pitchFamily="34" charset="0"/>
+            </a:pPr>
+            <a:r>
+              <a:rPr lang="en-US">
+                <a:solidFill>
+                  <a:schemeClr val="tx1">
+                    <a:lumMod val="75000"/>
+                    <a:lumOff val="25000"/>
+                  </a:schemeClr>
+                </a:solidFill>
+              </a:rPr>
+              <a:t>in ogni query si misurano le metriche di latenza e throughput attraverso l'api REST API</a:t>
+            </a:r>
+          </a:p>
+          <a:p>
+            <a:pPr algn="just" defTabSz="914400">
+              <a:spcAft>
+                <a:spcPts val="600"/>
+              </a:spcAft>
+              <a:buClr>
+                <a:schemeClr val="accent1"/>
+              </a:buClr>
+              <a:buFont typeface="Calibri" panose="020F0502020204030204" pitchFamily="34" charset="0"/>
+            </a:pPr>
+            <a:r>
+              <a:rPr lang="en-US">
+                <a:solidFill>
+                  <a:schemeClr val="tx1">
+                    <a:lumMod val="75000"/>
+                    <a:lumOff val="25000"/>
+                  </a:schemeClr>
+                </a:solidFill>
+              </a:rPr>
+              <a:t>non si sa ancora</a:t>
+            </a:r>
+          </a:p>
+        </p:txBody>
+      </p:sp>
+    </p:spTree>
+    <p:extLst>
+      <p:ext uri="{BB962C8B-B14F-4D97-AF65-F5344CB8AC3E}">
+        <p14:creationId xmlns:p14="http://schemas.microsoft.com/office/powerpoint/2010/main" val="1934109131"/>
+      </p:ext>
+    </p:extLst>
+  </p:cSld>
+  <p:clrMapOvr>
+    <a:masterClrMapping/>
+  </p:clrMapOvr>
+</p:sld>
+</file>
+
+<file path=ppt/slides/slide12.xml><?xml version="1.0" encoding="utf-8"?>
+<p:sld xmlns:a="http://schemas.openxmlformats.org/drawingml/2006/main" xmlns:r="http://schemas.openxmlformats.org/officeDocument/2006/relationships" xmlns:p="http://schemas.openxmlformats.org/presentationml/2006/main">
+  <p:cSld>
+    <p:spTree>
+      <p:nvGrpSpPr>
+        <p:cNvPr id="1" name=""/>
+        <p:cNvGrpSpPr/>
+        <p:nvPr/>
+      </p:nvGrpSpPr>
+      <p:grpSpPr>
+        <a:xfrm>
+          <a:off x="0" y="0"/>
+          <a:ext cx="0" cy="0"/>
+          <a:chOff x="0" y="0"/>
+          <a:chExt cx="0" cy="0"/>
+        </a:xfrm>
+      </p:grpSpPr>
+      <p:sp>
+        <p:nvSpPr>
+          <p:cNvPr id="2" name="Titolo 1">
+            <a:extLst>
+              <a:ext uri="{FF2B5EF4-FFF2-40B4-BE49-F238E27FC236}">
+                <a16:creationId xmlns:a16="http://schemas.microsoft.com/office/drawing/2014/main" id="{736D28F2-7C8B-4D99-B6CD-E3A0E0A89F1D}"/>
+              </a:ext>
+            </a:extLst>
+          </p:cNvPr>
+          <p:cNvSpPr>
+            <a:spLocks noGrp="1"/>
+          </p:cNvSpPr>
+          <p:nvPr>
+            <p:ph type="title"/>
+          </p:nvPr>
+        </p:nvSpPr>
+        <p:spPr>
+          <a:xfrm>
+            <a:off x="1286931" y="648763"/>
+            <a:ext cx="9618133" cy="1043108"/>
+          </a:xfrm>
+        </p:spPr>
+        <p:txBody>
+          <a:bodyPr>
+            <a:normAutofit/>
+          </a:bodyPr>
+          <a:lstStyle/>
+          <a:p>
+            <a:pPr algn="ctr"/>
+            <a:r>
+              <a:rPr lang="it-IT" sz="4800">
+                <a:latin typeface="Abadi" panose="020B0604020104020204" pitchFamily="34" charset="0"/>
+              </a:rPr>
+              <a:t>RIFERIMENTI</a:t>
+            </a:r>
+          </a:p>
+        </p:txBody>
+      </p:sp>
+      <p:sp>
+        <p:nvSpPr>
+          <p:cNvPr id="9" name="CasellaDiTesto 12">
+            <a:extLst>
+              <a:ext uri="{FF2B5EF4-FFF2-40B4-BE49-F238E27FC236}">
+                <a16:creationId xmlns:a16="http://schemas.microsoft.com/office/drawing/2014/main" id="{13E1B321-3671-4BDC-85D1-DB5FB6C18B96}"/>
+              </a:ext>
+            </a:extLst>
+          </p:cNvPr>
+          <p:cNvSpPr txBox="1"/>
+          <p:nvPr/>
+        </p:nvSpPr>
+        <p:spPr>
+          <a:xfrm>
+            <a:off x="1016000" y="2023962"/>
+            <a:ext cx="10335491" cy="3845131"/>
+          </a:xfrm>
+          <a:prstGeom prst="rect">
+            <a:avLst/>
+          </a:prstGeom>
+        </p:spPr>
+        <p:txBody>
+          <a:bodyPr vert="horz" lIns="0" tIns="45720" rIns="0" bIns="45720" rtlCol="0">
+            <a:normAutofit/>
+          </a:bodyPr>
+          <a:lstStyle/>
+          <a:p>
+            <a:pPr algn="just" defTabSz="914400">
+              <a:spcAft>
+                <a:spcPts val="600"/>
+              </a:spcAft>
+              <a:buClr>
+                <a:schemeClr val="accent1"/>
+              </a:buClr>
+              <a:buFont typeface="Calibri" panose="020F0502020204030204" pitchFamily="34" charset="0"/>
+            </a:pPr>
+            <a:endParaRPr lang="en-US">
+              <a:solidFill>
+                <a:schemeClr val="tx1">
+                  <a:lumMod val="75000"/>
+                  <a:lumOff val="25000"/>
+                </a:schemeClr>
+              </a:solidFill>
+            </a:endParaRPr>
+          </a:p>
+          <a:p>
+            <a:pPr algn="just" defTabSz="914400">
+              <a:spcAft>
+                <a:spcPts val="600"/>
+              </a:spcAft>
+              <a:buClr>
+                <a:schemeClr val="accent1"/>
+              </a:buClr>
+              <a:buFont typeface="Calibri" panose="020F0502020204030204" pitchFamily="34" charset="0"/>
+            </a:pPr>
+            <a:endParaRPr lang="en-US">
+              <a:solidFill>
+                <a:schemeClr val="tx1">
+                  <a:lumMod val="75000"/>
+                  <a:lumOff val="25000"/>
+                </a:schemeClr>
+              </a:solidFill>
+            </a:endParaRPr>
+          </a:p>
+          <a:p>
+            <a:pPr algn="just" defTabSz="914400">
+              <a:spcAft>
+                <a:spcPts val="600"/>
+              </a:spcAft>
+              <a:buClr>
+                <a:schemeClr val="accent1"/>
+              </a:buClr>
+              <a:buFont typeface="Calibri" panose="020F0502020204030204" pitchFamily="34" charset="0"/>
+            </a:pPr>
+            <a:endParaRPr lang="en-US">
+              <a:solidFill>
+                <a:schemeClr val="tx1">
+                  <a:lumMod val="75000"/>
+                  <a:lumOff val="25000"/>
+                </a:schemeClr>
+              </a:solidFill>
+            </a:endParaRPr>
+          </a:p>
+        </p:txBody>
+      </p:sp>
+      <p:sp>
+        <p:nvSpPr>
+          <p:cNvPr id="6" name="Segnaposto numero diapositiva 25">
+            <a:extLst>
+              <a:ext uri="{FF2B5EF4-FFF2-40B4-BE49-F238E27FC236}">
+                <a16:creationId xmlns:a16="http://schemas.microsoft.com/office/drawing/2014/main" id="{DE0B3902-4D76-4BEA-B982-4D48B223D339}"/>
+              </a:ext>
+            </a:extLst>
+          </p:cNvPr>
+          <p:cNvSpPr txBox="1">
+            <a:spLocks/>
+          </p:cNvSpPr>
+          <p:nvPr/>
+        </p:nvSpPr>
+        <p:spPr>
+          <a:xfrm>
+            <a:off x="5002959" y="5788561"/>
+            <a:ext cx="2186079" cy="498470"/>
+          </a:xfrm>
+          <a:prstGeom prst="rect">
+            <a:avLst/>
+          </a:prstGeom>
+        </p:spPr>
+        <p:txBody>
+          <a:bodyPr vert="horz" lIns="91440" tIns="45720" rIns="91440" bIns="45720" rtlCol="0" anchor="ctr"/>
+          <a:lstStyle>
+            <a:defPPr>
+              <a:defRPr lang="en-US"/>
+            </a:defPPr>
+            <a:lvl1pPr marL="0" algn="ctr" defTabSz="457200" rtl="0" eaLnBrk="1" latinLnBrk="0" hangingPunct="1">
+              <a:defRPr sz="3200" kern="1200" cap="all" baseline="0">
+                <a:solidFill>
+                  <a:schemeClr val="accent1">
+                    <a:lumMod val="50000"/>
+                  </a:schemeClr>
+                </a:solidFill>
+                <a:latin typeface="+mn-lt"/>
+                <a:ea typeface="+mn-ea"/>
+                <a:cs typeface="+mn-cs"/>
+              </a:defRPr>
+            </a:lvl1pPr>
+            <a:lvl2pPr marL="457200" algn="l" defTabSz="457200" rtl="0" eaLnBrk="1" latinLnBrk="0" hangingPunct="1">
+              <a:defRPr sz="1800" kern="1200">
+                <a:solidFill>
+                  <a:schemeClr val="tx1"/>
+                </a:solidFill>
+                <a:latin typeface="+mn-lt"/>
+                <a:ea typeface="+mn-ea"/>
+                <a:cs typeface="+mn-cs"/>
+              </a:defRPr>
+            </a:lvl2pPr>
+            <a:lvl3pPr marL="914400" algn="l" defTabSz="457200" rtl="0" eaLnBrk="1" latinLnBrk="0" hangingPunct="1">
+              <a:defRPr sz="1800" kern="1200">
+                <a:solidFill>
+                  <a:schemeClr val="tx1"/>
+                </a:solidFill>
+                <a:latin typeface="+mn-lt"/>
+                <a:ea typeface="+mn-ea"/>
+                <a:cs typeface="+mn-cs"/>
+              </a:defRPr>
+            </a:lvl3pPr>
+            <a:lvl4pPr marL="1371600" algn="l" defTabSz="457200" rtl="0" eaLnBrk="1" latinLnBrk="0" hangingPunct="1">
+              <a:defRPr sz="1800" kern="1200">
+                <a:solidFill>
+                  <a:schemeClr val="tx1"/>
+                </a:solidFill>
+                <a:latin typeface="+mn-lt"/>
+                <a:ea typeface="+mn-ea"/>
+                <a:cs typeface="+mn-cs"/>
+              </a:defRPr>
+            </a:lvl4pPr>
+            <a:lvl5pPr marL="1828800" algn="l" defTabSz="457200" rtl="0" eaLnBrk="1" latinLnBrk="0" hangingPunct="1">
+              <a:defRPr sz="1800" kern="1200">
+                <a:solidFill>
+                  <a:schemeClr val="tx1"/>
+                </a:solidFill>
+                <a:latin typeface="+mn-lt"/>
+                <a:ea typeface="+mn-ea"/>
+                <a:cs typeface="+mn-cs"/>
+              </a:defRPr>
+            </a:lvl5pPr>
+            <a:lvl6pPr marL="2286000" algn="l" defTabSz="457200" rtl="0" eaLnBrk="1" latinLnBrk="0" hangingPunct="1">
+              <a:defRPr sz="1800" kern="1200">
+                <a:solidFill>
+                  <a:schemeClr val="tx1"/>
+                </a:solidFill>
+                <a:latin typeface="+mn-lt"/>
+                <a:ea typeface="+mn-ea"/>
+                <a:cs typeface="+mn-cs"/>
+              </a:defRPr>
+            </a:lvl6pPr>
+            <a:lvl7pPr marL="2743200" algn="l" defTabSz="457200" rtl="0" eaLnBrk="1" latinLnBrk="0" hangingPunct="1">
+              <a:defRPr sz="1800" kern="1200">
+                <a:solidFill>
+                  <a:schemeClr val="tx1"/>
+                </a:solidFill>
+                <a:latin typeface="+mn-lt"/>
+                <a:ea typeface="+mn-ea"/>
+                <a:cs typeface="+mn-cs"/>
+              </a:defRPr>
+            </a:lvl7pPr>
+            <a:lvl8pPr marL="3200400" algn="l" defTabSz="457200" rtl="0" eaLnBrk="1" latinLnBrk="0" hangingPunct="1">
+              <a:defRPr sz="1800" kern="1200">
+                <a:solidFill>
+                  <a:schemeClr val="tx1"/>
+                </a:solidFill>
+                <a:latin typeface="+mn-lt"/>
+                <a:ea typeface="+mn-ea"/>
+                <a:cs typeface="+mn-cs"/>
+              </a:defRPr>
+            </a:lvl8pPr>
+            <a:lvl9pPr marL="3657600" algn="l" defTabSz="457200" rtl="0" eaLnBrk="1" latinLnBrk="0" hangingPunct="1">
+              <a:defRPr sz="1800" kern="1200">
+                <a:solidFill>
+                  <a:schemeClr val="tx1"/>
+                </a:solidFill>
+                <a:latin typeface="+mn-lt"/>
+                <a:ea typeface="+mn-ea"/>
+                <a:cs typeface="+mn-cs"/>
+              </a:defRPr>
+            </a:lvl9pPr>
+          </a:lstStyle>
+          <a:p>
+            <a:r>
+              <a:rPr lang="it-IT" sz="1200" dirty="0">
+                <a:solidFill>
+                  <a:schemeClr val="tx1"/>
+                </a:solidFill>
+                <a:latin typeface="Abadi" panose="020B0604020104020204" pitchFamily="34" charset="0"/>
+              </a:rPr>
               <a:t>19</a:t>
             </a:r>
           </a:p>
@@ -7410,23 +8114,64 @@
           <a:lstStyle/>
           <a:p>
             <a:r>
+              <a:rPr lang="it-IT" b="1">
+                <a:effectLst/>
+              </a:rPr>
+              <a:t>Flink</a:t>
+            </a:r>
+            <a:r>
               <a:rPr lang="it-IT">
                 <a:effectLst/>
               </a:rPr>
-              <a:t>Flink: https://flink.apache.org/</a:t>
-            </a:r>
-          </a:p>
-          <a:p>
+              <a:t>: </a:t>
+            </a:r>
+            <a:r>
+              <a:rPr lang="it-IT">
+                <a:effectLst/>
+                <a:hlinkClick r:id="rId2"/>
+              </a:rPr>
+              <a:t>https://flink.apache.org/</a:t>
+            </a:r>
+            <a:endParaRPr lang="it-IT">
+              <a:effectLst/>
+            </a:endParaRPr>
+          </a:p>
+          <a:p>
+            <a:r>
+              <a:rPr lang="it-IT" b="1"/>
+              <a:t>Kafka</a:t>
+            </a:r>
             <a:r>
               <a:rPr lang="it-IT"/>
-              <a:t>Kafka: https://kafka.apache.org/documentation/</a:t>
-            </a:r>
-          </a:p>
-          <a:p>
+              <a:t>: </a:t>
+            </a:r>
+            <a:r>
+              <a:rPr lang="it-IT">
+                <a:hlinkClick r:id="rId3"/>
+              </a:rPr>
+              <a:t>https://kafka.apache.org/documentation/</a:t>
+            </a:r>
+            <a:endParaRPr lang="it-IT"/>
+          </a:p>
+          <a:p>
+            <a:r>
+              <a:rPr lang="it-IT" b="1"/>
+              <a:t>REST API</a:t>
+            </a:r>
             <a:r>
               <a:rPr lang="it-IT"/>
-              <a:t>REST API: https://ci.apache.org/projects/flink/flink-docs-release-1.13/docs/ops/rest_api/</a:t>
-            </a:r>
+              <a:t>: </a:t>
+            </a:r>
+            <a:r>
+              <a:rPr lang="it-IT">
+                <a:hlinkClick r:id="rId4"/>
+              </a:rPr>
+              <a:t>https://ci.apache.org/projects/flink/flink-docs-release-1.13/docs/ops/rest_api/</a:t>
+            </a:r>
+            <a:endParaRPr lang="it-IT"/>
+          </a:p>
+          <a:p>
+            <a:endParaRPr lang="it-IT"/>
           </a:p>
         </p:txBody>
       </p:sp>
@@ -7535,7 +8280,7 @@
         <p:spPr>
           <a:xfrm>
             <a:off x="4371238" y="3679464"/>
-            <a:ext cx="1791314" cy="369332"/>
+            <a:ext cx="1791314" cy="646331"/>
           </a:xfrm>
           <a:prstGeom prst="rect">
             <a:avLst/>
@@ -7553,7 +8298,16 @@
               <a:rPr lang="it-IT">
                 <a:latin typeface="Abadi" panose="020B0604020104020204" pitchFamily="34" charset="0"/>
               </a:rPr>
-              <a:t>…</a:t>
+              <a:t>ARCHITETTURA</a:t>
+            </a:r>
+          </a:p>
+          <a:p>
+            <a:pPr algn="ctr"/>
+            <a:r>
+              <a:rPr lang="it-IT">
+                <a:latin typeface="Abadi" panose="020B0604020104020204" pitchFamily="34" charset="0"/>
+              </a:rPr>
+              <a:t>DEL SISTEMA</a:t>
             </a:r>
           </a:p>
         </p:txBody>
@@ -7573,7 +8327,7 @@
         <p:spPr>
           <a:xfrm>
             <a:off x="6291906" y="3669083"/>
-            <a:ext cx="1791314" cy="369332"/>
+            <a:ext cx="1791314" cy="646331"/>
           </a:xfrm>
           <a:prstGeom prst="rect">
             <a:avLst/>
@@ -7591,7 +8345,16 @@
               <a:rPr lang="it-IT">
                 <a:latin typeface="Abadi" panose="020B0604020104020204" pitchFamily="34" charset="0"/>
               </a:rPr>
-              <a:t>…</a:t>
+              <a:t>ILLUSTRAZIONE</a:t>
+            </a:r>
+          </a:p>
+          <a:p>
+            <a:pPr algn="ctr"/>
+            <a:r>
+              <a:rPr lang="it-IT">
+                <a:latin typeface="Abadi" panose="020B0604020104020204" pitchFamily="34" charset="0"/>
+              </a:rPr>
+              <a:t>QUERY</a:t>
             </a:r>
           </a:p>
         </p:txBody>
@@ -7611,7 +8374,7 @@
         <p:spPr>
           <a:xfrm>
             <a:off x="8087872" y="3679464"/>
-            <a:ext cx="1590804" cy="369332"/>
+            <a:ext cx="1590804" cy="646331"/>
           </a:xfrm>
           <a:prstGeom prst="rect">
             <a:avLst/>
@@ -7629,7 +8392,16 @@
               <a:rPr lang="it-IT">
                 <a:latin typeface="Abadi" panose="020B0604020104020204" pitchFamily="34" charset="0"/>
               </a:rPr>
-              <a:t>…</a:t>
+              <a:t>RISULTATI E</a:t>
+            </a:r>
+          </a:p>
+          <a:p>
+            <a:pPr algn="ctr"/>
+            <a:r>
+              <a:rPr lang="it-IT">
+                <a:latin typeface="Abadi" panose="020B0604020104020204" pitchFamily="34" charset="0"/>
+              </a:rPr>
+              <a:t>PRESTAZIONI</a:t>
             </a:r>
           </a:p>
         </p:txBody>
@@ -7649,7 +8421,7 @@
         <p:spPr>
           <a:xfrm>
             <a:off x="2508717" y="3679464"/>
-            <a:ext cx="415498" cy="369332"/>
+            <a:ext cx="1733167" cy="369332"/>
           </a:xfrm>
           <a:prstGeom prst="rect">
             <a:avLst/>
@@ -7666,7 +8438,7 @@
               <a:rPr lang="it-IT">
                 <a:latin typeface="Abadi" panose="020B0604020104020204" pitchFamily="34" charset="0"/>
               </a:rPr>
-              <a:t>…</a:t>
+              <a:t>INTRODUZIONE</a:t>
             </a:r>
           </a:p>
         </p:txBody>
@@ -8167,10 +8939,10 @@
       </p:sp>
       <p:sp>
         <p:nvSpPr>
-          <p:cNvPr id="9" name="CasellaDiTesto 12">
+          <p:cNvPr id="6" name="CasellaDiTesto 12">
             <a:extLst>
               <a:ext uri="{FF2B5EF4-FFF2-40B4-BE49-F238E27FC236}">
-                <a16:creationId xmlns:a16="http://schemas.microsoft.com/office/drawing/2014/main" id="{13E1B321-3671-4BDC-85D1-DB5FB6C18B96}"/>
+                <a16:creationId xmlns:a16="http://schemas.microsoft.com/office/drawing/2014/main" id="{CD217994-0C27-48B8-BCD6-7AE0F2694669}"/>
               </a:ext>
             </a:extLst>
           </p:cNvPr>
@@ -8179,8 +8951,8 @@
         </p:nvSpPr>
         <p:spPr>
           <a:xfrm>
-            <a:off x="1016000" y="2023962"/>
-            <a:ext cx="10335491" cy="3845131"/>
+            <a:off x="1016000" y="2024973"/>
+            <a:ext cx="10335491" cy="3763588"/>
           </a:xfrm>
           <a:prstGeom prst="rect">
             <a:avLst/>
@@ -8213,10 +8985,10 @@
                   </a:schemeClr>
                 </a:solidFill>
               </a:rPr>
-              <a:t>Lo </a:t>
-            </a:r>
-            <a:r>
-              <a:rPr lang="en-US" err="1">
+              <a:t>Lo scopo del progetto è rispondere a tre query su un dataset che mantiene dati presi dal </a:t>
+            </a:r>
+            <a:r>
+              <a:rPr lang="en-US" i="1">
                 <a:solidFill>
                   <a:schemeClr val="tx1">
                     <a:lumMod val="75000"/>
@@ -8224,7 +8996,7 @@
                   </a:schemeClr>
                 </a:solidFill>
               </a:rPr>
-              <a:t>scopo</a:t>
+              <a:t>Automatic Identification System (AIS)</a:t>
             </a:r>
             <a:r>
               <a:rPr lang="en-US">
@@ -8235,7 +9007,7 @@
                   </a:schemeClr>
                 </a:solidFill>
               </a:rPr>
-              <a:t> del progetto è …</a:t>
+              <a:t> nel Mar Mediterraneo, che riguarda il traffico navale.</a:t>
             </a:r>
           </a:p>
           <a:p>
@@ -8251,14 +9023,105 @@
               </a:buClr>
               <a:buFont typeface="Calibri" panose="020F0502020204030204" pitchFamily="34" charset="0"/>
             </a:pPr>
-            <a:endParaRPr lang="en-US">
-              <a:solidFill>
-                <a:schemeClr val="tx1">
-                  <a:lumMod val="75000"/>
-                  <a:lumOff val="25000"/>
-                </a:schemeClr>
-              </a:solidFill>
-            </a:endParaRPr>
+            <a:r>
+              <a:rPr lang="en-US">
+                <a:solidFill>
+                  <a:schemeClr val="tx1">
+                    <a:lumMod val="75000"/>
+                    <a:lumOff val="25000"/>
+                  </a:schemeClr>
+                </a:solidFill>
+              </a:rPr>
+              <a:t>Per il processamento dei dati in modalità real-time si utilizza il framework Apache Flink, preferito ad Apache Storm perché offre un’API di livello più elevato. Infatti, la Datastream API di Flink fornisce funzioni alternative per le trasformazioni, quali </a:t>
+            </a:r>
+            <a:r>
+              <a:rPr lang="en-US" i="1">
+                <a:solidFill>
+                  <a:schemeClr val="tx1">
+                    <a:lumMod val="75000"/>
+                    <a:lumOff val="25000"/>
+                  </a:schemeClr>
+                </a:solidFill>
+              </a:rPr>
+              <a:t>Map</a:t>
+            </a:r>
+            <a:r>
+              <a:rPr lang="en-US">
+                <a:solidFill>
+                  <a:schemeClr val="tx1">
+                    <a:lumMod val="75000"/>
+                    <a:lumOff val="25000"/>
+                  </a:schemeClr>
+                </a:solidFill>
+              </a:rPr>
+              <a:t>, </a:t>
+            </a:r>
+            <a:r>
+              <a:rPr lang="en-US" i="1">
+                <a:solidFill>
+                  <a:schemeClr val="tx1">
+                    <a:lumMod val="75000"/>
+                    <a:lumOff val="25000"/>
+                  </a:schemeClr>
+                </a:solidFill>
+              </a:rPr>
+              <a:t>GroupBy</a:t>
+            </a:r>
+            <a:r>
+              <a:rPr lang="en-US">
+                <a:solidFill>
+                  <a:schemeClr val="tx1">
+                    <a:lumMod val="75000"/>
+                    <a:lumOff val="25000"/>
+                  </a:schemeClr>
+                </a:solidFill>
+              </a:rPr>
+              <a:t>, </a:t>
+            </a:r>
+            <a:r>
+              <a:rPr lang="en-US" i="1">
+                <a:solidFill>
+                  <a:schemeClr val="tx1">
+                    <a:lumMod val="75000"/>
+                    <a:lumOff val="25000"/>
+                  </a:schemeClr>
+                </a:solidFill>
+              </a:rPr>
+              <a:t>Window</a:t>
+            </a:r>
+            <a:r>
+              <a:rPr lang="en-US">
+                <a:solidFill>
+                  <a:schemeClr val="tx1">
+                    <a:lumMod val="75000"/>
+                    <a:lumOff val="25000"/>
+                  </a:schemeClr>
+                </a:solidFill>
+              </a:rPr>
+              <a:t> e </a:t>
+            </a:r>
+            <a:r>
+              <a:rPr lang="en-US" i="1">
+                <a:solidFill>
+                  <a:schemeClr val="tx1">
+                    <a:lumMod val="75000"/>
+                    <a:lumOff val="25000"/>
+                  </a:schemeClr>
+                </a:solidFill>
+              </a:rPr>
+              <a:t>Join</a:t>
+            </a:r>
+            <a:r>
+              <a:rPr lang="en-US">
+                <a:solidFill>
+                  <a:schemeClr val="tx1">
+                    <a:lumMod val="75000"/>
+                    <a:lumOff val="25000"/>
+                  </a:schemeClr>
+                </a:solidFill>
+              </a:rPr>
+              <a:t>, che dovrebbero essere implementate manualmente in Storm. Inoltre, mentre Storm garantisce un’elaborazione at least once, Flink offre una semantica di processamento exactly-once, anche grazie al meccanismo di checkpointing e l’interazione con Apache Kafka.</a:t>
+            </a:r>
           </a:p>
           <a:p>
             <a:pPr algn="just" defTabSz="914400">
@@ -8273,14 +9136,17 @@
               </a:buClr>
               <a:buFont typeface="Calibri" panose="020F0502020204030204" pitchFamily="34" charset="0"/>
             </a:pPr>
-            <a:endParaRPr lang="en-US">
-              <a:solidFill>
-                <a:schemeClr val="tx1">
-                  <a:lumMod val="75000"/>
-                  <a:lumOff val="25000"/>
-                </a:schemeClr>
-              </a:solidFill>
-            </a:endParaRPr>
+            <a:r>
+              <a:rPr lang="en-US">
+                <a:solidFill>
+                  <a:schemeClr val="tx1">
+                    <a:lumMod val="75000"/>
+                    <a:lumOff val="25000"/>
+                  </a:schemeClr>
+                </a:solidFill>
+              </a:rPr>
+              <a:t>Altri vantaggi di Flink sono: il meccanismo di backpressure per cui lo streaming runtime si comporta bene quando più operatori lavorano a velocità diverse; un Sistema di windowing potente che supporta molti tipi di finestre; la possibilità di mantenere uno stato personalizzato (user-defined state) negli operatori.</a:t>
+            </a:r>
           </a:p>
           <a:p>
             <a:pPr algn="just" defTabSz="914400">
@@ -8304,8 +9170,16 @@
                   </a:schemeClr>
                 </a:solidFill>
               </a:rPr>
-              <a:t>…</a:t>
-            </a:r>
+              <a:t>Il progetto è stato sviluppato da un gruppo di due persone, in linguaggio Java e in ambiente Linux. La build è eseguita su un nodo stand-alone.</a:t>
+            </a:r>
+            <a:endParaRPr lang="en-US" b="1">
+              <a:solidFill>
+                <a:schemeClr val="tx1">
+                  <a:lumMod val="75000"/>
+                  <a:lumOff val="25000"/>
+                </a:schemeClr>
+              </a:solidFill>
+            </a:endParaRPr>
           </a:p>
           <a:p>
             <a:pPr algn="just" defTabSz="914400">
@@ -8320,7 +9194,7 @@
               </a:buClr>
               <a:buFont typeface="Calibri" panose="020F0502020204030204" pitchFamily="34" charset="0"/>
             </a:pPr>
-            <a:endParaRPr lang="en-US">
+            <a:endParaRPr lang="en-US" b="1">
               <a:solidFill>
                 <a:schemeClr val="tx1">
                   <a:lumMod val="75000"/>
@@ -8342,277 +9216,7 @@
               </a:buClr>
               <a:buFont typeface="Calibri" panose="020F0502020204030204" pitchFamily="34" charset="0"/>
             </a:pPr>
-            <a:endParaRPr lang="en-US">
-              <a:solidFill>
-                <a:schemeClr val="tx1">
-                  <a:lumMod val="75000"/>
-                  <a:lumOff val="25000"/>
-                </a:schemeClr>
-              </a:solidFill>
-            </a:endParaRPr>
-          </a:p>
-          <a:p>
-            <a:pPr algn="just" defTabSz="914400">
-              <a:lnSpc>
-                <a:spcPct val="90000"/>
-              </a:lnSpc>
-              <a:spcAft>
-                <a:spcPts val="600"/>
-              </a:spcAft>
-              <a:buClr>
-                <a:schemeClr val="accent1"/>
-              </a:buClr>
-              <a:buFont typeface="Calibri" panose="020F0502020204030204" pitchFamily="34" charset="0"/>
-            </a:pPr>
-            <a:endParaRPr lang="en-US">
-              <a:solidFill>
-                <a:schemeClr val="tx1">
-                  <a:lumMod val="75000"/>
-                  <a:lumOff val="25000"/>
-                </a:schemeClr>
-              </a:solidFill>
-            </a:endParaRPr>
-          </a:p>
-          <a:p>
-            <a:pPr algn="just" defTabSz="914400">
-              <a:lnSpc>
-                <a:spcPct val="90000"/>
-              </a:lnSpc>
-              <a:spcAft>
-                <a:spcPts val="600"/>
-              </a:spcAft>
-              <a:buClr>
-                <a:schemeClr val="accent1"/>
-              </a:buClr>
-              <a:buFont typeface="Calibri" panose="020F0502020204030204" pitchFamily="34" charset="0"/>
-            </a:pPr>
-            <a:r>
-              <a:rPr lang="en-US">
-                <a:solidFill>
-                  <a:schemeClr val="tx1">
-                    <a:lumMod val="75000"/>
-                    <a:lumOff val="25000"/>
-                  </a:schemeClr>
-                </a:solidFill>
-              </a:rPr>
-              <a:t>Il progetto è stato </a:t>
-            </a:r>
-            <a:r>
-              <a:rPr lang="en-US" err="1">
-                <a:solidFill>
-                  <a:schemeClr val="tx1">
-                    <a:lumMod val="75000"/>
-                    <a:lumOff val="25000"/>
-                  </a:schemeClr>
-                </a:solidFill>
-              </a:rPr>
-              <a:t>sviluppato</a:t>
-            </a:r>
-            <a:r>
-              <a:rPr lang="en-US">
-                <a:solidFill>
-                  <a:schemeClr val="tx1">
-                    <a:lumMod val="75000"/>
-                    <a:lumOff val="25000"/>
-                  </a:schemeClr>
-                </a:solidFill>
-              </a:rPr>
-              <a:t> in </a:t>
-            </a:r>
-            <a:r>
-              <a:rPr lang="en-US" err="1">
-                <a:solidFill>
-                  <a:schemeClr val="tx1">
-                    <a:lumMod val="75000"/>
-                    <a:lumOff val="25000"/>
-                  </a:schemeClr>
-                </a:solidFill>
-              </a:rPr>
-              <a:t>linguaggio</a:t>
-            </a:r>
-            <a:r>
-              <a:rPr lang="en-US">
-                <a:solidFill>
-                  <a:schemeClr val="tx1">
-                    <a:lumMod val="75000"/>
-                    <a:lumOff val="25000"/>
-                  </a:schemeClr>
-                </a:solidFill>
-              </a:rPr>
-              <a:t> Java, in </a:t>
-            </a:r>
-            <a:r>
-              <a:rPr lang="en-US" err="1">
-                <a:solidFill>
-                  <a:schemeClr val="tx1">
-                    <a:lumMod val="75000"/>
-                    <a:lumOff val="25000"/>
-                  </a:schemeClr>
-                </a:solidFill>
-              </a:rPr>
-              <a:t>ambiente</a:t>
-            </a:r>
-            <a:r>
-              <a:rPr lang="en-US">
-                <a:solidFill>
-                  <a:schemeClr val="tx1">
-                    <a:lumMod val="75000"/>
-                    <a:lumOff val="25000"/>
-                  </a:schemeClr>
-                </a:solidFill>
-              </a:rPr>
-              <a:t> Linux.</a:t>
-            </a:r>
-          </a:p>
-          <a:p>
-            <a:pPr algn="just" defTabSz="914400">
-              <a:lnSpc>
-                <a:spcPct val="90000"/>
-              </a:lnSpc>
-              <a:spcAft>
-                <a:spcPts val="600"/>
-              </a:spcAft>
-              <a:buClr>
-                <a:schemeClr val="accent1"/>
-              </a:buClr>
-              <a:buFont typeface="Calibri" panose="020F0502020204030204" pitchFamily="34" charset="0"/>
-            </a:pPr>
-            <a:r>
-              <a:rPr lang="en-US">
-                <a:solidFill>
-                  <a:schemeClr val="tx1">
-                    <a:lumMod val="75000"/>
-                    <a:lumOff val="25000"/>
-                  </a:schemeClr>
-                </a:solidFill>
-              </a:rPr>
-              <a:t>La build è </a:t>
-            </a:r>
-            <a:r>
-              <a:rPr lang="en-US" err="1">
-                <a:solidFill>
-                  <a:schemeClr val="tx1">
-                    <a:lumMod val="75000"/>
-                    <a:lumOff val="25000"/>
-                  </a:schemeClr>
-                </a:solidFill>
-              </a:rPr>
-              <a:t>stata</a:t>
-            </a:r>
-            <a:r>
-              <a:rPr lang="en-US">
-                <a:solidFill>
-                  <a:schemeClr val="tx1">
-                    <a:lumMod val="75000"/>
-                    <a:lumOff val="25000"/>
-                  </a:schemeClr>
-                </a:solidFill>
-              </a:rPr>
-              <a:t> </a:t>
-            </a:r>
-            <a:r>
-              <a:rPr lang="en-US" err="1">
-                <a:solidFill>
-                  <a:schemeClr val="tx1">
-                    <a:lumMod val="75000"/>
-                    <a:lumOff val="25000"/>
-                  </a:schemeClr>
-                </a:solidFill>
-              </a:rPr>
-              <a:t>eseguita</a:t>
-            </a:r>
-            <a:r>
-              <a:rPr lang="en-US">
-                <a:solidFill>
-                  <a:schemeClr val="tx1">
-                    <a:lumMod val="75000"/>
-                    <a:lumOff val="25000"/>
-                  </a:schemeClr>
-                </a:solidFill>
-              </a:rPr>
-              <a:t> su un nodo stand-alone.</a:t>
-            </a:r>
-          </a:p>
-          <a:p>
-            <a:pPr algn="just" defTabSz="914400">
-              <a:lnSpc>
-                <a:spcPct val="90000"/>
-              </a:lnSpc>
-              <a:spcAft>
-                <a:spcPts val="600"/>
-              </a:spcAft>
-              <a:buClr>
-                <a:schemeClr val="accent1"/>
-              </a:buClr>
-              <a:buFont typeface="Calibri" panose="020F0502020204030204" pitchFamily="34" charset="0"/>
-            </a:pPr>
-            <a:endParaRPr lang="en-US">
-              <a:solidFill>
-                <a:schemeClr val="tx1">
-                  <a:lumMod val="75000"/>
-                  <a:lumOff val="25000"/>
-                </a:schemeClr>
-              </a:solidFill>
-            </a:endParaRPr>
-          </a:p>
-          <a:p>
-            <a:pPr algn="just" defTabSz="914400">
-              <a:lnSpc>
-                <a:spcPct val="90000"/>
-              </a:lnSpc>
-              <a:spcAft>
-                <a:spcPts val="600"/>
-              </a:spcAft>
-              <a:buClr>
-                <a:schemeClr val="accent1"/>
-              </a:buClr>
-              <a:buFont typeface="Calibri" panose="020F0502020204030204" pitchFamily="34" charset="0"/>
-            </a:pPr>
-            <a:endParaRPr lang="en-US">
-              <a:solidFill>
-                <a:schemeClr val="tx1">
-                  <a:lumMod val="75000"/>
-                  <a:lumOff val="25000"/>
-                </a:schemeClr>
-              </a:solidFill>
-            </a:endParaRPr>
-          </a:p>
-          <a:p>
-            <a:pPr algn="just" defTabSz="914400">
-              <a:lnSpc>
-                <a:spcPct val="90000"/>
-              </a:lnSpc>
-              <a:spcAft>
-                <a:spcPts val="600"/>
-              </a:spcAft>
-              <a:buClr>
-                <a:schemeClr val="accent1"/>
-              </a:buClr>
-              <a:buFont typeface="Calibri" panose="020F0502020204030204" pitchFamily="34" charset="0"/>
-            </a:pPr>
-            <a:endParaRPr lang="en-US">
-              <a:solidFill>
-                <a:schemeClr val="tx1">
-                  <a:lumMod val="75000"/>
-                  <a:lumOff val="25000"/>
-                </a:schemeClr>
-              </a:solidFill>
-            </a:endParaRPr>
-          </a:p>
-          <a:p>
-            <a:pPr algn="just" defTabSz="914400">
-              <a:lnSpc>
-                <a:spcPct val="90000"/>
-              </a:lnSpc>
-              <a:spcAft>
-                <a:spcPts val="600"/>
-              </a:spcAft>
-              <a:buClr>
-                <a:schemeClr val="accent1"/>
-              </a:buClr>
-              <a:buFont typeface="Calibri" panose="020F0502020204030204" pitchFamily="34" charset="0"/>
-            </a:pPr>
-            <a:endParaRPr lang="en-US">
+            <a:endParaRPr lang="en-US" b="1">
               <a:solidFill>
                 <a:schemeClr val="tx1">
                   <a:lumMod val="75000"/>
@@ -9081,8 +9685,93 @@
               <a:rPr lang="it-IT" sz="4800">
                 <a:latin typeface="Abadi" panose="020B0604020104020204" pitchFamily="34" charset="0"/>
               </a:rPr>
-              <a:t>ILLUSTRAZIONE QUERY 1 </a:t>
-            </a:r>
+              <a:t>ARCHITETTURA DEL SISTEMA</a:t>
+            </a:r>
+          </a:p>
+        </p:txBody>
+      </p:sp>
+      <p:sp>
+        <p:nvSpPr>
+          <p:cNvPr id="9" name="CasellaDiTesto 12">
+            <a:extLst>
+              <a:ext uri="{FF2B5EF4-FFF2-40B4-BE49-F238E27FC236}">
+                <a16:creationId xmlns:a16="http://schemas.microsoft.com/office/drawing/2014/main" id="{13E1B321-3671-4BDC-85D1-DB5FB6C18B96}"/>
+              </a:ext>
+            </a:extLst>
+          </p:cNvPr>
+          <p:cNvSpPr txBox="1"/>
+          <p:nvPr/>
+        </p:nvSpPr>
+        <p:spPr>
+          <a:xfrm>
+            <a:off x="1016000" y="2023962"/>
+            <a:ext cx="10335491" cy="3845131"/>
+          </a:xfrm>
+          <a:prstGeom prst="rect">
+            <a:avLst/>
+          </a:prstGeom>
+        </p:spPr>
+        <p:txBody>
+          <a:bodyPr vert="horz" lIns="0" tIns="45720" rIns="0" bIns="45720" rtlCol="0">
+            <a:normAutofit/>
+          </a:bodyPr>
+          <a:lstStyle/>
+          <a:p>
+            <a:pPr algn="just" defTabSz="914400">
+              <a:spcAft>
+                <a:spcPts val="600"/>
+              </a:spcAft>
+              <a:buClr>
+                <a:schemeClr val="accent1"/>
+              </a:buClr>
+              <a:buFont typeface="Calibri" panose="020F0502020204030204" pitchFamily="34" charset="0"/>
+            </a:pPr>
+            <a:endParaRPr lang="en-US">
+              <a:solidFill>
+                <a:schemeClr val="tx1">
+                  <a:lumMod val="75000"/>
+                  <a:lumOff val="25000"/>
+                </a:schemeClr>
+              </a:solidFill>
+            </a:endParaRPr>
+          </a:p>
+          <a:p>
+            <a:pPr algn="just" defTabSz="914400">
+              <a:spcAft>
+                <a:spcPts val="600"/>
+              </a:spcAft>
+              <a:buClr>
+                <a:schemeClr val="accent1"/>
+              </a:buClr>
+              <a:buFont typeface="Calibri" panose="020F0502020204030204" pitchFamily="34" charset="0"/>
+            </a:pPr>
+            <a:endParaRPr lang="en-US">
+              <a:solidFill>
+                <a:schemeClr val="tx1">
+                  <a:lumMod val="75000"/>
+                  <a:lumOff val="25000"/>
+                </a:schemeClr>
+              </a:solidFill>
+            </a:endParaRPr>
+          </a:p>
+          <a:p>
+            <a:pPr algn="just" defTabSz="914400">
+              <a:spcAft>
+                <a:spcPts val="600"/>
+              </a:spcAft>
+              <a:buClr>
+                <a:schemeClr val="accent1"/>
+              </a:buClr>
+              <a:buFont typeface="Calibri" panose="020F0502020204030204" pitchFamily="34" charset="0"/>
+            </a:pPr>
+            <a:endParaRPr lang="en-US">
+              <a:solidFill>
+                <a:schemeClr val="tx1">
+                  <a:lumMod val="75000"/>
+                  <a:lumOff val="25000"/>
+                </a:schemeClr>
+              </a:solidFill>
+            </a:endParaRPr>
           </a:p>
         </p:txBody>
       </p:sp>
@@ -9210,23 +9899,23 @@
           </a:lstStyle>
           <a:p>
             <a:r>
-              <a:rPr lang="it-IT" sz="1200" dirty="0">
+              <a:rPr lang="it-IT" sz="1200">
                 <a:solidFill>
                   <a:schemeClr val="tx1"/>
                 </a:solidFill>
                 <a:latin typeface="Abadi" panose="020B0604020104020204" pitchFamily="34" charset="0"/>
               </a:rPr>
-              <a:t>8</a:t>
+              <a:t>3</a:t>
             </a:r>
           </a:p>
         </p:txBody>
       </p:sp>
       <p:sp>
         <p:nvSpPr>
-          <p:cNvPr id="4" name="CasellaDiTesto 12">
+          <p:cNvPr id="7" name="CasellaDiTesto 12">
             <a:extLst>
               <a:ext uri="{FF2B5EF4-FFF2-40B4-BE49-F238E27FC236}">
-                <a16:creationId xmlns:a16="http://schemas.microsoft.com/office/drawing/2014/main" id="{BFC5744F-4252-4149-A816-E7631F333CFA}"/>
+                <a16:creationId xmlns:a16="http://schemas.microsoft.com/office/drawing/2014/main" id="{DC62BE3E-E7BA-444E-816A-B21D077DE6FB}"/>
               </a:ext>
             </a:extLst>
           </p:cNvPr>
@@ -9236,7 +9925,7 @@
         <p:spPr>
           <a:xfrm>
             <a:off x="1016000" y="2023962"/>
-            <a:ext cx="6173037" cy="3845131"/>
+            <a:ext cx="10335491" cy="3845131"/>
           </a:xfrm>
           <a:prstGeom prst="rect">
             <a:avLst/>
@@ -9244,286 +9933,14 @@
         </p:spPr>
         <p:txBody>
           <a:bodyPr vert="horz" lIns="0" tIns="45720" rIns="0" bIns="45720" rtlCol="0">
-            <a:normAutofit fontScale="85000" lnSpcReduction="10000"/>
+            <a:normAutofit/>
           </a:bodyPr>
           <a:lstStyle/>
           <a:p>
             <a:pPr algn="just" defTabSz="914400">
-              <a:spcAft>
-                <a:spcPts val="600"/>
-              </a:spcAft>
-              <a:buClr>
-                <a:schemeClr val="accent1"/>
-              </a:buClr>
-              <a:buFont typeface="Calibri" panose="020F0502020204030204" pitchFamily="34" charset="0"/>
-            </a:pPr>
-            <a:r>
-              <a:rPr lang="en-US">
-                <a:solidFill>
-                  <a:schemeClr val="tx1">
-                    <a:lumMod val="75000"/>
-                    <a:lumOff val="25000"/>
-                  </a:schemeClr>
-                </a:solidFill>
-              </a:rPr>
-              <a:t>Con la prima query si chiede </a:t>
-            </a:r>
-            <a:r>
-              <a:rPr lang="en-US" dirty="0">
-                <a:solidFill>
-                  <a:schemeClr val="tx1">
-                    <a:lumMod val="75000"/>
-                    <a:lumOff val="25000"/>
-                  </a:schemeClr>
-                </a:solidFill>
-              </a:rPr>
-              <a:t>di </a:t>
-            </a:r>
-            <a:r>
-              <a:rPr lang="en-US" dirty="0" err="1">
-                <a:solidFill>
-                  <a:schemeClr val="tx1">
-                    <a:lumMod val="75000"/>
-                    <a:lumOff val="25000"/>
-                  </a:schemeClr>
-                </a:solidFill>
-              </a:rPr>
-              <a:t>calcolare</a:t>
-            </a:r>
-            <a:r>
-              <a:rPr lang="en-US">
-                <a:solidFill>
-                  <a:schemeClr val="tx1">
-                    <a:lumMod val="75000"/>
-                    <a:lumOff val="25000"/>
-                  </a:schemeClr>
-                </a:solidFill>
-              </a:rPr>
-              <a:t>, per ogni cella del Mar Mediterraneo Occidentale, il numero medio giornaliero di navi militari, navi per trasporto passeggeri, navi cargo e altri tipi di nave, per un event time di 7 giorni e di un mese.</a:t>
-            </a:r>
-          </a:p>
-          <a:p>
-            <a:pPr algn="just" defTabSz="914400">
-              <a:spcAft>
-                <a:spcPts val="600"/>
-              </a:spcAft>
-              <a:buClr>
-                <a:schemeClr val="accent1"/>
-              </a:buClr>
-              <a:buFont typeface="Calibri" panose="020F0502020204030204" pitchFamily="34" charset="0"/>
-            </a:pPr>
-            <a:r>
-              <a:rPr lang="en-US">
-                <a:solidFill>
-                  <a:schemeClr val="tx1">
-                    <a:lumMod val="75000"/>
-                    <a:lumOff val="25000"/>
-                  </a:schemeClr>
-                </a:solidFill>
-              </a:rPr>
-              <a:t>Le navi vengono distinte in base al valore dell'attributo SHIP_TYPE.</a:t>
-            </a:r>
-          </a:p>
-          <a:p>
-            <a:pPr algn="just" defTabSz="914400">
-              <a:spcAft>
-                <a:spcPts val="600"/>
-              </a:spcAft>
-              <a:buClr>
-                <a:schemeClr val="accent1"/>
-              </a:buClr>
-              <a:buFont typeface="Calibri" panose="020F0502020204030204" pitchFamily="34" charset="0"/>
-            </a:pPr>
-            <a:r>
-              <a:rPr lang="en-US">
-                <a:solidFill>
-                  <a:schemeClr val="tx1">
-                    <a:lumMod val="75000"/>
-                    <a:lumOff val="25000"/>
-                  </a:schemeClr>
-                </a:solidFill>
-              </a:rPr>
-              <a:t>Dai dati iniziali si estraggono le colonne di interesse, successivamente i dati vengono filtrati per considerare solo le navi nel Mediterraneo Occidentale.</a:t>
-            </a:r>
-          </a:p>
-          <a:p>
-            <a:pPr algn="just" defTabSz="914400">
-              <a:spcAft>
-                <a:spcPts val="600"/>
-              </a:spcAft>
-              <a:buClr>
-                <a:schemeClr val="accent1"/>
-              </a:buClr>
-              <a:buFont typeface="Calibri" panose="020F0502020204030204" pitchFamily="34" charset="0"/>
-            </a:pPr>
-            <a:r>
-              <a:rPr lang="en-US">
-                <a:solidFill>
-                  <a:schemeClr val="tx1">
-                    <a:lumMod val="75000"/>
-                    <a:lumOff val="25000"/>
-                  </a:schemeClr>
-                </a:solidFill>
-              </a:rPr>
-              <a:t>In seguito vengono applicate delle trasformazioni di </a:t>
-            </a:r>
-            <a:r>
-              <a:rPr lang="en-US" i="1">
-                <a:solidFill>
-                  <a:schemeClr val="tx1">
-                    <a:lumMod val="75000"/>
-                    <a:lumOff val="25000"/>
-                  </a:schemeClr>
-                </a:solidFill>
-              </a:rPr>
-              <a:t>keyBy </a:t>
-            </a:r>
-            <a:r>
-              <a:rPr lang="en-US">
-                <a:solidFill>
-                  <a:schemeClr val="tx1">
-                    <a:lumMod val="75000"/>
-                    <a:lumOff val="25000"/>
-                  </a:schemeClr>
-                </a:solidFill>
-              </a:rPr>
-              <a:t>e di </a:t>
-            </a:r>
-            <a:r>
-              <a:rPr lang="en-US" i="1">
-                <a:solidFill>
-                  <a:schemeClr val="tx1">
-                    <a:lumMod val="75000"/>
-                    <a:lumOff val="25000"/>
-                  </a:schemeClr>
-                </a:solidFill>
-              </a:rPr>
-              <a:t>window</a:t>
-            </a:r>
-            <a:r>
-              <a:rPr lang="en-US">
-                <a:solidFill>
-                  <a:schemeClr val="tx1">
-                    <a:lumMod val="75000"/>
-                    <a:lumOff val="25000"/>
-                  </a:schemeClr>
-                </a:solidFill>
-              </a:rPr>
-              <a:t> distinguendo i due event time in analisi.</a:t>
-            </a:r>
-          </a:p>
-          <a:p>
-            <a:pPr algn="just" defTabSz="914400">
-              <a:spcAft>
-                <a:spcPts val="600"/>
-              </a:spcAft>
-              <a:buClr>
-                <a:schemeClr val="accent1"/>
-              </a:buClr>
-              <a:buFont typeface="Calibri" panose="020F0502020204030204" pitchFamily="34" charset="0"/>
-            </a:pPr>
-            <a:r>
-              <a:rPr lang="en-US">
-                <a:solidFill>
-                  <a:schemeClr val="tx1">
-                    <a:lumMod val="75000"/>
-                    <a:lumOff val="25000"/>
-                  </a:schemeClr>
-                </a:solidFill>
-              </a:rPr>
-              <a:t>Infine i dati sono </a:t>
-            </a:r>
-            <a:r>
-              <a:rPr lang="en-US" b="1" u="sng">
-                <a:solidFill>
-                  <a:schemeClr val="tx1">
-                    <a:lumMod val="75000"/>
-                    <a:lumOff val="25000"/>
-                  </a:schemeClr>
-                </a:solidFill>
-              </a:rPr>
-              <a:t>aggregati</a:t>
-            </a:r>
-            <a:r>
-              <a:rPr lang="en-US">
-                <a:solidFill>
-                  <a:schemeClr val="tx1">
-                    <a:lumMod val="75000"/>
-                    <a:lumOff val="25000"/>
-                  </a:schemeClr>
-                </a:solidFill>
-              </a:rPr>
-              <a:t> e mappati tramite una funzione che usa uno </a:t>
-            </a:r>
-            <a:r>
-              <a:rPr lang="en-US" i="1">
-                <a:solidFill>
-                  <a:schemeClr val="tx1">
-                    <a:lumMod val="75000"/>
-                    <a:lumOff val="25000"/>
-                  </a:schemeClr>
-                </a:solidFill>
-              </a:rPr>
-              <a:t>StringBuilder</a:t>
-            </a:r>
-            <a:r>
-              <a:rPr lang="en-US">
-                <a:solidFill>
-                  <a:schemeClr val="tx1">
-                    <a:lumMod val="75000"/>
-                    <a:lumOff val="25000"/>
-                  </a:schemeClr>
-                </a:solidFill>
-              </a:rPr>
-              <a:t> per costruire la stringa risultante, indicando il timestamp d'inizio del period sui cui è stata calcolata la media, l'identificatore della cella e la media giornaliera delle navi di ogni tipo in quella cella.</a:t>
-            </a:r>
-          </a:p>
-          <a:p>
-            <a:pPr algn="just" defTabSz="914400">
-              <a:spcAft>
-                <a:spcPts val="600"/>
-              </a:spcAft>
-              <a:buClr>
-                <a:schemeClr val="accent1"/>
-              </a:buClr>
-              <a:buFont typeface="Calibri" panose="020F0502020204030204" pitchFamily="34" charset="0"/>
-            </a:pPr>
-            <a:r>
-              <a:rPr lang="en-US">
-                <a:solidFill>
-                  <a:schemeClr val="tx1">
-                    <a:lumMod val="75000"/>
-                    <a:lumOff val="25000"/>
-                  </a:schemeClr>
-                </a:solidFill>
-              </a:rPr>
-              <a:t>Il risultato finale è input di una funzione </a:t>
-            </a:r>
-            <a:r>
-              <a:rPr lang="en-US" i="1">
-                <a:solidFill>
-                  <a:schemeClr val="tx1">
-                    <a:lumMod val="75000"/>
-                    <a:lumOff val="25000"/>
-                  </a:schemeClr>
-                </a:solidFill>
-              </a:rPr>
-              <a:t>addSink</a:t>
-            </a:r>
-            <a:r>
-              <a:rPr lang="en-US">
-                <a:solidFill>
-                  <a:schemeClr val="tx1">
-                    <a:lumMod val="75000"/>
-                    <a:lumOff val="25000"/>
-                  </a:schemeClr>
-                </a:solidFill>
-              </a:rPr>
-              <a:t>, che richiama una sink personalizzata attraverso dei connettori da Flink verso Kafka, al fine di offrire una semantica di processamento exactly-once.</a:t>
-            </a:r>
-          </a:p>
-          <a:p>
-            <a:pPr algn="just" defTabSz="914400">
+              <a:lnSpc>
+                <a:spcPct val="90000"/>
+              </a:lnSpc>
               <a:spcAft>
                 <a:spcPts val="600"/>
               </a:spcAft>
@@ -9541,72 +9958,47 @@
               </a:solidFill>
             </a:endParaRPr>
           </a:p>
-          <a:p>
-            <a:pPr algn="just" defTabSz="914400">
-              <a:spcAft>
-                <a:spcPts val="600"/>
-              </a:spcAft>
-              <a:buClr>
-                <a:schemeClr val="accent1"/>
-              </a:buClr>
-              <a:buFont typeface="Calibri" panose="020F0502020204030204" pitchFamily="34" charset="0"/>
-            </a:pPr>
-            <a:endParaRPr lang="en-US">
-              <a:solidFill>
-                <a:schemeClr val="tx1">
-                  <a:lumMod val="75000"/>
-                  <a:lumOff val="25000"/>
-                </a:schemeClr>
-              </a:solidFill>
-            </a:endParaRPr>
-          </a:p>
-          <a:p>
-            <a:pPr algn="just" defTabSz="914400">
-              <a:spcAft>
-                <a:spcPts val="600"/>
-              </a:spcAft>
-              <a:buClr>
-                <a:schemeClr val="accent1"/>
-              </a:buClr>
-              <a:buFont typeface="Calibri" panose="020F0502020204030204" pitchFamily="34" charset="0"/>
-            </a:pPr>
-            <a:endParaRPr lang="en-US" dirty="0">
-              <a:solidFill>
-                <a:schemeClr val="tx1">
-                  <a:lumMod val="75000"/>
-                  <a:lumOff val="25000"/>
-                </a:schemeClr>
-              </a:solidFill>
-            </a:endParaRPr>
-          </a:p>
-          <a:p>
-            <a:pPr algn="just" defTabSz="914400">
-              <a:lnSpc>
-                <a:spcPct val="90000"/>
-              </a:lnSpc>
-              <a:spcAft>
-                <a:spcPts val="600"/>
-              </a:spcAft>
-              <a:buClr>
-                <a:schemeClr val="accent1"/>
-              </a:buClr>
-              <a:buFont typeface="Calibri" panose="020F0502020204030204" pitchFamily="34" charset="0"/>
-            </a:pPr>
-            <a:endParaRPr lang="en-US" dirty="0">
-              <a:solidFill>
-                <a:schemeClr val="tx1">
-                  <a:lumMod val="75000"/>
-                  <a:lumOff val="25000"/>
-                </a:schemeClr>
-              </a:solidFill>
-            </a:endParaRPr>
+        </p:txBody>
+      </p:sp>
+      <p:sp>
+        <p:nvSpPr>
+          <p:cNvPr id="3" name="CasellaDiTesto 2">
+            <a:extLst>
+              <a:ext uri="{FF2B5EF4-FFF2-40B4-BE49-F238E27FC236}">
+                <a16:creationId xmlns:a16="http://schemas.microsoft.com/office/drawing/2014/main" id="{E8803B71-F9F9-4629-A651-DA55A0C56814}"/>
+              </a:ext>
+            </a:extLst>
+          </p:cNvPr>
+          <p:cNvSpPr txBox="1"/>
+          <p:nvPr/>
+        </p:nvSpPr>
+        <p:spPr>
+          <a:xfrm>
+            <a:off x="3481134" y="2390274"/>
+            <a:ext cx="5229726" cy="646331"/>
+          </a:xfrm>
+          <a:prstGeom prst="rect">
+            <a:avLst/>
+          </a:prstGeom>
+          <a:noFill/>
+        </p:spPr>
+        <p:txBody>
+          <a:bodyPr wrap="square" rtlCol="0">
+            <a:spAutoFit/>
+          </a:bodyPr>
+          <a:lstStyle/>
+          <a:p>
+            <a:r>
+              <a:rPr lang="it-IT"/>
+              <a:t>Prendere DAG fatti oppure, se ci sono, prenderli dall’interfaccia</a:t>
+            </a:r>
           </a:p>
         </p:txBody>
       </p:sp>
     </p:spTree>
     <p:extLst>
       <p:ext uri="{BB962C8B-B14F-4D97-AF65-F5344CB8AC3E}">
-        <p14:creationId xmlns:p14="http://schemas.microsoft.com/office/powerpoint/2010/main" val="1345306005"/>
+        <p14:creationId xmlns:p14="http://schemas.microsoft.com/office/powerpoint/2010/main" val="3673396182"/>
       </p:ext>
     </p:extLst>
   </p:cSld>
@@ -9666,8 +10058,93 @@
               <a:rPr lang="it-IT" sz="4800">
                 <a:latin typeface="Abadi" panose="020B0604020104020204" pitchFamily="34" charset="0"/>
               </a:rPr>
-              <a:t>ILLUSTRAZIONE QUERY 2</a:t>
-            </a:r>
+              <a:t>ARCHITETTURA DEL SISTEMA</a:t>
+            </a:r>
+          </a:p>
+        </p:txBody>
+      </p:sp>
+      <p:sp>
+        <p:nvSpPr>
+          <p:cNvPr id="9" name="CasellaDiTesto 12">
+            <a:extLst>
+              <a:ext uri="{FF2B5EF4-FFF2-40B4-BE49-F238E27FC236}">
+                <a16:creationId xmlns:a16="http://schemas.microsoft.com/office/drawing/2014/main" id="{13E1B321-3671-4BDC-85D1-DB5FB6C18B96}"/>
+              </a:ext>
+            </a:extLst>
+          </p:cNvPr>
+          <p:cNvSpPr txBox="1"/>
+          <p:nvPr/>
+        </p:nvSpPr>
+        <p:spPr>
+          <a:xfrm>
+            <a:off x="1016000" y="2023962"/>
+            <a:ext cx="10335491" cy="3845131"/>
+          </a:xfrm>
+          <a:prstGeom prst="rect">
+            <a:avLst/>
+          </a:prstGeom>
+        </p:spPr>
+        <p:txBody>
+          <a:bodyPr vert="horz" lIns="0" tIns="45720" rIns="0" bIns="45720" rtlCol="0">
+            <a:normAutofit/>
+          </a:bodyPr>
+          <a:lstStyle/>
+          <a:p>
+            <a:pPr algn="just" defTabSz="914400">
+              <a:spcAft>
+                <a:spcPts val="600"/>
+              </a:spcAft>
+              <a:buClr>
+                <a:schemeClr val="accent1"/>
+              </a:buClr>
+              <a:buFont typeface="Calibri" panose="020F0502020204030204" pitchFamily="34" charset="0"/>
+            </a:pPr>
+            <a:endParaRPr lang="en-US">
+              <a:solidFill>
+                <a:schemeClr val="tx1">
+                  <a:lumMod val="75000"/>
+                  <a:lumOff val="25000"/>
+                </a:schemeClr>
+              </a:solidFill>
+            </a:endParaRPr>
+          </a:p>
+          <a:p>
+            <a:pPr algn="just" defTabSz="914400">
+              <a:spcAft>
+                <a:spcPts val="600"/>
+              </a:spcAft>
+              <a:buClr>
+                <a:schemeClr val="accent1"/>
+              </a:buClr>
+              <a:buFont typeface="Calibri" panose="020F0502020204030204" pitchFamily="34" charset="0"/>
+            </a:pPr>
+            <a:endParaRPr lang="en-US">
+              <a:solidFill>
+                <a:schemeClr val="tx1">
+                  <a:lumMod val="75000"/>
+                  <a:lumOff val="25000"/>
+                </a:schemeClr>
+              </a:solidFill>
+            </a:endParaRPr>
+          </a:p>
+          <a:p>
+            <a:pPr algn="just" defTabSz="914400">
+              <a:spcAft>
+                <a:spcPts val="600"/>
+              </a:spcAft>
+              <a:buClr>
+                <a:schemeClr val="accent1"/>
+              </a:buClr>
+              <a:buFont typeface="Calibri" panose="020F0502020204030204" pitchFamily="34" charset="0"/>
+            </a:pPr>
+            <a:endParaRPr lang="en-US">
+              <a:solidFill>
+                <a:schemeClr val="tx1">
+                  <a:lumMod val="75000"/>
+                  <a:lumOff val="25000"/>
+                </a:schemeClr>
+              </a:solidFill>
+            </a:endParaRPr>
           </a:p>
         </p:txBody>
       </p:sp>
@@ -9795,23 +10272,23 @@
           </a:lstStyle>
           <a:p>
             <a:r>
-              <a:rPr lang="it-IT" sz="1200" dirty="0">
+              <a:rPr lang="it-IT" sz="1200">
                 <a:solidFill>
                   <a:schemeClr val="tx1"/>
                 </a:solidFill>
                 <a:latin typeface="Abadi" panose="020B0604020104020204" pitchFamily="34" charset="0"/>
               </a:rPr>
-              <a:t>10</a:t>
+              <a:t>3</a:t>
             </a:r>
           </a:p>
         </p:txBody>
       </p:sp>
       <p:sp>
         <p:nvSpPr>
-          <p:cNvPr id="4" name="CasellaDiTesto 12">
+          <p:cNvPr id="7" name="CasellaDiTesto 12">
             <a:extLst>
               <a:ext uri="{FF2B5EF4-FFF2-40B4-BE49-F238E27FC236}">
-                <a16:creationId xmlns:a16="http://schemas.microsoft.com/office/drawing/2014/main" id="{7FF7D7C6-5A7C-46CD-9FC7-C1384E75D933}"/>
+                <a16:creationId xmlns:a16="http://schemas.microsoft.com/office/drawing/2014/main" id="{DC62BE3E-E7BA-444E-816A-B21D077DE6FB}"/>
               </a:ext>
             </a:extLst>
           </p:cNvPr>
@@ -9821,7 +10298,7 @@
         <p:spPr>
           <a:xfrm>
             <a:off x="1016000" y="2023962"/>
-            <a:ext cx="6173037" cy="3845131"/>
+            <a:ext cx="10335491" cy="3845131"/>
           </a:xfrm>
           <a:prstGeom prst="rect">
             <a:avLst/>
@@ -9829,11 +10306,14 @@
         </p:spPr>
         <p:txBody>
           <a:bodyPr vert="horz" lIns="0" tIns="45720" rIns="0" bIns="45720" rtlCol="0">
-            <a:normAutofit fontScale="85000" lnSpcReduction="20000"/>
+            <a:normAutofit/>
           </a:bodyPr>
           <a:lstStyle/>
           <a:p>
             <a:pPr algn="just" defTabSz="914400">
+              <a:lnSpc>
+                <a:spcPct val="90000"/>
+              </a:lnSpc>
               <a:spcAft>
                 <a:spcPts val="600"/>
               </a:spcAft>
@@ -9842,214 +10322,48 @@
               </a:buClr>
               <a:buFont typeface="Calibri" panose="020F0502020204030204" pitchFamily="34" charset="0"/>
             </a:pPr>
-            <a:r>
-              <a:rPr lang="en-US">
-                <a:solidFill>
-                  <a:schemeClr val="tx1">
-                    <a:lumMod val="75000"/>
-                    <a:lumOff val="25000"/>
-                  </a:schemeClr>
-                </a:solidFill>
-              </a:rPr>
-              <a:t>Per la seconda query si richiede di fornire una classifica delle tre celle più frequentate nelle fasce orarie 00:00-11:59 e 12:00-23:59, distinguendo Mar Mediterraneo Orientale e Occidentale.</a:t>
-            </a:r>
-          </a:p>
-          <a:p>
-            <a:pPr algn="just" defTabSz="914400">
-              <a:spcAft>
-                <a:spcPts val="600"/>
-              </a:spcAft>
-              <a:buClr>
-                <a:schemeClr val="accent1"/>
-              </a:buClr>
-              <a:buFont typeface="Calibri" panose="020F0502020204030204" pitchFamily="34" charset="0"/>
-            </a:pPr>
-            <a:r>
-              <a:rPr lang="en-US">
-                <a:solidFill>
-                  <a:schemeClr val="tx1">
-                    <a:lumMod val="75000"/>
-                    <a:lumOff val="25000"/>
-                  </a:schemeClr>
-                </a:solidFill>
-              </a:rPr>
-              <a:t>Il grado di frequentazione di una cella indica il numero di navi diverse che la attraversano, e viene </a:t>
-            </a:r>
-            <a:r>
-              <a:rPr lang="en-US" u="sng">
-                <a:solidFill>
-                  <a:schemeClr val="tx1">
-                    <a:lumMod val="75000"/>
-                    <a:lumOff val="25000"/>
-                  </a:schemeClr>
-                </a:solidFill>
-              </a:rPr>
-              <a:t>calcolato</a:t>
-            </a:r>
-            <a:r>
-              <a:rPr lang="en-US">
-                <a:solidFill>
-                  <a:schemeClr val="tx1">
-                    <a:lumMod val="75000"/>
-                    <a:lumOff val="25000"/>
-                  </a:schemeClr>
-                </a:solidFill>
-              </a:rPr>
-              <a:t> [...]</a:t>
-            </a:r>
-          </a:p>
-          <a:p>
-            <a:pPr algn="just" defTabSz="914400">
-              <a:spcAft>
-                <a:spcPts val="600"/>
-              </a:spcAft>
-              <a:buClr>
-                <a:schemeClr val="accent1"/>
-              </a:buClr>
-              <a:buFont typeface="Calibri" panose="020F0502020204030204" pitchFamily="34" charset="0"/>
-            </a:pPr>
-            <a:r>
-              <a:rPr lang="en-US">
-                <a:solidFill>
-                  <a:schemeClr val="tx1">
-                    <a:lumMod val="75000"/>
-                    <a:lumOff val="25000"/>
-                  </a:schemeClr>
-                </a:solidFill>
-              </a:rPr>
-              <a:t>Per ogni cella e per ogni fascia oraria, i dati vengono aggregati e suddivisi in coppie dove la stringa corrisponde all'id della cella e l'intero fa riferimento all'ora del giorno.</a:t>
-            </a:r>
-          </a:p>
-          <a:p>
-            <a:pPr algn="just" defTabSz="914400">
-              <a:spcAft>
-                <a:spcPts val="600"/>
-              </a:spcAft>
-              <a:buClr>
-                <a:schemeClr val="accent1"/>
-              </a:buClr>
-              <a:buFont typeface="Calibri" panose="020F0502020204030204" pitchFamily="34" charset="0"/>
-            </a:pPr>
-            <a:r>
-              <a:rPr lang="en-US">
-                <a:solidFill>
-                  <a:schemeClr val="tx1">
-                    <a:lumMod val="75000"/>
-                    <a:lumOff val="25000"/>
-                  </a:schemeClr>
-                </a:solidFill>
-              </a:rPr>
-              <a:t>Viene applicata una trasformazione di </a:t>
-            </a:r>
-            <a:r>
-              <a:rPr lang="en-US" i="1">
-                <a:solidFill>
-                  <a:schemeClr val="tx1">
-                    <a:lumMod val="75000"/>
-                    <a:lumOff val="25000"/>
-                  </a:schemeClr>
-                </a:solidFill>
-              </a:rPr>
-              <a:t>window</a:t>
-            </a:r>
-            <a:r>
-              <a:rPr lang="en-US">
-                <a:solidFill>
-                  <a:schemeClr val="tx1">
-                    <a:lumMod val="75000"/>
-                    <a:lumOff val="25000"/>
-                  </a:schemeClr>
-                </a:solidFill>
-              </a:rPr>
-              <a:t> distinguendo tra i due event time, anche in questo caso, di 7 giorni e un mese, e viene calcolato il grado di frequentazione di ogni cella per le fasce orarie in esame.</a:t>
-            </a:r>
-          </a:p>
-          <a:p>
-            <a:pPr algn="just" defTabSz="914400">
-              <a:spcAft>
-                <a:spcPts val="600"/>
-              </a:spcAft>
-              <a:buClr>
-                <a:schemeClr val="accent1"/>
-              </a:buClr>
-              <a:buFont typeface="Calibri" panose="020F0502020204030204" pitchFamily="34" charset="0"/>
-            </a:pPr>
-            <a:r>
-              <a:rPr lang="en-US">
-                <a:solidFill>
-                  <a:schemeClr val="tx1">
-                    <a:lumMod val="75000"/>
-                    <a:lumOff val="25000"/>
-                  </a:schemeClr>
-                </a:solidFill>
-              </a:rPr>
-              <a:t>Il flusso viene suddiviso in base al tipo di mare, si crea un'ultima </a:t>
-            </a:r>
-            <a:r>
-              <a:rPr lang="en-US" i="1">
-                <a:solidFill>
-                  <a:schemeClr val="tx1">
-                    <a:lumMod val="75000"/>
-                    <a:lumOff val="25000"/>
-                  </a:schemeClr>
-                </a:solidFill>
-              </a:rPr>
-              <a:t>WindowedStream </a:t>
-            </a:r>
-            <a:r>
-              <a:rPr lang="en-US">
-                <a:solidFill>
-                  <a:schemeClr val="tx1">
-                    <a:lumMod val="75000"/>
-                    <a:lumOff val="25000"/>
-                  </a:schemeClr>
-                </a:solidFill>
-              </a:rPr>
-              <a:t>e si aggregano finalmente i dati, che vengono mappati in modo da creare un output che indichi il timestamp e la classifica delle tre celle più frequentate per fascia oraria.</a:t>
-            </a:r>
-          </a:p>
-          <a:p>
-            <a:pPr algn="just" defTabSz="914400">
-              <a:spcAft>
-                <a:spcPts val="600"/>
-              </a:spcAft>
-              <a:buClr>
-                <a:schemeClr val="accent1"/>
-              </a:buClr>
-              <a:buFont typeface="Calibri" panose="020F0502020204030204" pitchFamily="34" charset="0"/>
-            </a:pPr>
-            <a:r>
-              <a:rPr lang="en-US">
-                <a:solidFill>
-                  <a:schemeClr val="tx1">
-                    <a:lumMod val="75000"/>
-                    <a:lumOff val="25000"/>
-                  </a:schemeClr>
-                </a:solidFill>
-              </a:rPr>
-              <a:t>Anche in questo caso, come ultimo passo, viene eseguita una funzione </a:t>
-            </a:r>
-            <a:r>
-              <a:rPr lang="en-US" i="1">
-                <a:solidFill>
-                  <a:schemeClr val="tx1">
-                    <a:lumMod val="75000"/>
-                    <a:lumOff val="25000"/>
-                  </a:schemeClr>
-                </a:solidFill>
-              </a:rPr>
-              <a:t>addSink</a:t>
-            </a:r>
-            <a:r>
-              <a:rPr lang="en-US">
-                <a:solidFill>
-                  <a:schemeClr val="tx1">
-                    <a:lumMod val="75000"/>
-                    <a:lumOff val="25000"/>
-                  </a:schemeClr>
-                </a:solidFill>
-              </a:rPr>
-              <a:t> personalizzata che chiama un Producer Kafka che garantisce semantica exactly-once.</a:t>
+            <a:endParaRPr lang="en-US">
+              <a:solidFill>
+                <a:schemeClr val="tx1">
+                  <a:lumMod val="75000"/>
+                  <a:lumOff val="25000"/>
+                </a:schemeClr>
+              </a:solidFill>
+            </a:endParaRPr>
+          </a:p>
+        </p:txBody>
+      </p:sp>
+      <p:sp>
+        <p:nvSpPr>
+          <p:cNvPr id="3" name="CasellaDiTesto 2">
+            <a:extLst>
+              <a:ext uri="{FF2B5EF4-FFF2-40B4-BE49-F238E27FC236}">
+                <a16:creationId xmlns:a16="http://schemas.microsoft.com/office/drawing/2014/main" id="{E8803B71-F9F9-4629-A651-DA55A0C56814}"/>
+              </a:ext>
+            </a:extLst>
+          </p:cNvPr>
+          <p:cNvSpPr txBox="1"/>
+          <p:nvPr/>
+        </p:nvSpPr>
+        <p:spPr>
+          <a:xfrm>
+            <a:off x="3481134" y="2390274"/>
+            <a:ext cx="5229726" cy="646331"/>
+          </a:xfrm>
+          <a:prstGeom prst="rect">
+            <a:avLst/>
+          </a:prstGeom>
+          <a:noFill/>
+        </p:spPr>
+        <p:txBody>
+          <a:bodyPr wrap="square" rtlCol="0">
+            <a:spAutoFit/>
+          </a:bodyPr>
+          <a:lstStyle/>
+          <a:p>
+            <a:r>
+              <a:rPr lang="it-IT"/>
+              <a:t>Prendere DAG fatti oppure, se ci sono, prenderli dall’interfaccia</a:t>
             </a:r>
           </a:p>
         </p:txBody>
@@ -10057,7 +10371,7 @@
     </p:spTree>
     <p:extLst>
       <p:ext uri="{BB962C8B-B14F-4D97-AF65-F5344CB8AC3E}">
-        <p14:creationId xmlns:p14="http://schemas.microsoft.com/office/powerpoint/2010/main" val="2090155650"/>
+        <p14:creationId xmlns:p14="http://schemas.microsoft.com/office/powerpoint/2010/main" val="1796701409"/>
       </p:ext>
     </p:extLst>
   </p:cSld>
@@ -10117,17 +10431,152 @@
               <a:rPr lang="it-IT" sz="4800">
                 <a:latin typeface="Abadi" panose="020B0604020104020204" pitchFamily="34" charset="0"/>
               </a:rPr>
-              <a:t>ILLUSTRAZIONE QUERY 3 </a:t>
+              <a:t>ILLUSTRAZIONE QUERY 1 </a:t>
             </a:r>
           </a:p>
         </p:txBody>
       </p:sp>
       <p:sp>
         <p:nvSpPr>
-          <p:cNvPr id="9" name="CasellaDiTesto 12">
+          <p:cNvPr id="6" name="Segnaposto numero diapositiva 25">
             <a:extLst>
               <a:ext uri="{FF2B5EF4-FFF2-40B4-BE49-F238E27FC236}">
-                <a16:creationId xmlns:a16="http://schemas.microsoft.com/office/drawing/2014/main" id="{13E1B321-3671-4BDC-85D1-DB5FB6C18B96}"/>
+                <a16:creationId xmlns:a16="http://schemas.microsoft.com/office/drawing/2014/main" id="{DE0B3902-4D76-4BEA-B982-4D48B223D339}"/>
+              </a:ext>
+            </a:extLst>
+          </p:cNvPr>
+          <p:cNvSpPr txBox="1">
+            <a:spLocks/>
+          </p:cNvSpPr>
+          <p:nvPr/>
+        </p:nvSpPr>
+        <p:spPr>
+          <a:xfrm>
+            <a:off x="5002959" y="5788561"/>
+            <a:ext cx="2186079" cy="498470"/>
+          </a:xfrm>
+          <a:prstGeom prst="rect">
+            <a:avLst/>
+          </a:prstGeom>
+        </p:spPr>
+        <p:txBody>
+          <a:bodyPr vert="horz" lIns="91440" tIns="45720" rIns="91440" bIns="45720" rtlCol="0" anchor="ctr"/>
+          <a:lstStyle>
+            <a:defPPr>
+              <a:defRPr lang="en-US"/>
+            </a:defPPr>
+            <a:lvl1pPr marL="0" algn="ctr" defTabSz="457200" rtl="0" eaLnBrk="1" latinLnBrk="0" hangingPunct="1">
+              <a:defRPr sz="3200" kern="1200" cap="all" baseline="0">
+                <a:solidFill>
+                  <a:schemeClr val="accent1">
+                    <a:lumMod val="50000"/>
+                  </a:schemeClr>
+                </a:solidFill>
+                <a:latin typeface="+mn-lt"/>
+                <a:ea typeface="+mn-ea"/>
+                <a:cs typeface="+mn-cs"/>
+              </a:defRPr>
+            </a:lvl1pPr>
+            <a:lvl2pPr marL="457200" algn="l" defTabSz="457200" rtl="0" eaLnBrk="1" latinLnBrk="0" hangingPunct="1">
+              <a:defRPr sz="1800" kern="1200">
+                <a:solidFill>
+                  <a:schemeClr val="tx1"/>
+                </a:solidFill>
+                <a:latin typeface="+mn-lt"/>
+                <a:ea typeface="+mn-ea"/>
+                <a:cs typeface="+mn-cs"/>
+              </a:defRPr>
+            </a:lvl2pPr>
+            <a:lvl3pPr marL="914400" algn="l" defTabSz="457200" rtl="0" eaLnBrk="1" latinLnBrk="0" hangingPunct="1">
+              <a:defRPr sz="1800" kern="1200">
+                <a:solidFill>
+                  <a:schemeClr val="tx1"/>
+                </a:solidFill>
+                <a:latin typeface="+mn-lt"/>
+                <a:ea typeface="+mn-ea"/>
+                <a:cs typeface="+mn-cs"/>
+              </a:defRPr>
+            </a:lvl3pPr>
+            <a:lvl4pPr marL="1371600" algn="l" defTabSz="457200" rtl="0" eaLnBrk="1" latinLnBrk="0" hangingPunct="1">
+              <a:defRPr sz="1800" kern="1200">
+                <a:solidFill>
+                  <a:schemeClr val="tx1"/>
+                </a:solidFill>
+                <a:latin typeface="+mn-lt"/>
+                <a:ea typeface="+mn-ea"/>
+                <a:cs typeface="+mn-cs"/>
+              </a:defRPr>
+            </a:lvl4pPr>
+            <a:lvl5pPr marL="1828800" algn="l" defTabSz="457200" rtl="0" eaLnBrk="1" latinLnBrk="0" hangingPunct="1">
+              <a:defRPr sz="1800" kern="1200">
+                <a:solidFill>
+                  <a:schemeClr val="tx1"/>
+                </a:solidFill>
+                <a:latin typeface="+mn-lt"/>
+                <a:ea typeface="+mn-ea"/>
+                <a:cs typeface="+mn-cs"/>
+              </a:defRPr>
+            </a:lvl5pPr>
+            <a:lvl6pPr marL="2286000" algn="l" defTabSz="457200" rtl="0" eaLnBrk="1" latinLnBrk="0" hangingPunct="1">
+              <a:defRPr sz="1800" kern="1200">
+                <a:solidFill>
+                  <a:schemeClr val="tx1"/>
+                </a:solidFill>
+                <a:latin typeface="+mn-lt"/>
+                <a:ea typeface="+mn-ea"/>
+                <a:cs typeface="+mn-cs"/>
+              </a:defRPr>
+            </a:lvl6pPr>
+            <a:lvl7pPr marL="2743200" algn="l" defTabSz="457200" rtl="0" eaLnBrk="1" latinLnBrk="0" hangingPunct="1">
+              <a:defRPr sz="1800" kern="1200">
+                <a:solidFill>
+                  <a:schemeClr val="tx1"/>
+                </a:solidFill>
+                <a:latin typeface="+mn-lt"/>
+                <a:ea typeface="+mn-ea"/>
+                <a:cs typeface="+mn-cs"/>
+              </a:defRPr>
+            </a:lvl7pPr>
+            <a:lvl8pPr marL="3200400" algn="l" defTabSz="457200" rtl="0" eaLnBrk="1" latinLnBrk="0" hangingPunct="1">
+              <a:defRPr sz="1800" kern="1200">
+                <a:solidFill>
+                  <a:schemeClr val="tx1"/>
+                </a:solidFill>
+                <a:latin typeface="+mn-lt"/>
+                <a:ea typeface="+mn-ea"/>
+                <a:cs typeface="+mn-cs"/>
+              </a:defRPr>
+            </a:lvl8pPr>
+            <a:lvl9pPr marL="3657600" algn="l" defTabSz="457200" rtl="0" eaLnBrk="1" latinLnBrk="0" hangingPunct="1">
+              <a:defRPr sz="1800" kern="1200">
+                <a:solidFill>
+                  <a:schemeClr val="tx1"/>
+                </a:solidFill>
+                <a:latin typeface="+mn-lt"/>
+                <a:ea typeface="+mn-ea"/>
+                <a:cs typeface="+mn-cs"/>
+              </a:defRPr>
+            </a:lvl9pPr>
+          </a:lstStyle>
+          <a:p>
+            <a:r>
+              <a:rPr lang="it-IT" sz="1200" dirty="0">
+                <a:solidFill>
+                  <a:schemeClr val="tx1"/>
+                </a:solidFill>
+                <a:latin typeface="Abadi" panose="020B0604020104020204" pitchFamily="34" charset="0"/>
+              </a:rPr>
+              <a:t>8</a:t>
+            </a:r>
+          </a:p>
+        </p:txBody>
+      </p:sp>
+      <p:sp>
+        <p:nvSpPr>
+          <p:cNvPr id="4" name="CasellaDiTesto 12">
+            <a:extLst>
+              <a:ext uri="{FF2B5EF4-FFF2-40B4-BE49-F238E27FC236}">
+                <a16:creationId xmlns:a16="http://schemas.microsoft.com/office/drawing/2014/main" id="{BFC5744F-4252-4149-A816-E7631F333CFA}"/>
               </a:ext>
             </a:extLst>
           </p:cNvPr>
@@ -10136,8 +10585,8 @@
         </p:nvSpPr>
         <p:spPr>
           <a:xfrm>
-            <a:off x="928251" y="1950738"/>
-            <a:ext cx="10335491" cy="3845131"/>
+            <a:off x="1016000" y="2023962"/>
+            <a:ext cx="6173037" cy="3845131"/>
           </a:xfrm>
           <a:prstGeom prst="rect">
             <a:avLst/>
@@ -10145,9 +10594,284 @@
         </p:spPr>
         <p:txBody>
           <a:bodyPr vert="horz" lIns="0" tIns="45720" rIns="0" bIns="45720" rtlCol="0">
-            <a:normAutofit/>
+            <a:normAutofit fontScale="85000" lnSpcReduction="10000"/>
           </a:bodyPr>
           <a:lstStyle/>
+          <a:p>
+            <a:pPr algn="just" defTabSz="914400">
+              <a:spcAft>
+                <a:spcPts val="600"/>
+              </a:spcAft>
+              <a:buClr>
+                <a:schemeClr val="accent1"/>
+              </a:buClr>
+              <a:buFont typeface="Calibri" panose="020F0502020204030204" pitchFamily="34" charset="0"/>
+            </a:pPr>
+            <a:r>
+              <a:rPr lang="en-US">
+                <a:solidFill>
+                  <a:schemeClr val="tx1">
+                    <a:lumMod val="75000"/>
+                    <a:lumOff val="25000"/>
+                  </a:schemeClr>
+                </a:solidFill>
+              </a:rPr>
+              <a:t>Con la prima query si chiede </a:t>
+            </a:r>
+            <a:r>
+              <a:rPr lang="en-US" dirty="0">
+                <a:solidFill>
+                  <a:schemeClr val="tx1">
+                    <a:lumMod val="75000"/>
+                    <a:lumOff val="25000"/>
+                  </a:schemeClr>
+                </a:solidFill>
+              </a:rPr>
+              <a:t>di </a:t>
+            </a:r>
+            <a:r>
+              <a:rPr lang="en-US" dirty="0" err="1">
+                <a:solidFill>
+                  <a:schemeClr val="tx1">
+                    <a:lumMod val="75000"/>
+                    <a:lumOff val="25000"/>
+                  </a:schemeClr>
+                </a:solidFill>
+              </a:rPr>
+              <a:t>calcolare</a:t>
+            </a:r>
+            <a:r>
+              <a:rPr lang="en-US">
+                <a:solidFill>
+                  <a:schemeClr val="tx1">
+                    <a:lumMod val="75000"/>
+                    <a:lumOff val="25000"/>
+                  </a:schemeClr>
+                </a:solidFill>
+              </a:rPr>
+              <a:t>, per ogni cella del Mar Mediterraneo Occidentale, il numero medio giornaliero di navi militari, navi per trasporto passeggeri, navi cargo e altri tipi di nave, per un event time di 7 giorni e di un mese.</a:t>
+            </a:r>
+          </a:p>
+          <a:p>
+            <a:pPr algn="just" defTabSz="914400">
+              <a:spcAft>
+                <a:spcPts val="600"/>
+              </a:spcAft>
+              <a:buClr>
+                <a:schemeClr val="accent1"/>
+              </a:buClr>
+              <a:buFont typeface="Calibri" panose="020F0502020204030204" pitchFamily="34" charset="0"/>
+            </a:pPr>
+            <a:r>
+              <a:rPr lang="en-US">
+                <a:solidFill>
+                  <a:schemeClr val="tx1">
+                    <a:lumMod val="75000"/>
+                    <a:lumOff val="25000"/>
+                  </a:schemeClr>
+                </a:solidFill>
+              </a:rPr>
+              <a:t>Le navi vengono distinte in base al valore dell'attributo SHIP_TYPE.</a:t>
+            </a:r>
+          </a:p>
+          <a:p>
+            <a:pPr algn="just" defTabSz="914400">
+              <a:spcAft>
+                <a:spcPts val="600"/>
+              </a:spcAft>
+              <a:buClr>
+                <a:schemeClr val="accent1"/>
+              </a:buClr>
+              <a:buFont typeface="Calibri" panose="020F0502020204030204" pitchFamily="34" charset="0"/>
+            </a:pPr>
+            <a:r>
+              <a:rPr lang="en-US">
+                <a:solidFill>
+                  <a:schemeClr val="tx1">
+                    <a:lumMod val="75000"/>
+                    <a:lumOff val="25000"/>
+                  </a:schemeClr>
+                </a:solidFill>
+              </a:rPr>
+              <a:t>Dai dati iniziali si estraggono le colonne di interesse, successivamente i dati vengono filtrati per considerare solo le navi nel Mediterraneo Occidentale.</a:t>
+            </a:r>
+          </a:p>
+          <a:p>
+            <a:pPr algn="just" defTabSz="914400">
+              <a:spcAft>
+                <a:spcPts val="600"/>
+              </a:spcAft>
+              <a:buClr>
+                <a:schemeClr val="accent1"/>
+              </a:buClr>
+              <a:buFont typeface="Calibri" panose="020F0502020204030204" pitchFamily="34" charset="0"/>
+            </a:pPr>
+            <a:r>
+              <a:rPr lang="en-US">
+                <a:solidFill>
+                  <a:schemeClr val="tx1">
+                    <a:lumMod val="75000"/>
+                    <a:lumOff val="25000"/>
+                  </a:schemeClr>
+                </a:solidFill>
+              </a:rPr>
+              <a:t>In seguito vengono applicate delle trasformazioni di </a:t>
+            </a:r>
+            <a:r>
+              <a:rPr lang="en-US" i="1">
+                <a:solidFill>
+                  <a:schemeClr val="tx1">
+                    <a:lumMod val="75000"/>
+                    <a:lumOff val="25000"/>
+                  </a:schemeClr>
+                </a:solidFill>
+              </a:rPr>
+              <a:t>keyBy </a:t>
+            </a:r>
+            <a:r>
+              <a:rPr lang="en-US">
+                <a:solidFill>
+                  <a:schemeClr val="tx1">
+                    <a:lumMod val="75000"/>
+                    <a:lumOff val="25000"/>
+                  </a:schemeClr>
+                </a:solidFill>
+              </a:rPr>
+              <a:t>e di </a:t>
+            </a:r>
+            <a:r>
+              <a:rPr lang="en-US" i="1">
+                <a:solidFill>
+                  <a:schemeClr val="tx1">
+                    <a:lumMod val="75000"/>
+                    <a:lumOff val="25000"/>
+                  </a:schemeClr>
+                </a:solidFill>
+              </a:rPr>
+              <a:t>window</a:t>
+            </a:r>
+            <a:r>
+              <a:rPr lang="en-US">
+                <a:solidFill>
+                  <a:schemeClr val="tx1">
+                    <a:lumMod val="75000"/>
+                    <a:lumOff val="25000"/>
+                  </a:schemeClr>
+                </a:solidFill>
+              </a:rPr>
+              <a:t> distinguendo i due event time in analisi.</a:t>
+            </a:r>
+          </a:p>
+          <a:p>
+            <a:pPr algn="just" defTabSz="914400">
+              <a:spcAft>
+                <a:spcPts val="600"/>
+              </a:spcAft>
+              <a:buClr>
+                <a:schemeClr val="accent1"/>
+              </a:buClr>
+              <a:buFont typeface="Calibri" panose="020F0502020204030204" pitchFamily="34" charset="0"/>
+            </a:pPr>
+            <a:r>
+              <a:rPr lang="en-US">
+                <a:solidFill>
+                  <a:schemeClr val="tx1">
+                    <a:lumMod val="75000"/>
+                    <a:lumOff val="25000"/>
+                  </a:schemeClr>
+                </a:solidFill>
+              </a:rPr>
+              <a:t>Infine i dati sono </a:t>
+            </a:r>
+            <a:r>
+              <a:rPr lang="en-US" b="1" u="sng">
+                <a:solidFill>
+                  <a:schemeClr val="tx1">
+                    <a:lumMod val="75000"/>
+                    <a:lumOff val="25000"/>
+                  </a:schemeClr>
+                </a:solidFill>
+              </a:rPr>
+              <a:t>aggregati</a:t>
+            </a:r>
+            <a:r>
+              <a:rPr lang="en-US">
+                <a:solidFill>
+                  <a:schemeClr val="tx1">
+                    <a:lumMod val="75000"/>
+                    <a:lumOff val="25000"/>
+                  </a:schemeClr>
+                </a:solidFill>
+              </a:rPr>
+              <a:t> e mappati tramite una funzione che usa uno </a:t>
+            </a:r>
+            <a:r>
+              <a:rPr lang="en-US" i="1">
+                <a:solidFill>
+                  <a:schemeClr val="tx1">
+                    <a:lumMod val="75000"/>
+                    <a:lumOff val="25000"/>
+                  </a:schemeClr>
+                </a:solidFill>
+              </a:rPr>
+              <a:t>StringBuilder</a:t>
+            </a:r>
+            <a:r>
+              <a:rPr lang="en-US">
+                <a:solidFill>
+                  <a:schemeClr val="tx1">
+                    <a:lumMod val="75000"/>
+                    <a:lumOff val="25000"/>
+                  </a:schemeClr>
+                </a:solidFill>
+              </a:rPr>
+              <a:t> per costruire la stringa risultante, indicando il timestamp d'inizio del period sui cui è stata calcolata la media, l'identificatore della cella e la media giornaliera delle navi di ogni tipo in quella cella.</a:t>
+            </a:r>
+          </a:p>
+          <a:p>
+            <a:pPr algn="just" defTabSz="914400">
+              <a:spcAft>
+                <a:spcPts val="600"/>
+              </a:spcAft>
+              <a:buClr>
+                <a:schemeClr val="accent1"/>
+              </a:buClr>
+              <a:buFont typeface="Calibri" panose="020F0502020204030204" pitchFamily="34" charset="0"/>
+            </a:pPr>
+            <a:r>
+              <a:rPr lang="en-US">
+                <a:solidFill>
+                  <a:schemeClr val="tx1">
+                    <a:lumMod val="75000"/>
+                    <a:lumOff val="25000"/>
+                  </a:schemeClr>
+                </a:solidFill>
+              </a:rPr>
+              <a:t>Il risultato finale è input di una funzione </a:t>
+            </a:r>
+            <a:r>
+              <a:rPr lang="en-US" i="1">
+                <a:solidFill>
+                  <a:schemeClr val="tx1">
+                    <a:lumMod val="75000"/>
+                    <a:lumOff val="25000"/>
+                  </a:schemeClr>
+                </a:solidFill>
+              </a:rPr>
+              <a:t>addSink</a:t>
+            </a:r>
+            <a:r>
+              <a:rPr lang="en-US">
+                <a:solidFill>
+                  <a:schemeClr val="tx1">
+                    <a:lumMod val="75000"/>
+                    <a:lumOff val="25000"/>
+                  </a:schemeClr>
+                </a:solidFill>
+              </a:rPr>
+              <a:t>, che richiama una sink personalizzata attraverso dei connettori da Flink verso Kafka, al fine di offrire una semantica di processamento exactly-once.</a:t>
+            </a:r>
+          </a:p>
           <a:p>
             <a:pPr algn="just" defTabSz="914400">
               <a:spcAft>
@@ -10196,7 +10920,7 @@
               </a:buClr>
               <a:buFont typeface="Calibri" panose="020F0502020204030204" pitchFamily="34" charset="0"/>
             </a:pPr>
-            <a:endParaRPr lang="en-US">
+            <a:endParaRPr lang="en-US" dirty="0">
               <a:solidFill>
                 <a:schemeClr val="tx1">
                   <a:lumMod val="75000"/>
@@ -10205,171 +10929,11 @@
               </a:solidFill>
             </a:endParaRPr>
           </a:p>
-        </p:txBody>
-      </p:sp>
-      <p:sp>
-        <p:nvSpPr>
-          <p:cNvPr id="6" name="Segnaposto numero diapositiva 25">
-            <a:extLst>
-              <a:ext uri="{FF2B5EF4-FFF2-40B4-BE49-F238E27FC236}">
-                <a16:creationId xmlns:a16="http://schemas.microsoft.com/office/drawing/2014/main" id="{DE0B3902-4D76-4BEA-B982-4D48B223D339}"/>
-              </a:ext>
-            </a:extLst>
-          </p:cNvPr>
-          <p:cNvSpPr txBox="1">
-            <a:spLocks/>
-          </p:cNvSpPr>
-          <p:nvPr/>
-        </p:nvSpPr>
-        <p:spPr>
-          <a:xfrm>
-            <a:off x="5002959" y="5788561"/>
-            <a:ext cx="2186079" cy="498470"/>
-          </a:xfrm>
-          <a:prstGeom prst="rect">
-            <a:avLst/>
-          </a:prstGeom>
-        </p:spPr>
-        <p:txBody>
-          <a:bodyPr vert="horz" lIns="91440" tIns="45720" rIns="91440" bIns="45720" rtlCol="0" anchor="ctr"/>
-          <a:lstStyle>
-            <a:defPPr>
-              <a:defRPr lang="en-US"/>
-            </a:defPPr>
-            <a:lvl1pPr marL="0" algn="ctr" defTabSz="457200" rtl="0" eaLnBrk="1" latinLnBrk="0" hangingPunct="1">
-              <a:defRPr sz="3200" kern="1200" cap="all" baseline="0">
-                <a:solidFill>
-                  <a:schemeClr val="accent1">
-                    <a:lumMod val="50000"/>
-                  </a:schemeClr>
-                </a:solidFill>
-                <a:latin typeface="+mn-lt"/>
-                <a:ea typeface="+mn-ea"/>
-                <a:cs typeface="+mn-cs"/>
-              </a:defRPr>
-            </a:lvl1pPr>
-            <a:lvl2pPr marL="457200" algn="l" defTabSz="457200" rtl="0" eaLnBrk="1" latinLnBrk="0" hangingPunct="1">
-              <a:defRPr sz="1800" kern="1200">
-                <a:solidFill>
-                  <a:schemeClr val="tx1"/>
-                </a:solidFill>
-                <a:latin typeface="+mn-lt"/>
-                <a:ea typeface="+mn-ea"/>
-                <a:cs typeface="+mn-cs"/>
-              </a:defRPr>
-            </a:lvl2pPr>
-            <a:lvl3pPr marL="914400" algn="l" defTabSz="457200" rtl="0" eaLnBrk="1" latinLnBrk="0" hangingPunct="1">
-              <a:defRPr sz="1800" kern="1200">
-                <a:solidFill>
-                  <a:schemeClr val="tx1"/>
-                </a:solidFill>
-                <a:latin typeface="+mn-lt"/>
-                <a:ea typeface="+mn-ea"/>
-                <a:cs typeface="+mn-cs"/>
-              </a:defRPr>
-            </a:lvl3pPr>
-            <a:lvl4pPr marL="1371600" algn="l" defTabSz="457200" rtl="0" eaLnBrk="1" latinLnBrk="0" hangingPunct="1">
-              <a:defRPr sz="1800" kern="1200">
-                <a:solidFill>
-                  <a:schemeClr val="tx1"/>
-                </a:solidFill>
-                <a:latin typeface="+mn-lt"/>
-                <a:ea typeface="+mn-ea"/>
-                <a:cs typeface="+mn-cs"/>
-              </a:defRPr>
-            </a:lvl4pPr>
-            <a:lvl5pPr marL="1828800" algn="l" defTabSz="457200" rtl="0" eaLnBrk="1" latinLnBrk="0" hangingPunct="1">
-              <a:defRPr sz="1800" kern="1200">
-                <a:solidFill>
-                  <a:schemeClr val="tx1"/>
-                </a:solidFill>
-                <a:latin typeface="+mn-lt"/>
-                <a:ea typeface="+mn-ea"/>
-                <a:cs typeface="+mn-cs"/>
-              </a:defRPr>
-            </a:lvl5pPr>
-            <a:lvl6pPr marL="2286000" algn="l" defTabSz="457200" rtl="0" eaLnBrk="1" latinLnBrk="0" hangingPunct="1">
-              <a:defRPr sz="1800" kern="1200">
-                <a:solidFill>
-                  <a:schemeClr val="tx1"/>
-                </a:solidFill>
-                <a:latin typeface="+mn-lt"/>
-                <a:ea typeface="+mn-ea"/>
-                <a:cs typeface="+mn-cs"/>
-              </a:defRPr>
-            </a:lvl6pPr>
-            <a:lvl7pPr marL="2743200" algn="l" defTabSz="457200" rtl="0" eaLnBrk="1" latinLnBrk="0" hangingPunct="1">
-              <a:defRPr sz="1800" kern="1200">
-                <a:solidFill>
-                  <a:schemeClr val="tx1"/>
-                </a:solidFill>
-                <a:latin typeface="+mn-lt"/>
-                <a:ea typeface="+mn-ea"/>
-                <a:cs typeface="+mn-cs"/>
-              </a:defRPr>
-            </a:lvl7pPr>
-            <a:lvl8pPr marL="3200400" algn="l" defTabSz="457200" rtl="0" eaLnBrk="1" latinLnBrk="0" hangingPunct="1">
-              <a:defRPr sz="1800" kern="1200">
-                <a:solidFill>
-                  <a:schemeClr val="tx1"/>
-                </a:solidFill>
-                <a:latin typeface="+mn-lt"/>
-                <a:ea typeface="+mn-ea"/>
-                <a:cs typeface="+mn-cs"/>
-              </a:defRPr>
-            </a:lvl8pPr>
-            <a:lvl9pPr marL="3657600" algn="l" defTabSz="457200" rtl="0" eaLnBrk="1" latinLnBrk="0" hangingPunct="1">
-              <a:defRPr sz="1800" kern="1200">
-                <a:solidFill>
-                  <a:schemeClr val="tx1"/>
-                </a:solidFill>
-                <a:latin typeface="+mn-lt"/>
-                <a:ea typeface="+mn-ea"/>
-                <a:cs typeface="+mn-cs"/>
-              </a:defRPr>
-            </a:lvl9pPr>
-          </a:lstStyle>
-          <a:p>
-            <a:r>
-              <a:rPr lang="it-IT" sz="1200" dirty="0">
-                <a:solidFill>
-                  <a:schemeClr val="tx1"/>
-                </a:solidFill>
-                <a:latin typeface="Abadi" panose="020B0604020104020204" pitchFamily="34" charset="0"/>
-              </a:rPr>
-              <a:t>13</a:t>
-            </a:r>
-          </a:p>
-        </p:txBody>
-      </p:sp>
-      <p:sp>
-        <p:nvSpPr>
-          <p:cNvPr id="5" name="CasellaDiTesto 12">
-            <a:extLst>
-              <a:ext uri="{FF2B5EF4-FFF2-40B4-BE49-F238E27FC236}">
-                <a16:creationId xmlns:a16="http://schemas.microsoft.com/office/drawing/2014/main" id="{502ECD31-835E-485F-8C7A-020C2849BC8D}"/>
-              </a:ext>
-            </a:extLst>
-          </p:cNvPr>
-          <p:cNvSpPr txBox="1"/>
-          <p:nvPr/>
-        </p:nvSpPr>
-        <p:spPr>
-          <a:xfrm>
-            <a:off x="1016000" y="2023962"/>
-            <a:ext cx="6173037" cy="3845131"/>
-          </a:xfrm>
-          <a:prstGeom prst="rect">
-            <a:avLst/>
-          </a:prstGeom>
-        </p:spPr>
-        <p:txBody>
-          <a:bodyPr vert="horz" lIns="0" tIns="45720" rIns="0" bIns="45720" rtlCol="0">
-            <a:normAutofit fontScale="92500" lnSpcReduction="10000"/>
-          </a:bodyPr>
-          <a:lstStyle/>
           <a:p>
             <a:pPr algn="just" defTabSz="914400">
+              <a:lnSpc>
+                <a:spcPct val="90000"/>
+              </a:lnSpc>
               <a:spcAft>
                 <a:spcPts val="600"/>
               </a:spcAft>
@@ -10378,178 +10942,21 @@
               </a:buClr>
               <a:buFont typeface="Calibri" panose="020F0502020204030204" pitchFamily="34" charset="0"/>
             </a:pPr>
-            <a:r>
-              <a:rPr lang="en-US">
-                <a:solidFill>
-                  <a:schemeClr val="tx1">
-                    <a:lumMod val="75000"/>
-                    <a:lumOff val="25000"/>
-                  </a:schemeClr>
-                </a:solidFill>
-              </a:rPr>
-              <a:t>La terza query chiede di calcoalre una classifica, in tempo reale, dei cinque trip (viaggi) con il valore misurato più alto di distanza percorsa. Questo valore viene calcolato aggiornando la distanza euclidea rispetto al punto precedente, a ogni variazione della posizione della nave in uno stesso viaggio.</a:t>
-            </a:r>
-          </a:p>
-          <a:p>
-            <a:pPr algn="just" defTabSz="914400">
-              <a:spcAft>
-                <a:spcPts val="600"/>
-              </a:spcAft>
-              <a:buClr>
-                <a:schemeClr val="accent1"/>
-              </a:buClr>
-              <a:buFont typeface="Calibri" panose="020F0502020204030204" pitchFamily="34" charset="0"/>
-            </a:pPr>
-            <a:r>
-              <a:rPr lang="en-US">
-                <a:solidFill>
-                  <a:schemeClr val="tx1">
-                    <a:lumMod val="75000"/>
-                    <a:lumOff val="25000"/>
-                  </a:schemeClr>
-                </a:solidFill>
-              </a:rPr>
-              <a:t>Dopo aver creato una prima </a:t>
-            </a:r>
-            <a:r>
-              <a:rPr lang="en-US" i="1">
-                <a:solidFill>
-                  <a:schemeClr val="tx1">
-                    <a:lumMod val="75000"/>
-                    <a:lumOff val="25000"/>
-                  </a:schemeClr>
-                </a:solidFill>
-              </a:rPr>
-              <a:t>WindowedStream</a:t>
-            </a:r>
-            <a:r>
-              <a:rPr lang="en-US">
-                <a:solidFill>
-                  <a:schemeClr val="tx1">
-                    <a:lumMod val="75000"/>
-                    <a:lumOff val="25000"/>
-                  </a:schemeClr>
-                </a:solidFill>
-              </a:rPr>
-              <a:t> per intervalli di tempo di un'ora e due ore, i dati vengono aggregati sommando le distanze percorse da parte di ogni viaggio, ottenendo una stream di trip.</a:t>
-            </a:r>
-          </a:p>
-          <a:p>
-            <a:pPr algn="just" defTabSz="914400">
-              <a:spcAft>
-                <a:spcPts val="600"/>
-              </a:spcAft>
-              <a:buClr>
-                <a:schemeClr val="accent1"/>
-              </a:buClr>
-              <a:buFont typeface="Calibri" panose="020F0502020204030204" pitchFamily="34" charset="0"/>
-            </a:pPr>
-            <a:r>
-              <a:rPr lang="en-US">
-                <a:solidFill>
-                  <a:schemeClr val="tx1">
-                    <a:lumMod val="75000"/>
-                    <a:lumOff val="25000"/>
-                  </a:schemeClr>
-                </a:solidFill>
-              </a:rPr>
-              <a:t>Per realizzare la classifica dei viaggi si crea una </a:t>
-            </a:r>
-            <a:r>
-              <a:rPr lang="en-US" i="1">
-                <a:solidFill>
-                  <a:schemeClr val="tx1">
-                    <a:lumMod val="75000"/>
-                    <a:lumOff val="25000"/>
-                  </a:schemeClr>
-                </a:solidFill>
-              </a:rPr>
-              <a:t>AllWindowedStream</a:t>
-            </a:r>
-            <a:r>
-              <a:rPr lang="en-US">
-                <a:solidFill>
-                  <a:schemeClr val="tx1">
-                    <a:lumMod val="75000"/>
-                    <a:lumOff val="25000"/>
-                  </a:schemeClr>
-                </a:solidFill>
-              </a:rPr>
-              <a:t>, considerando sempre i due event time sopracitati. In seguito c'è una fase di aggregazione dei dati [</a:t>
-            </a:r>
-            <a:r>
-              <a:rPr lang="en-US" u="sng">
-                <a:solidFill>
-                  <a:schemeClr val="tx1">
-                    <a:lumMod val="75000"/>
-                    <a:lumOff val="25000"/>
-                  </a:schemeClr>
-                </a:solidFill>
-              </a:rPr>
-              <a:t>RankingTrip</a:t>
-            </a:r>
-            <a:r>
-              <a:rPr lang="en-US">
-                <a:solidFill>
-                  <a:schemeClr val="tx1">
-                    <a:lumMod val="75000"/>
-                    <a:lumOff val="25000"/>
-                  </a:schemeClr>
-                </a:solidFill>
-              </a:rPr>
-              <a:t>] e si costruisce una stringa risultante, contenente il timestamp e la classifica richiesta dalla query.</a:t>
-            </a:r>
-          </a:p>
-          <a:p>
-            <a:pPr algn="just" defTabSz="914400">
-              <a:spcAft>
-                <a:spcPts val="600"/>
-              </a:spcAft>
-              <a:buClr>
-                <a:schemeClr val="accent1"/>
-              </a:buClr>
-              <a:buFont typeface="Calibri" panose="020F0502020204030204" pitchFamily="34" charset="0"/>
-            </a:pPr>
-            <a:r>
-              <a:rPr lang="en-US">
-                <a:solidFill>
-                  <a:schemeClr val="tx1">
-                    <a:lumMod val="75000"/>
-                    <a:lumOff val="25000"/>
-                  </a:schemeClr>
-                </a:solidFill>
-              </a:rPr>
-              <a:t>Come per le query precedenti, tramite la funzione finale </a:t>
-            </a:r>
-            <a:r>
-              <a:rPr lang="en-US" i="1">
-                <a:solidFill>
-                  <a:schemeClr val="tx1">
-                    <a:lumMod val="75000"/>
-                    <a:lumOff val="25000"/>
-                  </a:schemeClr>
-                </a:solidFill>
-              </a:rPr>
-              <a:t>addSink</a:t>
-            </a:r>
-            <a:r>
-              <a:rPr lang="en-US">
-                <a:solidFill>
-                  <a:schemeClr val="tx1">
-                    <a:lumMod val="75000"/>
-                    <a:lumOff val="25000"/>
-                  </a:schemeClr>
-                </a:solidFill>
-              </a:rPr>
-              <a:t>, Flink comunica con Kafka, il quale gestisce il topic e garantisce una semantica di processamento di tipo exactly-once.</a:t>
-            </a:r>
+            <a:endParaRPr lang="en-US" dirty="0">
+              <a:solidFill>
+                <a:schemeClr val="tx1">
+                  <a:lumMod val="75000"/>
+                  <a:lumOff val="25000"/>
+                </a:schemeClr>
+              </a:solidFill>
+            </a:endParaRPr>
           </a:p>
         </p:txBody>
       </p:sp>
     </p:spTree>
     <p:extLst>
       <p:ext uri="{BB962C8B-B14F-4D97-AF65-F5344CB8AC3E}">
-        <p14:creationId xmlns:p14="http://schemas.microsoft.com/office/powerpoint/2010/main" val="1786702845"/>
+        <p14:creationId xmlns:p14="http://schemas.microsoft.com/office/powerpoint/2010/main" val="1345306005"/>
       </p:ext>
     </p:extLst>
   </p:cSld>
@@ -10606,99 +11013,11 @@
           <a:p>
             <a:pPr algn="ctr"/>
             <a:r>
-              <a:rPr lang="it-IT">
+              <a:rPr lang="it-IT" sz="4800">
                 <a:latin typeface="Abadi" panose="020B0604020104020204" pitchFamily="34" charset="0"/>
               </a:rPr>
-              <a:t>RISULTATI</a:t>
-            </a:r>
-            <a:endParaRPr lang="it-IT" sz="4800">
-              <a:latin typeface="Abadi" panose="020B0604020104020204" pitchFamily="34" charset="0"/>
-            </a:endParaRPr>
-          </a:p>
-        </p:txBody>
-      </p:sp>
-      <p:sp>
-        <p:nvSpPr>
-          <p:cNvPr id="9" name="CasellaDiTesto 12">
-            <a:extLst>
-              <a:ext uri="{FF2B5EF4-FFF2-40B4-BE49-F238E27FC236}">
-                <a16:creationId xmlns:a16="http://schemas.microsoft.com/office/drawing/2014/main" id="{13E1B321-3671-4BDC-85D1-DB5FB6C18B96}"/>
-              </a:ext>
-            </a:extLst>
-          </p:cNvPr>
-          <p:cNvSpPr txBox="1"/>
-          <p:nvPr/>
-        </p:nvSpPr>
-        <p:spPr>
-          <a:xfrm>
-            <a:off x="1016000" y="2023962"/>
-            <a:ext cx="10335491" cy="3845131"/>
-          </a:xfrm>
-          <a:prstGeom prst="rect">
-            <a:avLst/>
-          </a:prstGeom>
-        </p:spPr>
-        <p:txBody>
-          <a:bodyPr vert="horz" lIns="0" tIns="45720" rIns="0" bIns="45720" rtlCol="0">
-            <a:normAutofit/>
-          </a:bodyPr>
-          <a:lstStyle/>
-          <a:p>
-            <a:pPr algn="just" defTabSz="914400">
-              <a:spcAft>
-                <a:spcPts val="600"/>
-              </a:spcAft>
-              <a:buClr>
-                <a:schemeClr val="accent1"/>
-              </a:buClr>
-              <a:buFont typeface="Calibri" panose="020F0502020204030204" pitchFamily="34" charset="0"/>
-            </a:pPr>
-            <a:endParaRPr lang="en-US">
-              <a:solidFill>
-                <a:schemeClr val="tx1">
-                  <a:lumMod val="75000"/>
-                  <a:lumOff val="25000"/>
-                </a:schemeClr>
-              </a:solidFill>
-            </a:endParaRPr>
-          </a:p>
-          <a:p>
-            <a:pPr algn="just" defTabSz="914400">
-              <a:spcAft>
-                <a:spcPts val="600"/>
-              </a:spcAft>
-              <a:buClr>
-                <a:schemeClr val="accent1"/>
-              </a:buClr>
-              <a:buFont typeface="Calibri" panose="020F0502020204030204" pitchFamily="34" charset="0"/>
-            </a:pPr>
-            <a:endParaRPr lang="en-US">
-              <a:solidFill>
-                <a:schemeClr val="tx1">
-                  <a:lumMod val="75000"/>
-                  <a:lumOff val="25000"/>
-                </a:schemeClr>
-              </a:solidFill>
-            </a:endParaRPr>
-          </a:p>
-          <a:p>
-            <a:pPr algn="just" defTabSz="914400">
-              <a:spcAft>
-                <a:spcPts val="600"/>
-              </a:spcAft>
-              <a:buClr>
-                <a:schemeClr val="accent1"/>
-              </a:buClr>
-              <a:buFont typeface="Calibri" panose="020F0502020204030204" pitchFamily="34" charset="0"/>
-            </a:pPr>
-            <a:endParaRPr lang="en-US">
-              <a:solidFill>
-                <a:schemeClr val="tx1">
-                  <a:lumMod val="75000"/>
-                  <a:lumOff val="25000"/>
-                </a:schemeClr>
-              </a:solidFill>
-            </a:endParaRPr>
+              <a:t>ILLUSTRAZIONE QUERY 2</a:t>
+            </a:r>
           </a:p>
         </p:txBody>
       </p:sp>
@@ -10832,17 +11151,17 @@
                 </a:solidFill>
                 <a:latin typeface="Abadi" panose="020B0604020104020204" pitchFamily="34" charset="0"/>
               </a:rPr>
-              <a:t>15</a:t>
+              <a:t>10</a:t>
             </a:r>
           </a:p>
         </p:txBody>
       </p:sp>
       <p:sp>
         <p:nvSpPr>
-          <p:cNvPr id="5" name="CasellaDiTesto 12">
+          <p:cNvPr id="4" name="CasellaDiTesto 12">
             <a:extLst>
               <a:ext uri="{FF2B5EF4-FFF2-40B4-BE49-F238E27FC236}">
-                <a16:creationId xmlns:a16="http://schemas.microsoft.com/office/drawing/2014/main" id="{C007B7B2-A222-4A56-9289-815C4EAF3822}"/>
+                <a16:creationId xmlns:a16="http://schemas.microsoft.com/office/drawing/2014/main" id="{7FF7D7C6-5A7C-46CD-9FC7-C1384E75D933}"/>
               </a:ext>
             </a:extLst>
           </p:cNvPr>
@@ -10860,7 +11179,7 @@
         </p:spPr>
         <p:txBody>
           <a:bodyPr vert="horz" lIns="0" tIns="45720" rIns="0" bIns="45720" rtlCol="0">
-            <a:normAutofit/>
+            <a:normAutofit fontScale="85000" lnSpcReduction="20000"/>
           </a:bodyPr>
           <a:lstStyle/>
           <a:p>
@@ -10882,7 +11201,205 @@
                   </a:schemeClr>
                 </a:solidFill>
               </a:rPr>
-              <a:t>non si sa ancora</a:t>
+              <a:t>Per la seconda query si richiede di fornire una classifica delle tre celle più frequentate nelle fasce orarie 00:00-11:59 e 12:00-23:59, distinguendo Mar Mediterraneo Orientale e Occidentale.</a:t>
+            </a:r>
+          </a:p>
+          <a:p>
+            <a:pPr algn="just" defTabSz="914400">
+              <a:spcAft>
+                <a:spcPts val="600"/>
+              </a:spcAft>
+              <a:buClr>
+                <a:schemeClr val="accent1"/>
+              </a:buClr>
+              <a:buFont typeface="Calibri" panose="020F0502020204030204" pitchFamily="34" charset="0"/>
+            </a:pPr>
+            <a:r>
+              <a:rPr lang="en-US">
+                <a:solidFill>
+                  <a:schemeClr val="tx1">
+                    <a:lumMod val="75000"/>
+                    <a:lumOff val="25000"/>
+                  </a:schemeClr>
+                </a:solidFill>
+              </a:rPr>
+              <a:t>Il grado di frequentazione di una cella indica il numero di navi diverse che la attraversano, e viene </a:t>
+            </a:r>
+            <a:r>
+              <a:rPr lang="en-US" u="sng">
+                <a:solidFill>
+                  <a:schemeClr val="tx1">
+                    <a:lumMod val="75000"/>
+                    <a:lumOff val="25000"/>
+                  </a:schemeClr>
+                </a:solidFill>
+              </a:rPr>
+              <a:t>calcolato</a:t>
+            </a:r>
+            <a:r>
+              <a:rPr lang="en-US">
+                <a:solidFill>
+                  <a:schemeClr val="tx1">
+                    <a:lumMod val="75000"/>
+                    <a:lumOff val="25000"/>
+                  </a:schemeClr>
+                </a:solidFill>
+              </a:rPr>
+              <a:t> [...]</a:t>
+            </a:r>
+          </a:p>
+          <a:p>
+            <a:pPr algn="just" defTabSz="914400">
+              <a:spcAft>
+                <a:spcPts val="600"/>
+              </a:spcAft>
+              <a:buClr>
+                <a:schemeClr val="accent1"/>
+              </a:buClr>
+              <a:buFont typeface="Calibri" panose="020F0502020204030204" pitchFamily="34" charset="0"/>
+            </a:pPr>
+            <a:r>
+              <a:rPr lang="en-US">
+                <a:solidFill>
+                  <a:schemeClr val="tx1">
+                    <a:lumMod val="75000"/>
+                    <a:lumOff val="25000"/>
+                  </a:schemeClr>
+                </a:solidFill>
+              </a:rPr>
+              <a:t>Per ogni cella e per ogni fascia oraria, i dati vengono aggregati e suddivisi in coppie dove la stringa corrisponde all'id della cella e l'intero fa riferimento all'ora del giorno.</a:t>
+            </a:r>
+          </a:p>
+          <a:p>
+            <a:pPr algn="just" defTabSz="914400">
+              <a:spcAft>
+                <a:spcPts val="600"/>
+              </a:spcAft>
+              <a:buClr>
+                <a:schemeClr val="accent1"/>
+              </a:buClr>
+              <a:buFont typeface="Calibri" panose="020F0502020204030204" pitchFamily="34" charset="0"/>
+            </a:pPr>
+            <a:r>
+              <a:rPr lang="en-US">
+                <a:solidFill>
+                  <a:schemeClr val="tx1">
+                    <a:lumMod val="75000"/>
+                    <a:lumOff val="25000"/>
+                  </a:schemeClr>
+                </a:solidFill>
+              </a:rPr>
+              <a:t>Viene applicata una trasformazione di </a:t>
+            </a:r>
+            <a:r>
+              <a:rPr lang="en-US" i="1">
+                <a:solidFill>
+                  <a:schemeClr val="tx1">
+                    <a:lumMod val="75000"/>
+                    <a:lumOff val="25000"/>
+                  </a:schemeClr>
+                </a:solidFill>
+              </a:rPr>
+              <a:t>window</a:t>
+            </a:r>
+            <a:r>
+              <a:rPr lang="en-US">
+                <a:solidFill>
+                  <a:schemeClr val="tx1">
+                    <a:lumMod val="75000"/>
+                    <a:lumOff val="25000"/>
+                  </a:schemeClr>
+                </a:solidFill>
+              </a:rPr>
+              <a:t> distinguendo tra i due event time, anche in questo caso, di 7 giorni e un mese, e viene calcolato il grado di frequentazione di ogni cella per le fasce orarie in esame.</a:t>
+            </a:r>
+          </a:p>
+          <a:p>
+            <a:pPr algn="just" defTabSz="914400">
+              <a:spcAft>
+                <a:spcPts val="600"/>
+              </a:spcAft>
+              <a:buClr>
+                <a:schemeClr val="accent1"/>
+              </a:buClr>
+              <a:buFont typeface="Calibri" panose="020F0502020204030204" pitchFamily="34" charset="0"/>
+            </a:pPr>
+            <a:r>
+              <a:rPr lang="en-US">
+                <a:solidFill>
+                  <a:schemeClr val="tx1">
+                    <a:lumMod val="75000"/>
+                    <a:lumOff val="25000"/>
+                  </a:schemeClr>
+                </a:solidFill>
+              </a:rPr>
+              <a:t>Il flusso viene suddiviso in base al tipo di mare, si crea un'ultima </a:t>
+            </a:r>
+            <a:r>
+              <a:rPr lang="en-US" i="1">
+                <a:solidFill>
+                  <a:schemeClr val="tx1">
+                    <a:lumMod val="75000"/>
+                    <a:lumOff val="25000"/>
+                  </a:schemeClr>
+                </a:solidFill>
+              </a:rPr>
+              <a:t>WindowedStream </a:t>
+            </a:r>
+            <a:r>
+              <a:rPr lang="en-US">
+                <a:solidFill>
+                  <a:schemeClr val="tx1">
+                    <a:lumMod val="75000"/>
+                    <a:lumOff val="25000"/>
+                  </a:schemeClr>
+                </a:solidFill>
+              </a:rPr>
+              <a:t>e si aggregano finalmente i dati, che vengono mappati in modo da creare un output che indichi il timestamp e la classifica delle tre celle più frequentate per fascia oraria.</a:t>
+            </a:r>
+          </a:p>
+          <a:p>
+            <a:pPr algn="just" defTabSz="914400">
+              <a:spcAft>
+                <a:spcPts val="600"/>
+              </a:spcAft>
+              <a:buClr>
+                <a:schemeClr val="accent1"/>
+              </a:buClr>
+              <a:buFont typeface="Calibri" panose="020F0502020204030204" pitchFamily="34" charset="0"/>
+            </a:pPr>
+            <a:r>
+              <a:rPr lang="en-US">
+                <a:solidFill>
+                  <a:schemeClr val="tx1">
+                    <a:lumMod val="75000"/>
+                    <a:lumOff val="25000"/>
+                  </a:schemeClr>
+                </a:solidFill>
+              </a:rPr>
+              <a:t>Anche in questo caso, come ultimo passo, viene eseguita una funzione </a:t>
+            </a:r>
+            <a:r>
+              <a:rPr lang="en-US" i="1">
+                <a:solidFill>
+                  <a:schemeClr val="tx1">
+                    <a:lumMod val="75000"/>
+                    <a:lumOff val="25000"/>
+                  </a:schemeClr>
+                </a:solidFill>
+              </a:rPr>
+              <a:t>addSink</a:t>
+            </a:r>
+            <a:r>
+              <a:rPr lang="en-US">
+                <a:solidFill>
+                  <a:schemeClr val="tx1">
+                    <a:lumMod val="75000"/>
+                    <a:lumOff val="25000"/>
+                  </a:schemeClr>
+                </a:solidFill>
+              </a:rPr>
+              <a:t> personalizzata che chiama un Producer Kafka che garantisce semantica exactly-once.</a:t>
             </a:r>
           </a:p>
         </p:txBody>
@@ -10890,7 +11407,7 @@
     </p:spTree>
     <p:extLst>
       <p:ext uri="{BB962C8B-B14F-4D97-AF65-F5344CB8AC3E}">
-        <p14:creationId xmlns:p14="http://schemas.microsoft.com/office/powerpoint/2010/main" val="3627710531"/>
+        <p14:creationId xmlns:p14="http://schemas.microsoft.com/office/powerpoint/2010/main" val="2090155650"/>
       </p:ext>
     </p:extLst>
   </p:cSld>
@@ -10950,7 +11467,7 @@
               <a:rPr lang="it-IT" sz="4800">
                 <a:latin typeface="Abadi" panose="020B0604020104020204" pitchFamily="34" charset="0"/>
               </a:rPr>
-              <a:t>PRESTAZIONI</a:t>
+              <a:t>ILLUSTRAZIONE QUERY 3 </a:t>
             </a:r>
           </a:p>
         </p:txBody>
@@ -10969,7 +11486,7 @@
         </p:nvSpPr>
         <p:spPr>
           <a:xfrm>
-            <a:off x="1016000" y="2023962"/>
+            <a:off x="928251" y="1950738"/>
             <a:ext cx="10335491" cy="3845131"/>
           </a:xfrm>
           <a:prstGeom prst="rect">
@@ -11170,17 +11687,17 @@
                 </a:solidFill>
                 <a:latin typeface="Abadi" panose="020B0604020104020204" pitchFamily="34" charset="0"/>
               </a:rPr>
-              <a:t>18</a:t>
+              <a:t>13</a:t>
             </a:r>
           </a:p>
         </p:txBody>
       </p:sp>
       <p:sp>
         <p:nvSpPr>
-          <p:cNvPr id="7" name="CasellaDiTesto 12">
+          <p:cNvPr id="5" name="CasellaDiTesto 12">
             <a:extLst>
               <a:ext uri="{FF2B5EF4-FFF2-40B4-BE49-F238E27FC236}">
-                <a16:creationId xmlns:a16="http://schemas.microsoft.com/office/drawing/2014/main" id="{7AB42847-3EC4-40C9-9DFD-82559758C799}"/>
+                <a16:creationId xmlns:a16="http://schemas.microsoft.com/office/drawing/2014/main" id="{502ECD31-835E-485F-8C7A-020C2849BC8D}"/>
               </a:ext>
             </a:extLst>
           </p:cNvPr>
@@ -11198,7 +11715,7 @@
         </p:spPr>
         <p:txBody>
           <a:bodyPr vert="horz" lIns="0" tIns="45720" rIns="0" bIns="45720" rtlCol="0">
-            <a:normAutofit/>
+            <a:normAutofit fontScale="92500" lnSpcReduction="10000"/>
           </a:bodyPr>
           <a:lstStyle/>
           <a:p>
@@ -11220,7 +11737,7 @@
                   </a:schemeClr>
                 </a:solidFill>
               </a:rPr>
-              <a:t>in ogni query si misurano le metriche di latenza e throughput attraverso l'api REST API</a:t>
+              <a:t>La terza query chiede di calcoalre una classifica, in tempo reale, dei cinque trip (viaggi) con il valore misurato più alto di distanza percorsa. Questo valore viene calcolato aggiornando la distanza euclidea rispetto al punto precedente, a ogni variazione della posizione della nave in uno stesso viaggio.</a:t>
             </a:r>
           </a:p>
           <a:p>
@@ -11242,7 +11759,139 @@
                   </a:schemeClr>
                 </a:solidFill>
               </a:rPr>
-              <a:t>non si sa ancora</a:t>
+              <a:t>Dopo aver creato una prima </a:t>
+            </a:r>
+            <a:r>
+              <a:rPr lang="en-US" i="1">
+                <a:solidFill>
+                  <a:schemeClr val="tx1">
+                    <a:lumMod val="75000"/>
+                    <a:lumOff val="25000"/>
+                  </a:schemeClr>
+                </a:solidFill>
+              </a:rPr>
+              <a:t>WindowedStream</a:t>
+            </a:r>
+            <a:r>
+              <a:rPr lang="en-US">
+                <a:solidFill>
+                  <a:schemeClr val="tx1">
+                    <a:lumMod val="75000"/>
+                    <a:lumOff val="25000"/>
+                  </a:schemeClr>
+                </a:solidFill>
+              </a:rPr>
+              <a:t> per intervalli di tempo di un'ora e due ore, i dati vengono aggregati sommando le distanze percorse da parte di ogni viaggio, ottenendo una stream di trip.</a:t>
+            </a:r>
+          </a:p>
+          <a:p>
+            <a:pPr algn="just" defTabSz="914400">
+              <a:spcAft>
+                <a:spcPts val="600"/>
+              </a:spcAft>
+              <a:buClr>
+                <a:schemeClr val="accent1"/>
+              </a:buClr>
+              <a:buFont typeface="Calibri" panose="020F0502020204030204" pitchFamily="34" charset="0"/>
+            </a:pPr>
+            <a:r>
+              <a:rPr lang="en-US">
+                <a:solidFill>
+                  <a:schemeClr val="tx1">
+                    <a:lumMod val="75000"/>
+                    <a:lumOff val="25000"/>
+                  </a:schemeClr>
+                </a:solidFill>
+              </a:rPr>
+              <a:t>Per realizzare la classifica dei viaggi si crea una </a:t>
+            </a:r>
+            <a:r>
+              <a:rPr lang="en-US" i="1">
+                <a:solidFill>
+                  <a:schemeClr val="tx1">
+                    <a:lumMod val="75000"/>
+                    <a:lumOff val="25000"/>
+                  </a:schemeClr>
+                </a:solidFill>
+              </a:rPr>
+              <a:t>AllWindowedStream</a:t>
+            </a:r>
+            <a:r>
+              <a:rPr lang="en-US">
+                <a:solidFill>
+                  <a:schemeClr val="tx1">
+                    <a:lumMod val="75000"/>
+                    <a:lumOff val="25000"/>
+                  </a:schemeClr>
+                </a:solidFill>
+              </a:rPr>
+              <a:t>, considerando sempre i due event time sopracitati. In seguito c'è una fase di aggregazione dei dati [</a:t>
+            </a:r>
+            <a:r>
+              <a:rPr lang="en-US" u="sng">
+                <a:solidFill>
+                  <a:schemeClr val="tx1">
+                    <a:lumMod val="75000"/>
+                    <a:lumOff val="25000"/>
+                  </a:schemeClr>
+                </a:solidFill>
+              </a:rPr>
+              <a:t>RankingTrip</a:t>
+            </a:r>
+            <a:r>
+              <a:rPr lang="en-US">
+                <a:solidFill>
+                  <a:schemeClr val="tx1">
+                    <a:lumMod val="75000"/>
+                    <a:lumOff val="25000"/>
+                  </a:schemeClr>
+                </a:solidFill>
+              </a:rPr>
+              <a:t>] e si costruisce una stringa risultante, contenente il timestamp e la classifica richiesta dalla query.</a:t>
+            </a:r>
+          </a:p>
+          <a:p>
+            <a:pPr algn="just" defTabSz="914400">
+              <a:spcAft>
+                <a:spcPts val="600"/>
+              </a:spcAft>
+              <a:buClr>
+                <a:schemeClr val="accent1"/>
+              </a:buClr>
+              <a:buFont typeface="Calibri" panose="020F0502020204030204" pitchFamily="34" charset="0"/>
+            </a:pPr>
+            <a:r>
+              <a:rPr lang="en-US">
+                <a:solidFill>
+                  <a:schemeClr val="tx1">
+                    <a:lumMod val="75000"/>
+                    <a:lumOff val="25000"/>
+                  </a:schemeClr>
+                </a:solidFill>
+              </a:rPr>
+              <a:t>Come per le query precedenti, tramite la funzione finale </a:t>
+            </a:r>
+            <a:r>
+              <a:rPr lang="en-US" i="1">
+                <a:solidFill>
+                  <a:schemeClr val="tx1">
+                    <a:lumMod val="75000"/>
+                    <a:lumOff val="25000"/>
+                  </a:schemeClr>
+                </a:solidFill>
+              </a:rPr>
+              <a:t>addSink</a:t>
+            </a:r>
+            <a:r>
+              <a:rPr lang="en-US">
+                <a:solidFill>
+                  <a:schemeClr val="tx1">
+                    <a:lumMod val="75000"/>
+                    <a:lumOff val="25000"/>
+                  </a:schemeClr>
+                </a:solidFill>
+              </a:rPr>
+              <a:t>, Flink comunica con Kafka, il quale gestisce il topic e garantisce una semantica di processamento di tipo exactly-once.</a:t>
             </a:r>
           </a:p>
         </p:txBody>
@@ -11250,7 +11899,7 @@
     </p:spTree>
     <p:extLst>
       <p:ext uri="{BB962C8B-B14F-4D97-AF65-F5344CB8AC3E}">
-        <p14:creationId xmlns:p14="http://schemas.microsoft.com/office/powerpoint/2010/main" val="1934109131"/>
+        <p14:creationId xmlns:p14="http://schemas.microsoft.com/office/powerpoint/2010/main" val="1786702845"/>
       </p:ext>
     </p:extLst>
   </p:cSld>
@@ -11544,18 +12193,18 @@
 </file>
 
 <file path=customXml/item1.xml><?xml version="1.0" encoding="utf-8"?>
-<p:properties xmlns:p="http://schemas.microsoft.com/office/2006/metadata/properties" xmlns:xsi="http://www.w3.org/2001/XMLSchema-instance" xmlns:pc="http://schemas.microsoft.com/office/infopath/2007/PartnerControls">
-  <documentManagement/>
-</p:properties>
-</file>
-
-<file path=customXml/item2.xml><?xml version="1.0" encoding="utf-8"?>
 <?mso-contentType ?>
 <FormTemplates xmlns="http://schemas.microsoft.com/sharepoint/v3/contenttype/forms">
   <Display>DocumentLibraryForm</Display>
   <Edit>DocumentLibraryForm</Edit>
   <New>DocumentLibraryForm</New>
 </FormTemplates>
+</file>
+
+<file path=customXml/item2.xml><?xml version="1.0" encoding="utf-8"?>
+<p:properties xmlns:p="http://schemas.microsoft.com/office/2006/metadata/properties" xmlns:xsi="http://www.w3.org/2001/XMLSchema-instance" xmlns:pc="http://schemas.microsoft.com/office/infopath/2007/PartnerControls">
+  <documentManagement/>
+</p:properties>
 </file>
 
 <file path=customXml/item3.xml><?xml version="1.0" encoding="utf-8"?>
@@ -11691,25 +12340,25 @@
 </file>
 
 <file path=customXml/itemProps1.xml><?xml version="1.0" encoding="utf-8"?>
-<ds:datastoreItem xmlns:ds="http://schemas.openxmlformats.org/officeDocument/2006/customXml" ds:itemID="{8259E4A6-4C2A-4BE1-80F9-97662DD0F74E}">
+<ds:datastoreItem xmlns:ds="http://schemas.openxmlformats.org/officeDocument/2006/customXml" ds:itemID="{9F1D6BB2-5336-49C3-88C7-C3E15B1B61B8}">
   <ds:schemaRefs>
-    <ds:schemaRef ds:uri="http://purl.org/dc/dcmitype/"/>
-    <ds:schemaRef ds:uri="b834c3d6-9ef1-49f4-b3cb-b2339dc10402"/>
-    <ds:schemaRef ds:uri="http://purl.org/dc/elements/1.1/"/>
-    <ds:schemaRef ds:uri="http://schemas.microsoft.com/office/2006/documentManagement/types"/>
-    <ds:schemaRef ds:uri="http://purl.org/dc/terms/"/>
-    <ds:schemaRef ds:uri="http://schemas.microsoft.com/office/infopath/2007/PartnerControls"/>
-    <ds:schemaRef ds:uri="http://schemas.openxmlformats.org/package/2006/metadata/core-properties"/>
-    <ds:schemaRef ds:uri="http://schemas.microsoft.com/office/2006/metadata/properties"/>
-    <ds:schemaRef ds:uri="http://www.w3.org/XML/1998/namespace"/>
+    <ds:schemaRef ds:uri="http://schemas.microsoft.com/sharepoint/v3/contenttype/forms"/>
   </ds:schemaRefs>
 </ds:datastoreItem>
 </file>
 
 <file path=customXml/itemProps2.xml><?xml version="1.0" encoding="utf-8"?>
-<ds:datastoreItem xmlns:ds="http://schemas.openxmlformats.org/officeDocument/2006/customXml" ds:itemID="{9F1D6BB2-5336-49C3-88C7-C3E15B1B61B8}">
+<ds:datastoreItem xmlns:ds="http://schemas.openxmlformats.org/officeDocument/2006/customXml" ds:itemID="{8259E4A6-4C2A-4BE1-80F9-97662DD0F74E}">
   <ds:schemaRefs>
-    <ds:schemaRef ds:uri="http://schemas.microsoft.com/sharepoint/v3/contenttype/forms"/>
+    <ds:schemaRef ds:uri="http://schemas.microsoft.com/office/2006/metadata/properties"/>
+    <ds:schemaRef ds:uri="b834c3d6-9ef1-49f4-b3cb-b2339dc10402"/>
+    <ds:schemaRef ds:uri="http://www.w3.org/XML/1998/namespace"/>
+    <ds:schemaRef ds:uri="http://purl.org/dc/elements/1.1/"/>
+    <ds:schemaRef ds:uri="http://schemas.openxmlformats.org/package/2006/metadata/core-properties"/>
+    <ds:schemaRef ds:uri="http://purl.org/dc/dcmitype/"/>
+    <ds:schemaRef ds:uri="http://schemas.microsoft.com/office/2006/documentManagement/types"/>
+    <ds:schemaRef ds:uri="http://schemas.microsoft.com/office/infopath/2007/PartnerControls"/>
+    <ds:schemaRef ds:uri="http://purl.org/dc/terms/"/>
   </ds:schemaRefs>
 </ds:datastoreItem>
 </file>

--- a/PROGETTO SABD 2.pptx
+++ b/PROGETTO SABD 2.pptx
@@ -8977,7 +8977,7 @@
               <a:buFont typeface="Calibri" panose="020F0502020204030204" pitchFamily="34" charset="0"/>
             </a:pPr>
             <a:r>
-              <a:rPr lang="en-US">
+              <a:rPr lang="en-US" sz="1600">
                 <a:solidFill>
                   <a:schemeClr val="tx1">
                     <a:lumMod val="75000"/>
@@ -8988,7 +8988,7 @@
               <a:t>Lo scopo del progetto è rispondere a tre query su un dataset che mantiene dati presi dal </a:t>
             </a:r>
             <a:r>
-              <a:rPr lang="en-US" i="1">
+              <a:rPr lang="en-US" sz="1600" i="1">
                 <a:solidFill>
                   <a:schemeClr val="tx1">
                     <a:lumMod val="75000"/>
@@ -8999,7 +8999,7 @@
               <a:t>Automatic Identification System (AIS)</a:t>
             </a:r>
             <a:r>
-              <a:rPr lang="en-US">
+              <a:rPr lang="en-US" sz="1600">
                 <a:solidFill>
                   <a:schemeClr val="tx1">
                     <a:lumMod val="75000"/>
@@ -9024,7 +9024,7 @@
               <a:buFont typeface="Calibri" panose="020F0502020204030204" pitchFamily="34" charset="0"/>
             </a:pPr>
             <a:r>
-              <a:rPr lang="en-US">
+              <a:rPr lang="en-US" sz="1600">
                 <a:solidFill>
                   <a:schemeClr val="tx1">
                     <a:lumMod val="75000"/>
@@ -9035,7 +9035,7 @@
               <a:t>Per il processamento dei dati in modalità real-time si utilizza il framework Apache Flink, preferito ad Apache Storm perché offre un’API di livello più elevato. Infatti, la Datastream API di Flink fornisce funzioni alternative per le trasformazioni, quali </a:t>
             </a:r>
             <a:r>
-              <a:rPr lang="en-US" i="1">
+              <a:rPr lang="en-US" sz="1600" i="1">
                 <a:solidFill>
                   <a:schemeClr val="tx1">
                     <a:lumMod val="75000"/>
@@ -9046,7 +9046,7 @@
               <a:t>Map</a:t>
             </a:r>
             <a:r>
-              <a:rPr lang="en-US">
+              <a:rPr lang="en-US" sz="1600">
                 <a:solidFill>
                   <a:schemeClr val="tx1">
                     <a:lumMod val="75000"/>
@@ -9057,7 +9057,7 @@
               <a:t>, </a:t>
             </a:r>
             <a:r>
-              <a:rPr lang="en-US" i="1">
+              <a:rPr lang="en-US" sz="1600" i="1">
                 <a:solidFill>
                   <a:schemeClr val="tx1">
                     <a:lumMod val="75000"/>
@@ -9068,7 +9068,7 @@
               <a:t>GroupBy</a:t>
             </a:r>
             <a:r>
-              <a:rPr lang="en-US">
+              <a:rPr lang="en-US" sz="1600">
                 <a:solidFill>
                   <a:schemeClr val="tx1">
                     <a:lumMod val="75000"/>
@@ -9079,7 +9079,7 @@
               <a:t>, </a:t>
             </a:r>
             <a:r>
-              <a:rPr lang="en-US" i="1">
+              <a:rPr lang="en-US" sz="1600" i="1">
                 <a:solidFill>
                   <a:schemeClr val="tx1">
                     <a:lumMod val="75000"/>
@@ -9090,7 +9090,7 @@
               <a:t>Window</a:t>
             </a:r>
             <a:r>
-              <a:rPr lang="en-US">
+              <a:rPr lang="en-US" sz="1600">
                 <a:solidFill>
                   <a:schemeClr val="tx1">
                     <a:lumMod val="75000"/>
@@ -9101,7 +9101,7 @@
               <a:t> e </a:t>
             </a:r>
             <a:r>
-              <a:rPr lang="en-US" i="1">
+              <a:rPr lang="en-US" sz="1600" i="1">
                 <a:solidFill>
                   <a:schemeClr val="tx1">
                     <a:lumMod val="75000"/>
@@ -9112,7 +9112,7 @@
               <a:t>Join</a:t>
             </a:r>
             <a:r>
-              <a:rPr lang="en-US">
+              <a:rPr lang="en-US" sz="1600">
                 <a:solidFill>
                   <a:schemeClr val="tx1">
                     <a:lumMod val="75000"/>
@@ -9137,7 +9137,7 @@
               <a:buFont typeface="Calibri" panose="020F0502020204030204" pitchFamily="34" charset="0"/>
             </a:pPr>
             <a:r>
-              <a:rPr lang="en-US">
+              <a:rPr lang="en-US" sz="1600">
                 <a:solidFill>
                   <a:schemeClr val="tx1">
                     <a:lumMod val="75000"/>
@@ -9145,7 +9145,7 @@
                   </a:schemeClr>
                 </a:solidFill>
               </a:rPr>
-              <a:t>Altri vantaggi di Flink sono: il meccanismo di backpressure per cui lo streaming runtime si comporta bene quando più operatori lavorano a velocità diverse; un Sistema di windowing potente che supporta molti tipi di finestre; la possibilità di mantenere uno stato personalizzato (user-defined state) negli operatori.</a:t>
+              <a:t>Altri vantaggi di Flink sono: la vasta documentazione; il meccanismo di backpressure per cui lo streaming runtime si comporta bene quando più operatori lavorano a velocità diverse; un sistema di windowing potente che supporta molti tipi di finestre; la possibilità di mantenere uno stato personalizzato (user-defined state) negli operatori.</a:t>
             </a:r>
           </a:p>
           <a:p>
@@ -9162,7 +9162,7 @@
               <a:buFont typeface="Calibri" panose="020F0502020204030204" pitchFamily="34" charset="0"/>
             </a:pPr>
             <a:r>
-              <a:rPr lang="en-US">
+              <a:rPr lang="en-US" sz="1600">
                 <a:solidFill>
                   <a:schemeClr val="tx1">
                     <a:lumMod val="75000"/>
@@ -9172,7 +9172,7 @@
               </a:rPr>
               <a:t>Il progetto è stato sviluppato da un gruppo di due persone, in linguaggio Java e in ambiente Linux. La build è eseguita su un nodo stand-alone.</a:t>
             </a:r>
-            <a:endParaRPr lang="en-US" b="1">
+            <a:endParaRPr lang="en-US" sz="1600" b="1">
               <a:solidFill>
                 <a:schemeClr val="tx1">
                   <a:lumMod val="75000"/>
@@ -9194,7 +9194,7 @@
               </a:buClr>
               <a:buFont typeface="Calibri" panose="020F0502020204030204" pitchFamily="34" charset="0"/>
             </a:pPr>
-            <a:endParaRPr lang="en-US" b="1">
+            <a:endParaRPr lang="en-US" sz="1600" b="1">
               <a:solidFill>
                 <a:schemeClr val="tx1">
                   <a:lumMod val="75000"/>
@@ -9216,7 +9216,7 @@
               </a:buClr>
               <a:buFont typeface="Calibri" panose="020F0502020204030204" pitchFamily="34" charset="0"/>
             </a:pPr>
-            <a:endParaRPr lang="en-US" b="1">
+            <a:endParaRPr lang="en-US" sz="1600" b="1">
               <a:solidFill>
                 <a:schemeClr val="tx1">
                   <a:lumMod val="75000"/>
@@ -9238,7 +9238,7 @@
               </a:buClr>
               <a:buFont typeface="Calibri" panose="020F0502020204030204" pitchFamily="34" charset="0"/>
             </a:pPr>
-            <a:endParaRPr lang="en-US">
+            <a:endParaRPr lang="en-US" sz="1600">
               <a:solidFill>
                 <a:schemeClr val="tx1">
                   <a:lumMod val="75000"/>
@@ -9319,91 +9319,6 @@
       </p:sp>
       <p:sp>
         <p:nvSpPr>
-          <p:cNvPr id="9" name="CasellaDiTesto 12">
-            <a:extLst>
-              <a:ext uri="{FF2B5EF4-FFF2-40B4-BE49-F238E27FC236}">
-                <a16:creationId xmlns:a16="http://schemas.microsoft.com/office/drawing/2014/main" id="{13E1B321-3671-4BDC-85D1-DB5FB6C18B96}"/>
-              </a:ext>
-            </a:extLst>
-          </p:cNvPr>
-          <p:cNvSpPr txBox="1"/>
-          <p:nvPr/>
-        </p:nvSpPr>
-        <p:spPr>
-          <a:xfrm>
-            <a:off x="1016000" y="2023962"/>
-            <a:ext cx="10335491" cy="3845131"/>
-          </a:xfrm>
-          <a:prstGeom prst="rect">
-            <a:avLst/>
-          </a:prstGeom>
-        </p:spPr>
-        <p:txBody>
-          <a:bodyPr vert="horz" lIns="0" tIns="45720" rIns="0" bIns="45720" rtlCol="0">
-            <a:normAutofit/>
-          </a:bodyPr>
-          <a:lstStyle/>
-          <a:p>
-            <a:pPr algn="just" defTabSz="914400">
-              <a:spcAft>
-                <a:spcPts val="600"/>
-              </a:spcAft>
-              <a:buClr>
-                <a:schemeClr val="accent1"/>
-              </a:buClr>
-              <a:buFont typeface="Calibri" panose="020F0502020204030204" pitchFamily="34" charset="0"/>
-            </a:pPr>
-            <a:endParaRPr lang="en-US">
-              <a:solidFill>
-                <a:schemeClr val="tx1">
-                  <a:lumMod val="75000"/>
-                  <a:lumOff val="25000"/>
-                </a:schemeClr>
-              </a:solidFill>
-            </a:endParaRPr>
-          </a:p>
-          <a:p>
-            <a:pPr algn="just" defTabSz="914400">
-              <a:spcAft>
-                <a:spcPts val="600"/>
-              </a:spcAft>
-              <a:buClr>
-                <a:schemeClr val="accent1"/>
-              </a:buClr>
-              <a:buFont typeface="Calibri" panose="020F0502020204030204" pitchFamily="34" charset="0"/>
-            </a:pPr>
-            <a:endParaRPr lang="en-US">
-              <a:solidFill>
-                <a:schemeClr val="tx1">
-                  <a:lumMod val="75000"/>
-                  <a:lumOff val="25000"/>
-                </a:schemeClr>
-              </a:solidFill>
-            </a:endParaRPr>
-          </a:p>
-          <a:p>
-            <a:pPr algn="just" defTabSz="914400">
-              <a:spcAft>
-                <a:spcPts val="600"/>
-              </a:spcAft>
-              <a:buClr>
-                <a:schemeClr val="accent1"/>
-              </a:buClr>
-              <a:buFont typeface="Calibri" panose="020F0502020204030204" pitchFamily="34" charset="0"/>
-            </a:pPr>
-            <a:endParaRPr lang="en-US">
-              <a:solidFill>
-                <a:schemeClr val="tx1">
-                  <a:lumMod val="75000"/>
-                  <a:lumOff val="25000"/>
-                </a:schemeClr>
-              </a:solidFill>
-            </a:endParaRPr>
-          </a:p>
-        </p:txBody>
-      </p:sp>
-      <p:sp>
-        <p:nvSpPr>
           <p:cNvPr id="6" name="Segnaposto numero diapositiva 25">
             <a:extLst>
               <a:ext uri="{FF2B5EF4-FFF2-40B4-BE49-F238E27FC236}">
@@ -9539,10 +9454,210 @@
       </p:sp>
       <p:sp>
         <p:nvSpPr>
-          <p:cNvPr id="7" name="CasellaDiTesto 12">
+          <p:cNvPr id="15" name="Rettangolo con due angoli in diagonale ritagliati 14">
             <a:extLst>
               <a:ext uri="{FF2B5EF4-FFF2-40B4-BE49-F238E27FC236}">
-                <a16:creationId xmlns:a16="http://schemas.microsoft.com/office/drawing/2014/main" id="{DC62BE3E-E7BA-444E-816A-B21D077DE6FB}"/>
+                <a16:creationId xmlns:a16="http://schemas.microsoft.com/office/drawing/2014/main" id="{F6BE62F9-6701-4190-AC42-D374D884DFC0}"/>
+              </a:ext>
+            </a:extLst>
+          </p:cNvPr>
+          <p:cNvSpPr/>
+          <p:nvPr/>
+        </p:nvSpPr>
+        <p:spPr>
+          <a:xfrm>
+            <a:off x="1016000" y="2206305"/>
+            <a:ext cx="2671632" cy="1308682"/>
+          </a:xfrm>
+          <a:prstGeom prst="snip2DiagRect">
+            <a:avLst/>
+          </a:prstGeom>
+          <a:solidFill>
+            <a:schemeClr val="accent3">
+              <a:lumMod val="20000"/>
+              <a:lumOff val="80000"/>
+            </a:schemeClr>
+          </a:solidFill>
+          <a:ln>
+            <a:solidFill>
+              <a:schemeClr val="tx1"/>
+            </a:solidFill>
+          </a:ln>
+          <a:effectLst>
+            <a:outerShdw blurRad="50800" dist="38100" dir="8100000" algn="tr" rotWithShape="0">
+              <a:prstClr val="black">
+                <a:alpha val="40000"/>
+              </a:prstClr>
+            </a:outerShdw>
+          </a:effectLst>
+        </p:spPr>
+        <p:style>
+          <a:lnRef idx="2">
+            <a:schemeClr val="accent1">
+              <a:shade val="50000"/>
+            </a:schemeClr>
+          </a:lnRef>
+          <a:fillRef idx="1">
+            <a:schemeClr val="accent1"/>
+          </a:fillRef>
+          <a:effectRef idx="0">
+            <a:schemeClr val="accent1"/>
+          </a:effectRef>
+          <a:fontRef idx="minor">
+            <a:schemeClr val="lt1"/>
+          </a:fontRef>
+        </p:style>
+        <p:txBody>
+          <a:bodyPr rtlCol="0" anchor="ctr"/>
+          <a:lstStyle/>
+          <a:p>
+            <a:pPr algn="ctr"/>
+            <a:endParaRPr lang="it-IT"/>
+          </a:p>
+        </p:txBody>
+      </p:sp>
+      <p:pic>
+        <p:nvPicPr>
+          <p:cNvPr id="16" name="Immagine 15" descr="Immagine che contiene clipart&#10;&#10;Descrizione generata automaticamente">
+            <a:extLst>
+              <a:ext uri="{FF2B5EF4-FFF2-40B4-BE49-F238E27FC236}">
+                <a16:creationId xmlns:a16="http://schemas.microsoft.com/office/drawing/2014/main" id="{63CEA494-5FE1-49BC-AB31-8F95E2812B17}"/>
+              </a:ext>
+            </a:extLst>
+          </p:cNvPr>
+          <p:cNvPicPr>
+            <a:picLocks noChangeAspect="1"/>
+          </p:cNvPicPr>
+          <p:nvPr/>
+        </p:nvPicPr>
+        <p:blipFill>
+          <a:blip r:embed="rId2">
+            <a:extLst>
+              <a:ext uri="{28A0092B-C50C-407E-A947-70E740481C1C}">
+                <a14:useLocalDpi xmlns:a14="http://schemas.microsoft.com/office/drawing/2010/main" val="0"/>
+              </a:ext>
+            </a:extLst>
+          </a:blip>
+          <a:stretch>
+            <a:fillRect/>
+          </a:stretch>
+        </p:blipFill>
+        <p:spPr>
+          <a:xfrm>
+            <a:off x="1133213" y="2263721"/>
+            <a:ext cx="2437206" cy="1193850"/>
+          </a:xfrm>
+          <a:prstGeom prst="rect">
+            <a:avLst/>
+          </a:prstGeom>
+        </p:spPr>
+      </p:pic>
+      <p:sp>
+        <p:nvSpPr>
+          <p:cNvPr id="18" name="Rettangolo con due angoli in diagonale ritagliati 17">
+            <a:extLst>
+              <a:ext uri="{FF2B5EF4-FFF2-40B4-BE49-F238E27FC236}">
+                <a16:creationId xmlns:a16="http://schemas.microsoft.com/office/drawing/2014/main" id="{276270D0-7540-495D-9C73-EA8DE0C70FD5}"/>
+              </a:ext>
+            </a:extLst>
+          </p:cNvPr>
+          <p:cNvSpPr/>
+          <p:nvPr/>
+        </p:nvSpPr>
+        <p:spPr>
+          <a:xfrm>
+            <a:off x="8527046" y="4128315"/>
+            <a:ext cx="2671632" cy="1308682"/>
+          </a:xfrm>
+          <a:prstGeom prst="snip2DiagRect">
+            <a:avLst/>
+          </a:prstGeom>
+          <a:solidFill>
+            <a:schemeClr val="accent3">
+              <a:lumMod val="20000"/>
+              <a:lumOff val="80000"/>
+            </a:schemeClr>
+          </a:solidFill>
+          <a:ln>
+            <a:solidFill>
+              <a:schemeClr val="tx1"/>
+            </a:solidFill>
+          </a:ln>
+          <a:effectLst>
+            <a:outerShdw blurRad="50800" dist="38100" dir="2700000" algn="tl" rotWithShape="0">
+              <a:prstClr val="black">
+                <a:alpha val="40000"/>
+              </a:prstClr>
+            </a:outerShdw>
+          </a:effectLst>
+        </p:spPr>
+        <p:style>
+          <a:lnRef idx="2">
+            <a:schemeClr val="accent1">
+              <a:shade val="50000"/>
+            </a:schemeClr>
+          </a:lnRef>
+          <a:fillRef idx="1">
+            <a:schemeClr val="accent1"/>
+          </a:fillRef>
+          <a:effectRef idx="0">
+            <a:schemeClr val="accent1"/>
+          </a:effectRef>
+          <a:fontRef idx="minor">
+            <a:schemeClr val="lt1"/>
+          </a:fontRef>
+        </p:style>
+        <p:txBody>
+          <a:bodyPr rtlCol="0" anchor="ctr"/>
+          <a:lstStyle/>
+          <a:p>
+            <a:pPr algn="ctr"/>
+            <a:endParaRPr lang="it-IT"/>
+          </a:p>
+        </p:txBody>
+      </p:sp>
+      <p:pic>
+        <p:nvPicPr>
+          <p:cNvPr id="19" name="Immagine 18">
+            <a:extLst>
+              <a:ext uri="{FF2B5EF4-FFF2-40B4-BE49-F238E27FC236}">
+                <a16:creationId xmlns:a16="http://schemas.microsoft.com/office/drawing/2014/main" id="{4F06257E-BFC4-428F-A8ED-7E874D2B9548}"/>
+              </a:ext>
+            </a:extLst>
+          </p:cNvPr>
+          <p:cNvPicPr>
+            <a:picLocks noChangeAspect="1"/>
+          </p:cNvPicPr>
+          <p:nvPr/>
+        </p:nvPicPr>
+        <p:blipFill>
+          <a:blip r:embed="rId3">
+            <a:extLst>
+              <a:ext uri="{28A0092B-C50C-407E-A947-70E740481C1C}">
+                <a14:useLocalDpi xmlns:a14="http://schemas.microsoft.com/office/drawing/2010/main" val="0"/>
+              </a:ext>
+            </a:extLst>
+          </a:blip>
+          <a:stretch>
+            <a:fillRect/>
+          </a:stretch>
+        </p:blipFill>
+        <p:spPr>
+          <a:xfrm>
+            <a:off x="8602205" y="4172855"/>
+            <a:ext cx="2437206" cy="1218603"/>
+          </a:xfrm>
+          <a:prstGeom prst="rect">
+            <a:avLst/>
+          </a:prstGeom>
+        </p:spPr>
+      </p:pic>
+      <p:sp>
+        <p:nvSpPr>
+          <p:cNvPr id="20" name="CasellaDiTesto 19">
+            <a:extLst>
+              <a:ext uri="{FF2B5EF4-FFF2-40B4-BE49-F238E27FC236}">
+                <a16:creationId xmlns:a16="http://schemas.microsoft.com/office/drawing/2014/main" id="{07C7A234-0357-4B25-988E-82DC03F274AF}"/>
               </a:ext>
             </a:extLst>
           </p:cNvPr>
@@ -9551,58 +9666,8 @@
         </p:nvSpPr>
         <p:spPr>
           <a:xfrm>
-            <a:off x="1016000" y="2023962"/>
-            <a:ext cx="10335491" cy="3845131"/>
-          </a:xfrm>
-          <a:prstGeom prst="rect">
-            <a:avLst/>
-          </a:prstGeom>
-        </p:spPr>
-        <p:txBody>
-          <a:bodyPr vert="horz" lIns="0" tIns="45720" rIns="0" bIns="45720" rtlCol="0">
-            <a:normAutofit/>
-          </a:bodyPr>
-          <a:lstStyle/>
-          <a:p>
-            <a:pPr algn="just" defTabSz="914400">
-              <a:lnSpc>
-                <a:spcPct val="90000"/>
-              </a:lnSpc>
-              <a:spcAft>
-                <a:spcPts val="600"/>
-              </a:spcAft>
-              <a:buClr>
-                <a:schemeClr val="accent1"/>
-              </a:buClr>
-              <a:buFont typeface="Calibri" panose="020F0502020204030204" pitchFamily="34" charset="0"/>
-            </a:pPr>
-            <a:endParaRPr lang="en-US">
-              <a:solidFill>
-                <a:schemeClr val="tx1">
-                  <a:lumMod val="75000"/>
-                  <a:lumOff val="25000"/>
-                </a:schemeClr>
-              </a:solidFill>
-            </a:endParaRPr>
-          </a:p>
-        </p:txBody>
-      </p:sp>
-      <p:sp>
-        <p:nvSpPr>
-          <p:cNvPr id="3" name="CasellaDiTesto 2">
-            <a:extLst>
-              <a:ext uri="{FF2B5EF4-FFF2-40B4-BE49-F238E27FC236}">
-                <a16:creationId xmlns:a16="http://schemas.microsoft.com/office/drawing/2014/main" id="{E8803B71-F9F9-4629-A651-DA55A0C56814}"/>
-              </a:ext>
-            </a:extLst>
-          </p:cNvPr>
-          <p:cNvSpPr txBox="1"/>
-          <p:nvPr/>
-        </p:nvSpPr>
-        <p:spPr>
-          <a:xfrm>
-            <a:off x="3481134" y="2390274"/>
-            <a:ext cx="5229726" cy="646331"/>
+            <a:off x="3804845" y="2204998"/>
+            <a:ext cx="7495126" cy="1569660"/>
           </a:xfrm>
           <a:prstGeom prst="rect">
             <a:avLst/>
@@ -9615,13 +9680,137 @@
           </a:bodyPr>
           <a:lstStyle/>
           <a:p>
-            <a:r>
-              <a:rPr lang="it-IT"/>
-              <a:t>Prendere DAG fatti oppure, se ci sono, prenderli dall’interfaccia</a:t>
-            </a:r>
+            <a:pPr algn="just"/>
+            <a:r>
+              <a:rPr lang="it-IT" sz="1600"/>
+              <a:t>Utilizzato per la logica di processamento streaming.</a:t>
+            </a:r>
+          </a:p>
+          <a:p>
+            <a:pPr algn="just"/>
+            <a:r>
+              <a:rPr lang="it-IT" sz="1600"/>
+              <a:t>Il piano di esecuzione prodotto può essere visualizzato con un'interfaccia grafica.</a:t>
+            </a:r>
+          </a:p>
+          <a:p>
+            <a:pPr algn="just"/>
+            <a:r>
+              <a:rPr lang="it-IT" sz="1600"/>
+              <a:t>Il sistema di windowing supporta molteplici tipi di finestre.</a:t>
+            </a:r>
+          </a:p>
+          <a:p>
+            <a:pPr algn="just"/>
+            <a:r>
+              <a:rPr lang="it-IT" sz="1600"/>
+              <a:t>Per la fase di monitoraggio offre un sistema built-in che permette di raccogliere metriche tramite sistemi esterni.</a:t>
+            </a:r>
+          </a:p>
+          <a:p>
+            <a:endParaRPr lang="it-IT" sz="1600"/>
           </a:p>
         </p:txBody>
       </p:sp>
+      <p:sp>
+        <p:nvSpPr>
+          <p:cNvPr id="21" name="CasellaDiTesto 20">
+            <a:extLst>
+              <a:ext uri="{FF2B5EF4-FFF2-40B4-BE49-F238E27FC236}">
+                <a16:creationId xmlns:a16="http://schemas.microsoft.com/office/drawing/2014/main" id="{D8F59712-590A-4B6E-96B0-F01C933DA35F}"/>
+              </a:ext>
+            </a:extLst>
+          </p:cNvPr>
+          <p:cNvSpPr txBox="1"/>
+          <p:nvPr/>
+        </p:nvSpPr>
+        <p:spPr>
+          <a:xfrm>
+            <a:off x="947812" y="4113558"/>
+            <a:ext cx="7495126" cy="1323439"/>
+          </a:xfrm>
+          <a:prstGeom prst="rect">
+            <a:avLst/>
+          </a:prstGeom>
+          <a:noFill/>
+        </p:spPr>
+        <p:txBody>
+          <a:bodyPr wrap="square" rtlCol="0">
+            <a:spAutoFit/>
+          </a:bodyPr>
+          <a:lstStyle/>
+          <a:p>
+            <a:r>
+              <a:rPr lang="it-IT" sz="1600"/>
+              <a:t>Flink offre un connettore Kafka per leggere e scrivere data verso i topic di Kafka, garantendo semantica exactly-once.</a:t>
+            </a:r>
+          </a:p>
+          <a:p>
+            <a:r>
+              <a:rPr lang="it-IT" sz="1600"/>
+              <a:t>È stato scelto per la sua sinergia con Flink.</a:t>
+            </a:r>
+          </a:p>
+          <a:p>
+            <a:r>
+              <a:rPr lang="it-IT" sz="1600"/>
+              <a:t>Il Consumer permette la lettura da uno o più topic di Kafka, mentre il Producer consente di scrivere uno stream di record sui topic.</a:t>
+            </a:r>
+          </a:p>
+        </p:txBody>
+      </p:sp>
+      <p:cxnSp>
+        <p:nvCxnSpPr>
+          <p:cNvPr id="23" name="Connettore diritto 22">
+            <a:extLst>
+              <a:ext uri="{FF2B5EF4-FFF2-40B4-BE49-F238E27FC236}">
+                <a16:creationId xmlns:a16="http://schemas.microsoft.com/office/drawing/2014/main" id="{FAFA81D9-9F1C-4785-A2FD-B81DBBC7ECD8}"/>
+              </a:ext>
+            </a:extLst>
+          </p:cNvPr>
+          <p:cNvCxnSpPr>
+            <a:cxnSpLocks/>
+          </p:cNvCxnSpPr>
+          <p:nvPr/>
+        </p:nvCxnSpPr>
+        <p:spPr>
+          <a:xfrm>
+            <a:off x="4446402" y="3833381"/>
+            <a:ext cx="3299190" cy="0"/>
+          </a:xfrm>
+          <a:prstGeom prst="line">
+            <a:avLst/>
+          </a:prstGeom>
+          <a:ln>
+            <a:solidFill>
+              <a:schemeClr val="accent1">
+                <a:lumMod val="75000"/>
+              </a:schemeClr>
+            </a:solidFill>
+          </a:ln>
+          <a:effectLst>
+            <a:outerShdw blurRad="50800" dist="38100" dir="5400000" algn="t" rotWithShape="0">
+              <a:prstClr val="black">
+                <a:alpha val="40000"/>
+              </a:prstClr>
+            </a:outerShdw>
+          </a:effectLst>
+        </p:spPr>
+        <p:style>
+          <a:lnRef idx="1">
+            <a:schemeClr val="accent1"/>
+          </a:lnRef>
+          <a:fillRef idx="0">
+            <a:schemeClr val="accent1"/>
+          </a:fillRef>
+          <a:effectRef idx="0">
+            <a:schemeClr val="accent1"/>
+          </a:effectRef>
+          <a:fontRef idx="minor">
+            <a:schemeClr val="tx1"/>
+          </a:fontRef>
+        </p:style>
+      </p:cxnSp>
     </p:spTree>
     <p:extLst>
       <p:ext uri="{BB962C8B-B14F-4D97-AF65-F5344CB8AC3E}">
@@ -12202,12 +12391,6 @@
 </file>
 
 <file path=customXml/item2.xml><?xml version="1.0" encoding="utf-8"?>
-<p:properties xmlns:p="http://schemas.microsoft.com/office/2006/metadata/properties" xmlns:xsi="http://www.w3.org/2001/XMLSchema-instance" xmlns:pc="http://schemas.microsoft.com/office/infopath/2007/PartnerControls">
-  <documentManagement/>
-</p:properties>
-</file>
-
-<file path=customXml/item3.xml><?xml version="1.0" encoding="utf-8"?>
 <ct:contentTypeSchema xmlns:ct="http://schemas.microsoft.com/office/2006/metadata/contentType" xmlns:ma="http://schemas.microsoft.com/office/2006/metadata/properties/metaAttributes" ct:_="" ma:_="" ma:contentTypeName="Documento" ma:contentTypeID="0x0101001B2F273E5257C543A6CFD9471712AB86" ma:contentTypeVersion="2" ma:contentTypeDescription="Creare un nuovo documento." ma:contentTypeScope="" ma:versionID="7da39846fdfbec0136c6ed8db05b1434">
   <xsd:schema xmlns:xsd="http://www.w3.org/2001/XMLSchema" xmlns:xs="http://www.w3.org/2001/XMLSchema" xmlns:p="http://schemas.microsoft.com/office/2006/metadata/properties" xmlns:ns3="b834c3d6-9ef1-49f4-b3cb-b2339dc10402" targetNamespace="http://schemas.microsoft.com/office/2006/metadata/properties" ma:root="true" ma:fieldsID="c8bb2d35c47a3ff38126fa6a602bfb74" ns3:_="">
     <xsd:import namespace="b834c3d6-9ef1-49f4-b3cb-b2339dc10402"/>
@@ -12339,6 +12522,12 @@
 </ct:contentTypeSchema>
 </file>
 
+<file path=customXml/item3.xml><?xml version="1.0" encoding="utf-8"?>
+<p:properties xmlns:p="http://schemas.microsoft.com/office/2006/metadata/properties" xmlns:xsi="http://www.w3.org/2001/XMLSchema-instance" xmlns:pc="http://schemas.microsoft.com/office/infopath/2007/PartnerControls">
+  <documentManagement/>
+</p:properties>
+</file>
+
 <file path=customXml/itemProps1.xml><?xml version="1.0" encoding="utf-8"?>
 <ds:datastoreItem xmlns:ds="http://schemas.openxmlformats.org/officeDocument/2006/customXml" ds:itemID="{9F1D6BB2-5336-49C3-88C7-C3E15B1B61B8}">
   <ds:schemaRefs>
@@ -12348,22 +12537,6 @@
 </file>
 
 <file path=customXml/itemProps2.xml><?xml version="1.0" encoding="utf-8"?>
-<ds:datastoreItem xmlns:ds="http://schemas.openxmlformats.org/officeDocument/2006/customXml" ds:itemID="{8259E4A6-4C2A-4BE1-80F9-97662DD0F74E}">
-  <ds:schemaRefs>
-    <ds:schemaRef ds:uri="http://schemas.microsoft.com/office/2006/metadata/properties"/>
-    <ds:schemaRef ds:uri="b834c3d6-9ef1-49f4-b3cb-b2339dc10402"/>
-    <ds:schemaRef ds:uri="http://www.w3.org/XML/1998/namespace"/>
-    <ds:schemaRef ds:uri="http://purl.org/dc/elements/1.1/"/>
-    <ds:schemaRef ds:uri="http://schemas.openxmlformats.org/package/2006/metadata/core-properties"/>
-    <ds:schemaRef ds:uri="http://purl.org/dc/dcmitype/"/>
-    <ds:schemaRef ds:uri="http://schemas.microsoft.com/office/2006/documentManagement/types"/>
-    <ds:schemaRef ds:uri="http://schemas.microsoft.com/office/infopath/2007/PartnerControls"/>
-    <ds:schemaRef ds:uri="http://purl.org/dc/terms/"/>
-  </ds:schemaRefs>
-</ds:datastoreItem>
-</file>
-
-<file path=customXml/itemProps3.xml><?xml version="1.0" encoding="utf-8"?>
 <ds:datastoreItem xmlns:ds="http://schemas.openxmlformats.org/officeDocument/2006/customXml" ds:itemID="{7E27707B-163E-484C-B971-D7B8FAE9A246}">
   <ds:schemaRefs>
     <ds:schemaRef ds:uri="http://schemas.microsoft.com/office/2006/metadata/contentType"/>
@@ -12379,4 +12552,20 @@
     <ds:schemaRef ds:uri="http://schemas.microsoft.com/internal/obd"/>
   </ds:schemaRefs>
 </ds:datastoreItem>
+</file>
+
+<file path=customXml/itemProps3.xml><?xml version="1.0" encoding="utf-8"?>
+<ds:datastoreItem xmlns:ds="http://schemas.openxmlformats.org/officeDocument/2006/customXml" ds:itemID="{8259E4A6-4C2A-4BE1-80F9-97662DD0F74E}">
+  <ds:schemaRefs>
+    <ds:schemaRef ds:uri="http://schemas.microsoft.com/office/2006/metadata/properties"/>
+    <ds:schemaRef ds:uri="b834c3d6-9ef1-49f4-b3cb-b2339dc10402"/>
+    <ds:schemaRef ds:uri="http://www.w3.org/XML/1998/namespace"/>
+    <ds:schemaRef ds:uri="http://purl.org/dc/elements/1.1/"/>
+    <ds:schemaRef ds:uri="http://schemas.openxmlformats.org/package/2006/metadata/core-properties"/>
+    <ds:schemaRef ds:uri="http://purl.org/dc/dcmitype/"/>
+    <ds:schemaRef ds:uri="http://schemas.microsoft.com/office/2006/documentManagement/types"/>
+    <ds:schemaRef ds:uri="http://schemas.microsoft.com/office/infopath/2007/PartnerControls"/>
+    <ds:schemaRef ds:uri="http://purl.org/dc/terms/"/>
+  </ds:schemaRefs>
+</ds:datastoreItem>
 </file>
--- a/PROGETTO SABD 2.pptx
+++ b/PROGETTO SABD 2.pptx
@@ -3502,7 +3502,7 @@
           <a:p>
             <a:fld id="{EB2FD7F9-1C08-4659-A678-D4CC563A3D5B}" type="datetimeFigureOut">
               <a:rPr lang="it-IT" smtClean="0"/>
-              <a:t>06/07/2021</a:t>
+              <a:t>07/07/2021</a:t>
             </a:fld>
             <a:endParaRPr lang="it-IT"/>
           </a:p>
@@ -3710,7 +3710,7 @@
           <a:p>
             <a:fld id="{EB2FD7F9-1C08-4659-A678-D4CC563A3D5B}" type="datetimeFigureOut">
               <a:rPr lang="it-IT" smtClean="0"/>
-              <a:t>06/07/2021</a:t>
+              <a:t>07/07/2021</a:t>
             </a:fld>
             <a:endParaRPr lang="it-IT"/>
           </a:p>
@@ -3966,7 +3966,7 @@
           <a:p>
             <a:fld id="{EB2FD7F9-1C08-4659-A678-D4CC563A3D5B}" type="datetimeFigureOut">
               <a:rPr lang="it-IT" smtClean="0"/>
-              <a:t>06/07/2021</a:t>
+              <a:t>07/07/2021</a:t>
             </a:fld>
             <a:endParaRPr lang="it-IT"/>
           </a:p>
@@ -4140,7 +4140,7 @@
           <a:p>
             <a:fld id="{EB2FD7F9-1C08-4659-A678-D4CC563A3D5B}" type="datetimeFigureOut">
               <a:rPr lang="it-IT" smtClean="0"/>
-              <a:t>06/07/2021</a:t>
+              <a:t>07/07/2021</a:t>
             </a:fld>
             <a:endParaRPr lang="it-IT"/>
           </a:p>
@@ -4483,7 +4483,7 @@
           <a:p>
             <a:fld id="{EB2FD7F9-1C08-4659-A678-D4CC563A3D5B}" type="datetimeFigureOut">
               <a:rPr lang="it-IT" smtClean="0"/>
-              <a:t>06/07/2021</a:t>
+              <a:t>07/07/2021</a:t>
             </a:fld>
             <a:endParaRPr lang="it-IT"/>
           </a:p>
@@ -4758,7 +4758,7 @@
           <a:p>
             <a:fld id="{EB2FD7F9-1C08-4659-A678-D4CC563A3D5B}" type="datetimeFigureOut">
               <a:rPr lang="it-IT" smtClean="0"/>
-              <a:t>06/07/2021</a:t>
+              <a:t>07/07/2021</a:t>
             </a:fld>
             <a:endParaRPr lang="it-IT"/>
           </a:p>
@@ -5137,7 +5137,7 @@
           <a:p>
             <a:fld id="{EB2FD7F9-1C08-4659-A678-D4CC563A3D5B}" type="datetimeFigureOut">
               <a:rPr lang="it-IT" smtClean="0"/>
-              <a:t>06/07/2021</a:t>
+              <a:t>07/07/2021</a:t>
             </a:fld>
             <a:endParaRPr lang="it-IT"/>
           </a:p>
@@ -5255,7 +5255,7 @@
           <a:p>
             <a:fld id="{EB2FD7F9-1C08-4659-A678-D4CC563A3D5B}" type="datetimeFigureOut">
               <a:rPr lang="it-IT" smtClean="0"/>
-              <a:t>06/07/2021</a:t>
+              <a:t>07/07/2021</a:t>
             </a:fld>
             <a:endParaRPr lang="it-IT"/>
           </a:p>
@@ -5426,7 +5426,7 @@
           <a:p>
             <a:fld id="{EB2FD7F9-1C08-4659-A678-D4CC563A3D5B}" type="datetimeFigureOut">
               <a:rPr lang="it-IT" smtClean="0"/>
-              <a:t>06/07/2021</a:t>
+              <a:t>07/07/2021</a:t>
             </a:fld>
             <a:endParaRPr lang="it-IT"/>
           </a:p>
@@ -5780,7 +5780,7 @@
           <a:p>
             <a:fld id="{EB2FD7F9-1C08-4659-A678-D4CC563A3D5B}" type="datetimeFigureOut">
               <a:rPr lang="it-IT" smtClean="0"/>
-              <a:t>06/07/2021</a:t>
+              <a:t>07/07/2021</a:t>
             </a:fld>
             <a:endParaRPr lang="it-IT"/>
           </a:p>
@@ -6162,7 +6162,7 @@
           <a:p>
             <a:fld id="{EB2FD7F9-1C08-4659-A678-D4CC563A3D5B}" type="datetimeFigureOut">
               <a:rPr lang="it-IT" smtClean="0"/>
-              <a:t>06/07/2021</a:t>
+              <a:t>07/07/2021</a:t>
             </a:fld>
             <a:endParaRPr lang="it-IT"/>
           </a:p>
@@ -6449,7 +6449,7 @@
           <a:p>
             <a:fld id="{EB2FD7F9-1C08-4659-A678-D4CC563A3D5B}" type="datetimeFigureOut">
               <a:rPr lang="it-IT" smtClean="0"/>
-              <a:t>06/07/2021</a:t>
+              <a:t>07/07/2021</a:t>
             </a:fld>
             <a:endParaRPr lang="it-IT"/>
           </a:p>
@@ -7383,7 +7383,7 @@
                 </a:solidFill>
                 <a:latin typeface="Abadi" panose="020B0604020104020204" pitchFamily="34" charset="0"/>
               </a:rPr>
-              <a:t>15</a:t>
+              <a:t>8</a:t>
             </a:r>
           </a:p>
         </p:txBody>
@@ -7715,14 +7715,20 @@
           </a:lstStyle>
           <a:p>
             <a:r>
-              <a:rPr lang="it-IT" sz="1200" dirty="0">
+              <a:rPr lang="it-IT" sz="1200">
                 <a:solidFill>
                   <a:schemeClr val="tx1"/>
                 </a:solidFill>
                 <a:latin typeface="Abadi" panose="020B0604020104020204" pitchFamily="34" charset="0"/>
               </a:rPr>
-              <a:t>18</a:t>
-            </a:r>
+              <a:t>9</a:t>
+            </a:r>
+            <a:endParaRPr lang="it-IT" sz="1200" dirty="0">
+              <a:solidFill>
+                <a:schemeClr val="tx1"/>
+              </a:solidFill>
+              <a:latin typeface="Abadi" panose="020B0604020104020204" pitchFamily="34" charset="0"/>
+            </a:endParaRPr>
           </a:p>
         </p:txBody>
       </p:sp>
@@ -8075,14 +8081,20 @@
           </a:lstStyle>
           <a:p>
             <a:r>
-              <a:rPr lang="it-IT" sz="1200" dirty="0">
+              <a:rPr lang="it-IT" sz="1200">
                 <a:solidFill>
                   <a:schemeClr val="tx1"/>
                 </a:solidFill>
                 <a:latin typeface="Abadi" panose="020B0604020104020204" pitchFamily="34" charset="0"/>
               </a:rPr>
-              <a:t>19</a:t>
-            </a:r>
+              <a:t>10</a:t>
+            </a:r>
+            <a:endParaRPr lang="it-IT" sz="1200" dirty="0">
+              <a:solidFill>
+                <a:schemeClr val="tx1"/>
+              </a:solidFill>
+              <a:latin typeface="Abadi" panose="020B0604020104020204" pitchFamily="34" charset="0"/>
+            </a:endParaRPr>
           </a:p>
         </p:txBody>
       </p:sp>
@@ -9447,7 +9459,7 @@
                 </a:solidFill>
                 <a:latin typeface="Abadi" panose="020B0604020104020204" pitchFamily="34" charset="0"/>
               </a:rPr>
-              <a:t>3</a:t>
+              <a:t>2</a:t>
             </a:r>
           </a:p>
         </p:txBody>
@@ -9666,8 +9678,8 @@
         </p:nvSpPr>
         <p:spPr>
           <a:xfrm>
-            <a:off x="3804845" y="2204998"/>
-            <a:ext cx="7495126" cy="1569660"/>
+            <a:off x="3861995" y="2204998"/>
+            <a:ext cx="7393833" cy="1569660"/>
           </a:xfrm>
           <a:prstGeom prst="rect">
             <a:avLst/>
@@ -9775,7 +9787,7 @@
         </p:nvCxnSpPr>
         <p:spPr>
           <a:xfrm>
-            <a:off x="4446402" y="3833381"/>
+            <a:off x="4446402" y="3804806"/>
             <a:ext cx="3299190" cy="0"/>
           </a:xfrm>
           <a:prstGeom prst="line">
@@ -10467,7 +10479,7 @@
                 </a:solidFill>
                 <a:latin typeface="Abadi" panose="020B0604020104020204" pitchFamily="34" charset="0"/>
               </a:rPr>
-              <a:t>3</a:t>
+              <a:t>4</a:t>
             </a:r>
           </a:p>
         </p:txBody>
@@ -10749,14 +10761,20 @@
           </a:lstStyle>
           <a:p>
             <a:r>
-              <a:rPr lang="it-IT" sz="1200" dirty="0">
+              <a:rPr lang="it-IT" sz="1200">
                 <a:solidFill>
                   <a:schemeClr val="tx1"/>
                 </a:solidFill>
                 <a:latin typeface="Abadi" panose="020B0604020104020204" pitchFamily="34" charset="0"/>
               </a:rPr>
-              <a:t>8</a:t>
-            </a:r>
+              <a:t>5</a:t>
+            </a:r>
+            <a:endParaRPr lang="it-IT" sz="1200" dirty="0">
+              <a:solidFill>
+                <a:schemeClr val="tx1"/>
+              </a:solidFill>
+              <a:latin typeface="Abadi" panose="020B0604020104020204" pitchFamily="34" charset="0"/>
+            </a:endParaRPr>
           </a:p>
         </p:txBody>
       </p:sp>
@@ -10774,8 +10792,8 @@
         </p:nvSpPr>
         <p:spPr>
           <a:xfrm>
-            <a:off x="1016000" y="2023962"/>
-            <a:ext cx="6173037" cy="3845131"/>
+            <a:off x="1016000" y="2023963"/>
+            <a:ext cx="10309225" cy="3233838"/>
           </a:xfrm>
           <a:prstGeom prst="rect">
             <a:avLst/>
@@ -10783,7 +10801,7 @@
         </p:spPr>
         <p:txBody>
           <a:bodyPr vert="horz" lIns="0" tIns="45720" rIns="0" bIns="45720" rtlCol="0">
-            <a:normAutofit fontScale="85000" lnSpcReduction="10000"/>
+            <a:noAutofit/>
           </a:bodyPr>
           <a:lstStyle/>
           <a:p>
@@ -10797,7 +10815,7 @@
               <a:buFont typeface="Calibri" panose="020F0502020204030204" pitchFamily="34" charset="0"/>
             </a:pPr>
             <a:r>
-              <a:rPr lang="en-US">
+              <a:rPr lang="en-US" sz="1600">
                 <a:solidFill>
                   <a:schemeClr val="tx1">
                     <a:lumMod val="75000"/>
@@ -10808,7 +10826,7 @@
               <a:t>Con la prima query si chiede </a:t>
             </a:r>
             <a:r>
-              <a:rPr lang="en-US" dirty="0">
+              <a:rPr lang="en-US" sz="1600" dirty="0">
                 <a:solidFill>
                   <a:schemeClr val="tx1">
                     <a:lumMod val="75000"/>
@@ -10819,7 +10837,7 @@
               <a:t>di </a:t>
             </a:r>
             <a:r>
-              <a:rPr lang="en-US" dirty="0" err="1">
+              <a:rPr lang="en-US" sz="1600" dirty="0" err="1">
                 <a:solidFill>
                   <a:schemeClr val="tx1">
                     <a:lumMod val="75000"/>
@@ -10830,7 +10848,7 @@
               <a:t>calcolare</a:t>
             </a:r>
             <a:r>
-              <a:rPr lang="en-US">
+              <a:rPr lang="en-US" sz="1600">
                 <a:solidFill>
                   <a:schemeClr val="tx1">
                     <a:lumMod val="75000"/>
@@ -10852,7 +10870,7 @@
               <a:buFont typeface="Calibri" panose="020F0502020204030204" pitchFamily="34" charset="0"/>
             </a:pPr>
             <a:r>
-              <a:rPr lang="en-US">
+              <a:rPr lang="en-US" sz="1600">
                 <a:solidFill>
                   <a:schemeClr val="tx1">
                     <a:lumMod val="75000"/>
@@ -10874,7 +10892,7 @@
               <a:buFont typeface="Calibri" panose="020F0502020204030204" pitchFamily="34" charset="0"/>
             </a:pPr>
             <a:r>
-              <a:rPr lang="en-US">
+              <a:rPr lang="en-US" sz="1600">
                 <a:solidFill>
                   <a:schemeClr val="tx1">
                     <a:lumMod val="75000"/>
@@ -10896,7 +10914,7 @@
               <a:buFont typeface="Calibri" panose="020F0502020204030204" pitchFamily="34" charset="0"/>
             </a:pPr>
             <a:r>
-              <a:rPr lang="en-US">
+              <a:rPr lang="en-US" sz="1600">
                 <a:solidFill>
                   <a:schemeClr val="tx1">
                     <a:lumMod val="75000"/>
@@ -10907,7 +10925,7 @@
               <a:t>In seguito vengono applicate delle trasformazioni di </a:t>
             </a:r>
             <a:r>
-              <a:rPr lang="en-US" i="1">
+              <a:rPr lang="en-US" sz="1600" i="1">
                 <a:solidFill>
                   <a:schemeClr val="tx1">
                     <a:lumMod val="75000"/>
@@ -10918,7 +10936,7 @@
               <a:t>keyBy </a:t>
             </a:r>
             <a:r>
-              <a:rPr lang="en-US">
+              <a:rPr lang="en-US" sz="1600">
                 <a:solidFill>
                   <a:schemeClr val="tx1">
                     <a:lumMod val="75000"/>
@@ -10929,7 +10947,7 @@
               <a:t>e di </a:t>
             </a:r>
             <a:r>
-              <a:rPr lang="en-US" i="1">
+              <a:rPr lang="en-US" sz="1600" i="1">
                 <a:solidFill>
                   <a:schemeClr val="tx1">
                     <a:lumMod val="75000"/>
@@ -10940,7 +10958,7 @@
               <a:t>window</a:t>
             </a:r>
             <a:r>
-              <a:rPr lang="en-US">
+              <a:rPr lang="en-US" sz="1600">
                 <a:solidFill>
                   <a:schemeClr val="tx1">
                     <a:lumMod val="75000"/>
@@ -10962,7 +10980,7 @@
               <a:buFont typeface="Calibri" panose="020F0502020204030204" pitchFamily="34" charset="0"/>
             </a:pPr>
             <a:r>
-              <a:rPr lang="en-US">
+              <a:rPr lang="en-US" sz="1600">
                 <a:solidFill>
                   <a:schemeClr val="tx1">
                     <a:lumMod val="75000"/>
@@ -10970,10 +10988,10 @@
                   </a:schemeClr>
                 </a:solidFill>
               </a:rPr>
-              <a:t>Infine i dati sono </a:t>
-            </a:r>
-            <a:r>
-              <a:rPr lang="en-US" b="1" u="sng">
+              <a:t>Infine i dati sono aggregati per tenere il conto delle navi, per poi essere mappati tramite una funzione che usa uno </a:t>
+            </a:r>
+            <a:r>
+              <a:rPr lang="en-US" sz="1600" i="1">
                 <a:solidFill>
                   <a:schemeClr val="tx1">
                     <a:lumMod val="75000"/>
@@ -10981,32 +10999,10 @@
                   </a:schemeClr>
                 </a:solidFill>
               </a:rPr>
-              <a:t>aggregati</a:t>
-            </a:r>
-            <a:r>
-              <a:rPr lang="en-US">
-                <a:solidFill>
-                  <a:schemeClr val="tx1">
-                    <a:lumMod val="75000"/>
-                    <a:lumOff val="25000"/>
-                  </a:schemeClr>
-                </a:solidFill>
-              </a:rPr>
-              <a:t> e mappati tramite una funzione che usa uno </a:t>
-            </a:r>
-            <a:r>
-              <a:rPr lang="en-US" i="1">
-                <a:solidFill>
-                  <a:schemeClr val="tx1">
-                    <a:lumMod val="75000"/>
-                    <a:lumOff val="25000"/>
-                  </a:schemeClr>
-                </a:solidFill>
-              </a:rPr>
               <a:t>StringBuilder</a:t>
             </a:r>
             <a:r>
-              <a:rPr lang="en-US">
+              <a:rPr lang="en-US" sz="1600">
                 <a:solidFill>
                   <a:schemeClr val="tx1">
                     <a:lumMod val="75000"/>
@@ -11028,7 +11024,7 @@
               <a:buFont typeface="Calibri" panose="020F0502020204030204" pitchFamily="34" charset="0"/>
             </a:pPr>
             <a:r>
-              <a:rPr lang="en-US">
+              <a:rPr lang="en-US" sz="1600">
                 <a:solidFill>
                   <a:schemeClr val="tx1">
                     <a:lumMod val="75000"/>
@@ -11039,7 +11035,7 @@
               <a:t>Il risultato finale è input di una funzione </a:t>
             </a:r>
             <a:r>
-              <a:rPr lang="en-US" i="1">
+              <a:rPr lang="en-US" sz="1600" i="1">
                 <a:solidFill>
                   <a:schemeClr val="tx1">
                     <a:lumMod val="75000"/>
@@ -11050,7 +11046,7 @@
               <a:t>addSink</a:t>
             </a:r>
             <a:r>
-              <a:rPr lang="en-US">
+              <a:rPr lang="en-US" sz="1600">
                 <a:solidFill>
                   <a:schemeClr val="tx1">
                     <a:lumMod val="75000"/>
@@ -11071,7 +11067,7 @@
               </a:buClr>
               <a:buFont typeface="Calibri" panose="020F0502020204030204" pitchFamily="34" charset="0"/>
             </a:pPr>
-            <a:endParaRPr lang="en-US">
+            <a:endParaRPr lang="en-US" sz="1600">
               <a:solidFill>
                 <a:schemeClr val="tx1">
                   <a:lumMod val="75000"/>
@@ -11090,26 +11086,7 @@
               </a:buClr>
               <a:buFont typeface="Calibri" panose="020F0502020204030204" pitchFamily="34" charset="0"/>
             </a:pPr>
-            <a:endParaRPr lang="en-US">
-              <a:solidFill>
-                <a:schemeClr val="tx1">
-                  <a:lumMod val="75000"/>
-                  <a:lumOff val="25000"/>
-                </a:schemeClr>
-              </a:solidFill>
-            </a:endParaRPr>
-          </a:p>
-          <a:p>
-            <a:pPr algn="just" defTabSz="914400">
-              <a:spcAft>
-                <a:spcPts val="600"/>
-              </a:spcAft>
-              <a:buClr>
-                <a:schemeClr val="accent1"/>
-              </a:buClr>
-              <a:buFont typeface="Calibri" panose="020F0502020204030204" pitchFamily="34" charset="0"/>
-            </a:pPr>
-            <a:endParaRPr lang="en-US" dirty="0">
+            <a:endParaRPr lang="en-US" sz="1600">
               <a:solidFill>
                 <a:schemeClr val="tx1">
                   <a:lumMod val="75000"/>
@@ -11131,7 +11108,7 @@
               </a:buClr>
               <a:buFont typeface="Calibri" panose="020F0502020204030204" pitchFamily="34" charset="0"/>
             </a:pPr>
-            <a:endParaRPr lang="en-US" dirty="0">
+            <a:endParaRPr lang="en-US" sz="1600" dirty="0">
               <a:solidFill>
                 <a:schemeClr val="tx1">
                   <a:lumMod val="75000"/>
@@ -11334,14 +11311,20 @@
           </a:lstStyle>
           <a:p>
             <a:r>
-              <a:rPr lang="it-IT" sz="1200" dirty="0">
+              <a:rPr lang="it-IT" sz="1200">
                 <a:solidFill>
                   <a:schemeClr val="tx1"/>
                 </a:solidFill>
                 <a:latin typeface="Abadi" panose="020B0604020104020204" pitchFamily="34" charset="0"/>
               </a:rPr>
-              <a:t>10</a:t>
-            </a:r>
+              <a:t>6</a:t>
+            </a:r>
+            <a:endParaRPr lang="it-IT" sz="1200" dirty="0">
+              <a:solidFill>
+                <a:schemeClr val="tx1"/>
+              </a:solidFill>
+              <a:latin typeface="Abadi" panose="020B0604020104020204" pitchFamily="34" charset="0"/>
+            </a:endParaRPr>
           </a:p>
         </p:txBody>
       </p:sp>
@@ -11360,7 +11343,7 @@
         <p:spPr>
           <a:xfrm>
             <a:off x="1016000" y="2023962"/>
-            <a:ext cx="6173037" cy="3845131"/>
+            <a:ext cx="10375900" cy="3845131"/>
           </a:xfrm>
           <a:prstGeom prst="rect">
             <a:avLst/>
@@ -11368,7 +11351,7 @@
         </p:spPr>
         <p:txBody>
           <a:bodyPr vert="horz" lIns="0" tIns="45720" rIns="0" bIns="45720" rtlCol="0">
-            <a:normAutofit fontScale="85000" lnSpcReduction="20000"/>
+            <a:noAutofit/>
           </a:bodyPr>
           <a:lstStyle/>
           <a:p>
@@ -11382,7 +11365,7 @@
               <a:buFont typeface="Calibri" panose="020F0502020204030204" pitchFamily="34" charset="0"/>
             </a:pPr>
             <a:r>
-              <a:rPr lang="en-US">
+              <a:rPr lang="en-US" sz="1600">
                 <a:solidFill>
                   <a:schemeClr val="tx1">
                     <a:lumMod val="75000"/>
@@ -11404,7 +11387,7 @@
               <a:buFont typeface="Calibri" panose="020F0502020204030204" pitchFamily="34" charset="0"/>
             </a:pPr>
             <a:r>
-              <a:rPr lang="en-US">
+              <a:rPr lang="en-US" sz="1600">
                 <a:solidFill>
                   <a:schemeClr val="tx1">
                     <a:lumMod val="75000"/>
@@ -11412,29 +11395,7 @@
                   </a:schemeClr>
                 </a:solidFill>
               </a:rPr>
-              <a:t>Il grado di frequentazione di una cella indica il numero di navi diverse che la attraversano, e viene </a:t>
-            </a:r>
-            <a:r>
-              <a:rPr lang="en-US" u="sng">
-                <a:solidFill>
-                  <a:schemeClr val="tx1">
-                    <a:lumMod val="75000"/>
-                    <a:lumOff val="25000"/>
-                  </a:schemeClr>
-                </a:solidFill>
-              </a:rPr>
-              <a:t>calcolato</a:t>
-            </a:r>
-            <a:r>
-              <a:rPr lang="en-US">
-                <a:solidFill>
-                  <a:schemeClr val="tx1">
-                    <a:lumMod val="75000"/>
-                    <a:lumOff val="25000"/>
-                  </a:schemeClr>
-                </a:solidFill>
-              </a:rPr>
-              <a:t> [...]</a:t>
+              <a:t>Il grado di frequentazione di una cella indica il numero di navi diverse che la attraversano, e viene calcolato attraverso una trasformazione di tipo reduce.</a:t>
             </a:r>
           </a:p>
           <a:p>
@@ -11448,7 +11409,7 @@
               <a:buFont typeface="Calibri" panose="020F0502020204030204" pitchFamily="34" charset="0"/>
             </a:pPr>
             <a:r>
-              <a:rPr lang="en-US">
+              <a:rPr lang="en-US" sz="1600">
                 <a:solidFill>
                   <a:schemeClr val="tx1">
                     <a:lumMod val="75000"/>
@@ -11470,7 +11431,7 @@
               <a:buFont typeface="Calibri" panose="020F0502020204030204" pitchFamily="34" charset="0"/>
             </a:pPr>
             <a:r>
-              <a:rPr lang="en-US">
+              <a:rPr lang="en-US" sz="1600">
                 <a:solidFill>
                   <a:schemeClr val="tx1">
                     <a:lumMod val="75000"/>
@@ -11481,7 +11442,7 @@
               <a:t>Viene applicata una trasformazione di </a:t>
             </a:r>
             <a:r>
-              <a:rPr lang="en-US" i="1">
+              <a:rPr lang="en-US" sz="1600" i="1">
                 <a:solidFill>
                   <a:schemeClr val="tx1">
                     <a:lumMod val="75000"/>
@@ -11492,7 +11453,7 @@
               <a:t>window</a:t>
             </a:r>
             <a:r>
-              <a:rPr lang="en-US">
+              <a:rPr lang="en-US" sz="1600">
                 <a:solidFill>
                   <a:schemeClr val="tx1">
                     <a:lumMod val="75000"/>
@@ -11514,7 +11475,7 @@
               <a:buFont typeface="Calibri" panose="020F0502020204030204" pitchFamily="34" charset="0"/>
             </a:pPr>
             <a:r>
-              <a:rPr lang="en-US">
+              <a:rPr lang="en-US" sz="1600">
                 <a:solidFill>
                   <a:schemeClr val="tx1">
                     <a:lumMod val="75000"/>
@@ -11525,7 +11486,7 @@
               <a:t>Il flusso viene suddiviso in base al tipo di mare, si crea un'ultima </a:t>
             </a:r>
             <a:r>
-              <a:rPr lang="en-US" i="1">
+              <a:rPr lang="en-US" sz="1600" i="1">
                 <a:solidFill>
                   <a:schemeClr val="tx1">
                     <a:lumMod val="75000"/>
@@ -11536,7 +11497,7 @@
               <a:t>WindowedStream </a:t>
             </a:r>
             <a:r>
-              <a:rPr lang="en-US">
+              <a:rPr lang="en-US" sz="1600">
                 <a:solidFill>
                   <a:schemeClr val="tx1">
                     <a:lumMod val="75000"/>
@@ -11558,7 +11519,7 @@
               <a:buFont typeface="Calibri" panose="020F0502020204030204" pitchFamily="34" charset="0"/>
             </a:pPr>
             <a:r>
-              <a:rPr lang="en-US">
+              <a:rPr lang="en-US" sz="1600">
                 <a:solidFill>
                   <a:schemeClr val="tx1">
                     <a:lumMod val="75000"/>
@@ -11569,7 +11530,7 @@
               <a:t>Anche in questo caso, come ultimo passo, viene eseguita una funzione </a:t>
             </a:r>
             <a:r>
-              <a:rPr lang="en-US" i="1">
+              <a:rPr lang="en-US" sz="1600" i="1">
                 <a:solidFill>
                   <a:schemeClr val="tx1">
                     <a:lumMod val="75000"/>
@@ -11580,7 +11541,7 @@
               <a:t>addSink</a:t>
             </a:r>
             <a:r>
-              <a:rPr lang="en-US">
+              <a:rPr lang="en-US" sz="1600">
                 <a:solidFill>
                   <a:schemeClr val="tx1">
                     <a:lumMod val="75000"/>
@@ -11876,7 +11837,7 @@
                 </a:solidFill>
                 <a:latin typeface="Abadi" panose="020B0604020104020204" pitchFamily="34" charset="0"/>
               </a:rPr>
-              <a:t>13</a:t>
+              <a:t>7</a:t>
             </a:r>
           </a:p>
         </p:txBody>
@@ -11896,7 +11857,7 @@
         <p:spPr>
           <a:xfrm>
             <a:off x="1016000" y="2023962"/>
-            <a:ext cx="6173037" cy="3845131"/>
+            <a:ext cx="10247742" cy="3845131"/>
           </a:xfrm>
           <a:prstGeom prst="rect">
             <a:avLst/>
@@ -11904,7 +11865,7 @@
         </p:spPr>
         <p:txBody>
           <a:bodyPr vert="horz" lIns="0" tIns="45720" rIns="0" bIns="45720" rtlCol="0">
-            <a:normAutofit fontScale="92500" lnSpcReduction="10000"/>
+            <a:noAutofit/>
           </a:bodyPr>
           <a:lstStyle/>
           <a:p>
@@ -11918,7 +11879,7 @@
               <a:buFont typeface="Calibri" panose="020F0502020204030204" pitchFamily="34" charset="0"/>
             </a:pPr>
             <a:r>
-              <a:rPr lang="en-US">
+              <a:rPr lang="en-US" sz="1600">
                 <a:solidFill>
                   <a:schemeClr val="tx1">
                     <a:lumMod val="75000"/>
@@ -11940,7 +11901,7 @@
               <a:buFont typeface="Calibri" panose="020F0502020204030204" pitchFamily="34" charset="0"/>
             </a:pPr>
             <a:r>
-              <a:rPr lang="en-US">
+              <a:rPr lang="en-US" sz="1600">
                 <a:solidFill>
                   <a:schemeClr val="tx1">
                     <a:lumMod val="75000"/>
@@ -11951,7 +11912,7 @@
               <a:t>Dopo aver creato una prima </a:t>
             </a:r>
             <a:r>
-              <a:rPr lang="en-US" i="1">
+              <a:rPr lang="en-US" sz="1600" i="1">
                 <a:solidFill>
                   <a:schemeClr val="tx1">
                     <a:lumMod val="75000"/>
@@ -11962,7 +11923,7 @@
               <a:t>WindowedStream</a:t>
             </a:r>
             <a:r>
-              <a:rPr lang="en-US">
+              <a:rPr lang="en-US" sz="1600">
                 <a:solidFill>
                   <a:schemeClr val="tx1">
                     <a:lumMod val="75000"/>
@@ -11984,7 +11945,7 @@
               <a:buFont typeface="Calibri" panose="020F0502020204030204" pitchFamily="34" charset="0"/>
             </a:pPr>
             <a:r>
-              <a:rPr lang="en-US">
+              <a:rPr lang="en-US" sz="1600">
                 <a:solidFill>
                   <a:schemeClr val="tx1">
                     <a:lumMod val="75000"/>
@@ -11995,7 +11956,7 @@
               <a:t>Per realizzare la classifica dei viaggi si crea una </a:t>
             </a:r>
             <a:r>
-              <a:rPr lang="en-US" i="1">
+              <a:rPr lang="en-US" sz="1600" i="1">
                 <a:solidFill>
                   <a:schemeClr val="tx1">
                     <a:lumMod val="75000"/>
@@ -12006,7 +11967,7 @@
               <a:t>AllWindowedStream</a:t>
             </a:r>
             <a:r>
-              <a:rPr lang="en-US">
+              <a:rPr lang="en-US" sz="1600">
                 <a:solidFill>
                   <a:schemeClr val="tx1">
                     <a:lumMod val="75000"/>
@@ -12017,7 +11978,7 @@
               <a:t>, considerando sempre i due event time sopracitati. In seguito c'è una fase di aggregazione dei dati [</a:t>
             </a:r>
             <a:r>
-              <a:rPr lang="en-US" u="sng">
+              <a:rPr lang="en-US" sz="1600" u="sng">
                 <a:solidFill>
                   <a:schemeClr val="tx1">
                     <a:lumMod val="75000"/>
@@ -12028,7 +11989,7 @@
               <a:t>RankingTrip</a:t>
             </a:r>
             <a:r>
-              <a:rPr lang="en-US">
+              <a:rPr lang="en-US" sz="1600">
                 <a:solidFill>
                   <a:schemeClr val="tx1">
                     <a:lumMod val="75000"/>
@@ -12050,7 +12011,7 @@
               <a:buFont typeface="Calibri" panose="020F0502020204030204" pitchFamily="34" charset="0"/>
             </a:pPr>
             <a:r>
-              <a:rPr lang="en-US">
+              <a:rPr lang="en-US" sz="1600">
                 <a:solidFill>
                   <a:schemeClr val="tx1">
                     <a:lumMod val="75000"/>
@@ -12061,7 +12022,7 @@
               <a:t>Come per le query precedenti, tramite la funzione finale </a:t>
             </a:r>
             <a:r>
-              <a:rPr lang="en-US" i="1">
+              <a:rPr lang="en-US" sz="1600" i="1">
                 <a:solidFill>
                   <a:schemeClr val="tx1">
                     <a:lumMod val="75000"/>
@@ -12072,7 +12033,7 @@
               <a:t>addSink</a:t>
             </a:r>
             <a:r>
-              <a:rPr lang="en-US">
+              <a:rPr lang="en-US" sz="1600">
                 <a:solidFill>
                   <a:schemeClr val="tx1">
                     <a:lumMod val="75000"/>
@@ -12391,6 +12352,12 @@
 </file>
 
 <file path=customXml/item2.xml><?xml version="1.0" encoding="utf-8"?>
+<p:properties xmlns:p="http://schemas.microsoft.com/office/2006/metadata/properties" xmlns:xsi="http://www.w3.org/2001/XMLSchema-instance" xmlns:pc="http://schemas.microsoft.com/office/infopath/2007/PartnerControls">
+  <documentManagement/>
+</p:properties>
+</file>
+
+<file path=customXml/item3.xml><?xml version="1.0" encoding="utf-8"?>
 <ct:contentTypeSchema xmlns:ct="http://schemas.microsoft.com/office/2006/metadata/contentType" xmlns:ma="http://schemas.microsoft.com/office/2006/metadata/properties/metaAttributes" ct:_="" ma:_="" ma:contentTypeName="Documento" ma:contentTypeID="0x0101001B2F273E5257C543A6CFD9471712AB86" ma:contentTypeVersion="2" ma:contentTypeDescription="Creare un nuovo documento." ma:contentTypeScope="" ma:versionID="7da39846fdfbec0136c6ed8db05b1434">
   <xsd:schema xmlns:xsd="http://www.w3.org/2001/XMLSchema" xmlns:xs="http://www.w3.org/2001/XMLSchema" xmlns:p="http://schemas.microsoft.com/office/2006/metadata/properties" xmlns:ns3="b834c3d6-9ef1-49f4-b3cb-b2339dc10402" targetNamespace="http://schemas.microsoft.com/office/2006/metadata/properties" ma:root="true" ma:fieldsID="c8bb2d35c47a3ff38126fa6a602bfb74" ns3:_="">
     <xsd:import namespace="b834c3d6-9ef1-49f4-b3cb-b2339dc10402"/>
@@ -12522,12 +12489,6 @@
 </ct:contentTypeSchema>
 </file>
 
-<file path=customXml/item3.xml><?xml version="1.0" encoding="utf-8"?>
-<p:properties xmlns:p="http://schemas.microsoft.com/office/2006/metadata/properties" xmlns:xsi="http://www.w3.org/2001/XMLSchema-instance" xmlns:pc="http://schemas.microsoft.com/office/infopath/2007/PartnerControls">
-  <documentManagement/>
-</p:properties>
-</file>
-
 <file path=customXml/itemProps1.xml><?xml version="1.0" encoding="utf-8"?>
 <ds:datastoreItem xmlns:ds="http://schemas.openxmlformats.org/officeDocument/2006/customXml" ds:itemID="{9F1D6BB2-5336-49C3-88C7-C3E15B1B61B8}">
   <ds:schemaRefs>
@@ -12537,6 +12498,22 @@
 </file>
 
 <file path=customXml/itemProps2.xml><?xml version="1.0" encoding="utf-8"?>
+<ds:datastoreItem xmlns:ds="http://schemas.openxmlformats.org/officeDocument/2006/customXml" ds:itemID="{8259E4A6-4C2A-4BE1-80F9-97662DD0F74E}">
+  <ds:schemaRefs>
+    <ds:schemaRef ds:uri="http://schemas.microsoft.com/office/2006/metadata/properties"/>
+    <ds:schemaRef ds:uri="b834c3d6-9ef1-49f4-b3cb-b2339dc10402"/>
+    <ds:schemaRef ds:uri="http://www.w3.org/XML/1998/namespace"/>
+    <ds:schemaRef ds:uri="http://purl.org/dc/elements/1.1/"/>
+    <ds:schemaRef ds:uri="http://schemas.openxmlformats.org/package/2006/metadata/core-properties"/>
+    <ds:schemaRef ds:uri="http://purl.org/dc/dcmitype/"/>
+    <ds:schemaRef ds:uri="http://schemas.microsoft.com/office/2006/documentManagement/types"/>
+    <ds:schemaRef ds:uri="http://schemas.microsoft.com/office/infopath/2007/PartnerControls"/>
+    <ds:schemaRef ds:uri="http://purl.org/dc/terms/"/>
+  </ds:schemaRefs>
+</ds:datastoreItem>
+</file>
+
+<file path=customXml/itemProps3.xml><?xml version="1.0" encoding="utf-8"?>
 <ds:datastoreItem xmlns:ds="http://schemas.openxmlformats.org/officeDocument/2006/customXml" ds:itemID="{7E27707B-163E-484C-B971-D7B8FAE9A246}">
   <ds:schemaRefs>
     <ds:schemaRef ds:uri="http://schemas.microsoft.com/office/2006/metadata/contentType"/>
@@ -12552,20 +12529,4 @@
     <ds:schemaRef ds:uri="http://schemas.microsoft.com/internal/obd"/>
   </ds:schemaRefs>
 </ds:datastoreItem>
-</file>
-
-<file path=customXml/itemProps3.xml><?xml version="1.0" encoding="utf-8"?>
-<ds:datastoreItem xmlns:ds="http://schemas.openxmlformats.org/officeDocument/2006/customXml" ds:itemID="{8259E4A6-4C2A-4BE1-80F9-97662DD0F74E}">
-  <ds:schemaRefs>
-    <ds:schemaRef ds:uri="http://schemas.microsoft.com/office/2006/metadata/properties"/>
-    <ds:schemaRef ds:uri="b834c3d6-9ef1-49f4-b3cb-b2339dc10402"/>
-    <ds:schemaRef ds:uri="http://www.w3.org/XML/1998/namespace"/>
-    <ds:schemaRef ds:uri="http://purl.org/dc/elements/1.1/"/>
-    <ds:schemaRef ds:uri="http://schemas.openxmlformats.org/package/2006/metadata/core-properties"/>
-    <ds:schemaRef ds:uri="http://purl.org/dc/dcmitype/"/>
-    <ds:schemaRef ds:uri="http://schemas.microsoft.com/office/2006/documentManagement/types"/>
-    <ds:schemaRef ds:uri="http://schemas.microsoft.com/office/infopath/2007/PartnerControls"/>
-    <ds:schemaRef ds:uri="http://purl.org/dc/terms/"/>
-  </ds:schemaRefs>
-</ds:datastoreItem>
 </file>